--- a/Persentations/1.pptx
+++ b/Persentations/1.pptx
@@ -2,7 +2,7 @@
 <file path=ppt/presentation.xml><?xml version="1.0" encoding="utf-8"?>
 <p:presentation xmlns:a="http://schemas.openxmlformats.org/drawingml/2006/main" xmlns:r="http://schemas.openxmlformats.org/officeDocument/2006/relationships" xmlns:p="http://schemas.openxmlformats.org/presentationml/2006/main" saveSubsetFonts="1">
   <p:sldMasterIdLst>
-    <p:sldMasterId id="2147483690" r:id="rId1"/>
+    <p:sldMasterId id="2147483672" r:id="rId1"/>
   </p:sldMasterIdLst>
   <p:sldIdLst>
     <p:sldId id="256" r:id="rId2"/>
@@ -16,7 +16,6 @@
     <p:sldId id="264" r:id="rId14"/>
     <p:sldId id="265" r:id="rId15"/>
     <p:sldId id="266" r:id="rId16"/>
-    <p:sldId id="267" r:id="rId17"/>
   </p:sldIdLst>
   <p:sldSz cx="12192000" cy="6858000"/>
   <p:notesSz cx="6858000" cy="9144000"/>
@@ -119,7 +118,7 @@
 </file>
 
 <file path=ppt/slideLayouts/slideLayout1.xml><?xml version="1.0" encoding="utf-8"?>
-<p:sldLayout xmlns:a="http://schemas.openxmlformats.org/drawingml/2006/main" xmlns:r="http://schemas.openxmlformats.org/officeDocument/2006/relationships" xmlns:p="http://schemas.openxmlformats.org/presentationml/2006/main" showMasterSp="0" type="title" preserve="1">
+<p:sldLayout xmlns:a="http://schemas.openxmlformats.org/drawingml/2006/main" xmlns:r="http://schemas.openxmlformats.org/officeDocument/2006/relationships" xmlns:p="http://schemas.openxmlformats.org/presentationml/2006/main" type="title" preserve="1">
   <p:cSld name="Title Slide">
     <p:spTree>
       <p:nvGrpSpPr>
@@ -135,536 +134,6 @@
           <a:chExt cx="0" cy="0"/>
         </a:xfrm>
       </p:grpSpPr>
-      <p:grpSp>
-        <p:nvGrpSpPr>
-          <p:cNvPr id="7" name="Group 6"/>
-          <p:cNvGrpSpPr/>
-          <p:nvPr/>
-        </p:nvGrpSpPr>
-        <p:grpSpPr>
-          <a:xfrm>
-            <a:off x="0" y="-8467"/>
-            <a:ext cx="12192000" cy="6866467"/>
-            <a:chOff x="0" y="-8467"/>
-            <a:chExt cx="12192000" cy="6866467"/>
-          </a:xfrm>
-        </p:grpSpPr>
-        <p:cxnSp>
-          <p:nvCxnSpPr>
-            <p:cNvPr id="32" name="Straight Connector 31"/>
-            <p:cNvCxnSpPr/>
-            <p:nvPr/>
-          </p:nvCxnSpPr>
-          <p:spPr>
-            <a:xfrm>
-              <a:off x="9371012" y="0"/>
-              <a:ext cx="1219200" cy="6858000"/>
-            </a:xfrm>
-            <a:prstGeom prst="line">
-              <a:avLst/>
-            </a:prstGeom>
-            <a:ln w="9525">
-              <a:solidFill>
-                <a:schemeClr val="bg1">
-                  <a:lumMod val="75000"/>
-                </a:schemeClr>
-              </a:solidFill>
-            </a:ln>
-          </p:spPr>
-          <p:style>
-            <a:lnRef idx="2">
-              <a:schemeClr val="accent1"/>
-            </a:lnRef>
-            <a:fillRef idx="0">
-              <a:schemeClr val="accent1"/>
-            </a:fillRef>
-            <a:effectRef idx="1">
-              <a:schemeClr val="accent1"/>
-            </a:effectRef>
-            <a:fontRef idx="minor">
-              <a:schemeClr val="tx1"/>
-            </a:fontRef>
-          </p:style>
-        </p:cxnSp>
-        <p:cxnSp>
-          <p:nvCxnSpPr>
-            <p:cNvPr id="21" name="Straight Connector 20"/>
-            <p:cNvCxnSpPr/>
-            <p:nvPr/>
-          </p:nvCxnSpPr>
-          <p:spPr>
-            <a:xfrm flipH="1">
-              <a:off x="7425267" y="3681413"/>
-              <a:ext cx="4763558" cy="3176587"/>
-            </a:xfrm>
-            <a:prstGeom prst="line">
-              <a:avLst/>
-            </a:prstGeom>
-            <a:ln w="9525">
-              <a:solidFill>
-                <a:schemeClr val="bg1">
-                  <a:lumMod val="85000"/>
-                </a:schemeClr>
-              </a:solidFill>
-            </a:ln>
-          </p:spPr>
-          <p:style>
-            <a:lnRef idx="2">
-              <a:schemeClr val="accent1"/>
-            </a:lnRef>
-            <a:fillRef idx="0">
-              <a:schemeClr val="accent1"/>
-            </a:fillRef>
-            <a:effectRef idx="1">
-              <a:schemeClr val="accent1"/>
-            </a:effectRef>
-            <a:fontRef idx="minor">
-              <a:schemeClr val="tx1"/>
-            </a:fontRef>
-          </p:style>
-        </p:cxnSp>
-        <p:sp>
-          <p:nvSpPr>
-            <p:cNvPr id="24" name="Rectangle 23"/>
-            <p:cNvSpPr/>
-            <p:nvPr/>
-          </p:nvSpPr>
-          <p:spPr>
-            <a:xfrm>
-              <a:off x="9181476" y="-8467"/>
-              <a:ext cx="3007349" cy="6866467"/>
-            </a:xfrm>
-            <a:custGeom>
-              <a:avLst/>
-              <a:gdLst/>
-              <a:ahLst/>
-              <a:cxnLst/>
-              <a:rect l="l" t="t" r="r" b="b"/>
-              <a:pathLst>
-                <a:path w="3007349" h="6866467">
-                  <a:moveTo>
-                    <a:pt x="2045532" y="0"/>
-                  </a:moveTo>
-                  <a:lnTo>
-                    <a:pt x="3007349" y="0"/>
-                  </a:lnTo>
-                  <a:lnTo>
-                    <a:pt x="3007349" y="6866467"/>
-                  </a:lnTo>
-                  <a:lnTo>
-                    <a:pt x="0" y="6866467"/>
-                  </a:lnTo>
-                  <a:lnTo>
-                    <a:pt x="2045532" y="0"/>
-                  </a:lnTo>
-                  <a:close/>
-                </a:path>
-              </a:pathLst>
-            </a:custGeom>
-            <a:solidFill>
-              <a:schemeClr val="accent1">
-                <a:alpha val="30000"/>
-              </a:schemeClr>
-            </a:solidFill>
-            <a:ln>
-              <a:noFill/>
-            </a:ln>
-            <a:effectLst/>
-          </p:spPr>
-          <p:style>
-            <a:lnRef idx="1">
-              <a:schemeClr val="accent1"/>
-            </a:lnRef>
-            <a:fillRef idx="3">
-              <a:schemeClr val="accent1"/>
-            </a:fillRef>
-            <a:effectRef idx="2">
-              <a:schemeClr val="accent1"/>
-            </a:effectRef>
-            <a:fontRef idx="minor">
-              <a:schemeClr val="lt1"/>
-            </a:fontRef>
-          </p:style>
-        </p:sp>
-        <p:sp>
-          <p:nvSpPr>
-            <p:cNvPr id="26" name="Rectangle 25"/>
-            <p:cNvSpPr/>
-            <p:nvPr/>
-          </p:nvSpPr>
-          <p:spPr>
-            <a:xfrm>
-              <a:off x="9603442" y="-8467"/>
-              <a:ext cx="2588558" cy="6866467"/>
-            </a:xfrm>
-            <a:custGeom>
-              <a:avLst/>
-              <a:gdLst/>
-              <a:ahLst/>
-              <a:cxnLst/>
-              <a:rect l="l" t="t" r="r" b="b"/>
-              <a:pathLst>
-                <a:path w="2573311" h="6866467">
-                  <a:moveTo>
-                    <a:pt x="0" y="0"/>
-                  </a:moveTo>
-                  <a:lnTo>
-                    <a:pt x="2573311" y="0"/>
-                  </a:lnTo>
-                  <a:lnTo>
-                    <a:pt x="2573311" y="6866467"/>
-                  </a:lnTo>
-                  <a:lnTo>
-                    <a:pt x="1202336" y="6866467"/>
-                  </a:lnTo>
-                  <a:lnTo>
-                    <a:pt x="0" y="0"/>
-                  </a:lnTo>
-                  <a:close/>
-                </a:path>
-              </a:pathLst>
-            </a:custGeom>
-            <a:solidFill>
-              <a:schemeClr val="accent1">
-                <a:alpha val="20000"/>
-              </a:schemeClr>
-            </a:solidFill>
-            <a:ln>
-              <a:noFill/>
-            </a:ln>
-            <a:effectLst/>
-          </p:spPr>
-          <p:style>
-            <a:lnRef idx="1">
-              <a:schemeClr val="accent1"/>
-            </a:lnRef>
-            <a:fillRef idx="3">
-              <a:schemeClr val="accent1"/>
-            </a:fillRef>
-            <a:effectRef idx="2">
-              <a:schemeClr val="accent1"/>
-            </a:effectRef>
-            <a:fontRef idx="minor">
-              <a:schemeClr val="lt1"/>
-            </a:fontRef>
-          </p:style>
-        </p:sp>
-        <p:sp>
-          <p:nvSpPr>
-            <p:cNvPr id="27" name="Isosceles Triangle 26"/>
-            <p:cNvSpPr/>
-            <p:nvPr/>
-          </p:nvSpPr>
-          <p:spPr>
-            <a:xfrm>
-              <a:off x="8932333" y="3048000"/>
-              <a:ext cx="3259667" cy="3810000"/>
-            </a:xfrm>
-            <a:prstGeom prst="triangle">
-              <a:avLst>
-                <a:gd name="adj" fmla="val 100000"/>
-              </a:avLst>
-            </a:prstGeom>
-            <a:solidFill>
-              <a:schemeClr val="accent2">
-                <a:alpha val="72000"/>
-              </a:schemeClr>
-            </a:solidFill>
-            <a:ln>
-              <a:noFill/>
-            </a:ln>
-            <a:effectLst/>
-          </p:spPr>
-          <p:style>
-            <a:lnRef idx="1">
-              <a:schemeClr val="accent1"/>
-            </a:lnRef>
-            <a:fillRef idx="3">
-              <a:schemeClr val="accent1"/>
-            </a:fillRef>
-            <a:effectRef idx="2">
-              <a:schemeClr val="accent1"/>
-            </a:effectRef>
-            <a:fontRef idx="minor">
-              <a:schemeClr val="lt1"/>
-            </a:fontRef>
-          </p:style>
-        </p:sp>
-        <p:sp>
-          <p:nvSpPr>
-            <p:cNvPr id="28" name="Rectangle 27"/>
-            <p:cNvSpPr/>
-            <p:nvPr/>
-          </p:nvSpPr>
-          <p:spPr>
-            <a:xfrm>
-              <a:off x="9334500" y="-8467"/>
-              <a:ext cx="2854326" cy="6866467"/>
-            </a:xfrm>
-            <a:custGeom>
-              <a:avLst/>
-              <a:gdLst/>
-              <a:ahLst/>
-              <a:cxnLst/>
-              <a:rect l="l" t="t" r="r" b="b"/>
-              <a:pathLst>
-                <a:path w="2858013" h="6866467">
-                  <a:moveTo>
-                    <a:pt x="0" y="0"/>
-                  </a:moveTo>
-                  <a:lnTo>
-                    <a:pt x="2858013" y="0"/>
-                  </a:lnTo>
-                  <a:lnTo>
-                    <a:pt x="2858013" y="6866467"/>
-                  </a:lnTo>
-                  <a:lnTo>
-                    <a:pt x="2473942" y="6866467"/>
-                  </a:lnTo>
-                  <a:lnTo>
-                    <a:pt x="0" y="0"/>
-                  </a:lnTo>
-                  <a:close/>
-                </a:path>
-              </a:pathLst>
-            </a:custGeom>
-            <a:solidFill>
-              <a:schemeClr val="accent2">
-                <a:lumMod val="75000"/>
-                <a:alpha val="70000"/>
-              </a:schemeClr>
-            </a:solidFill>
-            <a:ln>
-              <a:noFill/>
-            </a:ln>
-            <a:effectLst/>
-          </p:spPr>
-          <p:style>
-            <a:lnRef idx="1">
-              <a:schemeClr val="accent1"/>
-            </a:lnRef>
-            <a:fillRef idx="3">
-              <a:schemeClr val="accent1"/>
-            </a:fillRef>
-            <a:effectRef idx="2">
-              <a:schemeClr val="accent1"/>
-            </a:effectRef>
-            <a:fontRef idx="minor">
-              <a:schemeClr val="lt1"/>
-            </a:fontRef>
-          </p:style>
-        </p:sp>
-        <p:sp>
-          <p:nvSpPr>
-            <p:cNvPr id="29" name="Rectangle 28"/>
-            <p:cNvSpPr/>
-            <p:nvPr/>
-          </p:nvSpPr>
-          <p:spPr>
-            <a:xfrm>
-              <a:off x="10898730" y="-8467"/>
-              <a:ext cx="1290094" cy="6866467"/>
-            </a:xfrm>
-            <a:custGeom>
-              <a:avLst/>
-              <a:gdLst/>
-              <a:ahLst/>
-              <a:cxnLst/>
-              <a:rect l="l" t="t" r="r" b="b"/>
-              <a:pathLst>
-                <a:path w="1290094" h="6858000">
-                  <a:moveTo>
-                    <a:pt x="1019735" y="0"/>
-                  </a:moveTo>
-                  <a:lnTo>
-                    <a:pt x="1290094" y="0"/>
-                  </a:lnTo>
-                  <a:lnTo>
-                    <a:pt x="1290094" y="6858000"/>
-                  </a:lnTo>
-                  <a:lnTo>
-                    <a:pt x="0" y="6858000"/>
-                  </a:lnTo>
-                  <a:lnTo>
-                    <a:pt x="1019735" y="0"/>
-                  </a:lnTo>
-                  <a:close/>
-                </a:path>
-              </a:pathLst>
-            </a:custGeom>
-            <a:solidFill>
-              <a:schemeClr val="accent1">
-                <a:lumMod val="60000"/>
-                <a:lumOff val="40000"/>
-                <a:alpha val="70000"/>
-              </a:schemeClr>
-            </a:solidFill>
-            <a:ln>
-              <a:noFill/>
-            </a:ln>
-            <a:effectLst/>
-          </p:spPr>
-          <p:style>
-            <a:lnRef idx="1">
-              <a:schemeClr val="accent1"/>
-            </a:lnRef>
-            <a:fillRef idx="3">
-              <a:schemeClr val="accent1"/>
-            </a:fillRef>
-            <a:effectRef idx="2">
-              <a:schemeClr val="accent1"/>
-            </a:effectRef>
-            <a:fontRef idx="minor">
-              <a:schemeClr val="lt1"/>
-            </a:fontRef>
-          </p:style>
-        </p:sp>
-        <p:sp>
-          <p:nvSpPr>
-            <p:cNvPr id="30" name="Rectangle 29"/>
-            <p:cNvSpPr/>
-            <p:nvPr/>
-          </p:nvSpPr>
-          <p:spPr>
-            <a:xfrm>
-              <a:off x="10938999" y="-8467"/>
-              <a:ext cx="1249825" cy="6866467"/>
-            </a:xfrm>
-            <a:custGeom>
-              <a:avLst/>
-              <a:gdLst/>
-              <a:ahLst/>
-              <a:cxnLst/>
-              <a:rect l="l" t="t" r="r" b="b"/>
-              <a:pathLst>
-                <a:path w="1249825" h="6858000">
-                  <a:moveTo>
-                    <a:pt x="0" y="0"/>
-                  </a:moveTo>
-                  <a:lnTo>
-                    <a:pt x="1249825" y="0"/>
-                  </a:lnTo>
-                  <a:lnTo>
-                    <a:pt x="1249825" y="6858000"/>
-                  </a:lnTo>
-                  <a:lnTo>
-                    <a:pt x="1109382" y="6858000"/>
-                  </a:lnTo>
-                  <a:lnTo>
-                    <a:pt x="0" y="0"/>
-                  </a:lnTo>
-                  <a:close/>
-                </a:path>
-              </a:pathLst>
-            </a:custGeom>
-            <a:solidFill>
-              <a:schemeClr val="accent1">
-                <a:alpha val="65000"/>
-              </a:schemeClr>
-            </a:solidFill>
-            <a:ln>
-              <a:noFill/>
-            </a:ln>
-            <a:effectLst/>
-          </p:spPr>
-          <p:style>
-            <a:lnRef idx="1">
-              <a:schemeClr val="accent1"/>
-            </a:lnRef>
-            <a:fillRef idx="3">
-              <a:schemeClr val="accent1"/>
-            </a:fillRef>
-            <a:effectRef idx="2">
-              <a:schemeClr val="accent1"/>
-            </a:effectRef>
-            <a:fontRef idx="minor">
-              <a:schemeClr val="lt1"/>
-            </a:fontRef>
-          </p:style>
-        </p:sp>
-        <p:sp>
-          <p:nvSpPr>
-            <p:cNvPr id="31" name="Isosceles Triangle 30"/>
-            <p:cNvSpPr/>
-            <p:nvPr/>
-          </p:nvSpPr>
-          <p:spPr>
-            <a:xfrm>
-              <a:off x="10371666" y="3589867"/>
-              <a:ext cx="1817159" cy="3268133"/>
-            </a:xfrm>
-            <a:prstGeom prst="triangle">
-              <a:avLst>
-                <a:gd name="adj" fmla="val 100000"/>
-              </a:avLst>
-            </a:prstGeom>
-            <a:solidFill>
-              <a:schemeClr val="accent1">
-                <a:alpha val="80000"/>
-              </a:schemeClr>
-            </a:solidFill>
-            <a:ln>
-              <a:noFill/>
-            </a:ln>
-            <a:effectLst/>
-          </p:spPr>
-          <p:style>
-            <a:lnRef idx="1">
-              <a:schemeClr val="accent1"/>
-            </a:lnRef>
-            <a:fillRef idx="3">
-              <a:schemeClr val="accent1"/>
-            </a:fillRef>
-            <a:effectRef idx="2">
-              <a:schemeClr val="accent1"/>
-            </a:effectRef>
-            <a:fontRef idx="minor">
-              <a:schemeClr val="lt1"/>
-            </a:fontRef>
-          </p:style>
-        </p:sp>
-        <p:sp>
-          <p:nvSpPr>
-            <p:cNvPr id="19" name="Isosceles Triangle 18"/>
-            <p:cNvSpPr/>
-            <p:nvPr/>
-          </p:nvSpPr>
-          <p:spPr>
-            <a:xfrm rot="10800000">
-              <a:off x="0" y="0"/>
-              <a:ext cx="842596" cy="5666154"/>
-            </a:xfrm>
-            <a:prstGeom prst="triangle">
-              <a:avLst>
-                <a:gd name="adj" fmla="val 100000"/>
-              </a:avLst>
-            </a:prstGeom>
-            <a:solidFill>
-              <a:schemeClr val="accent1">
-                <a:alpha val="85000"/>
-              </a:schemeClr>
-            </a:solidFill>
-            <a:ln>
-              <a:noFill/>
-            </a:ln>
-            <a:effectLst/>
-          </p:spPr>
-          <p:style>
-            <a:lnRef idx="1">
-              <a:schemeClr val="accent1"/>
-            </a:lnRef>
-            <a:fillRef idx="3">
-              <a:schemeClr val="accent1"/>
-            </a:fillRef>
-            <a:effectRef idx="2">
-              <a:schemeClr val="accent1"/>
-            </a:effectRef>
-            <a:fontRef idx="minor">
-              <a:schemeClr val="lt1"/>
-            </a:fontRef>
-          </p:style>
-        </p:sp>
-      </p:grpSp>
       <p:sp>
         <p:nvSpPr>
           <p:cNvPr id="2" name="Title 1"/>
@@ -677,21 +146,15 @@
         </p:nvSpPr>
         <p:spPr>
           <a:xfrm>
-            <a:off x="1507067" y="2404534"/>
-            <a:ext cx="7766936" cy="1646302"/>
+            <a:off x="1154955" y="1447800"/>
+            <a:ext cx="8825658" cy="3329581"/>
           </a:xfrm>
         </p:spPr>
         <p:txBody>
-          <a:bodyPr anchor="b">
-            <a:noAutofit/>
-          </a:bodyPr>
+          <a:bodyPr anchor="b"/>
           <a:lstStyle>
-            <a:lvl1pPr algn="r">
-              <a:defRPr sz="5400">
-                <a:solidFill>
-                  <a:schemeClr val="accent1"/>
-                </a:solidFill>
-              </a:defRPr>
+            <a:lvl1pPr>
+              <a:defRPr sz="7200"/>
             </a:lvl1pPr>
           </a:lstStyle>
           <a:p>
@@ -715,20 +178,20 @@
         </p:nvSpPr>
         <p:spPr>
           <a:xfrm>
-            <a:off x="1507067" y="4050833"/>
-            <a:ext cx="7766936" cy="1096899"/>
+            <a:off x="1154955" y="4777380"/>
+            <a:ext cx="8825658" cy="861420"/>
           </a:xfrm>
         </p:spPr>
         <p:txBody>
           <a:bodyPr anchor="t"/>
           <a:lstStyle>
-            <a:lvl1pPr marL="0" indent="0" algn="r">
-              <a:buNone/>
-              <a:defRPr>
+            <a:lvl1pPr marL="0" indent="0" algn="l">
+              <a:buNone/>
+              <a:defRPr cap="all">
                 <a:solidFill>
-                  <a:schemeClr val="tx1">
-                    <a:lumMod val="50000"/>
-                    <a:lumOff val="50000"/>
+                  <a:schemeClr val="bg2">
+                    <a:lumMod val="40000"/>
+                    <a:lumOff val="60000"/>
                   </a:schemeClr>
                 </a:solidFill>
               </a:defRPr>
@@ -891,7 +354,7 @@
     </p:spTree>
     <p:extLst>
       <p:ext uri="{BB962C8B-B14F-4D97-AF65-F5344CB8AC3E}">
-        <p14:creationId xmlns:p14="http://schemas.microsoft.com/office/powerpoint/2010/main" val="1230634806"/>
+        <p14:creationId xmlns:p14="http://schemas.microsoft.com/office/powerpoint/2010/main" val="1787120605"/>
       </p:ext>
     </p:extLst>
   </p:cSld>
@@ -902,6 +365,281 @@
 </file>
 
 <file path=ppt/slideLayouts/slideLayout10.xml><?xml version="1.0" encoding="utf-8"?>
+<p:sldLayout xmlns:a="http://schemas.openxmlformats.org/drawingml/2006/main" xmlns:r="http://schemas.openxmlformats.org/officeDocument/2006/relationships" xmlns:p="http://schemas.openxmlformats.org/presentationml/2006/main" preserve="1">
+  <p:cSld name="Panoramic Picture with Caption">
+    <p:spTree>
+      <p:nvGrpSpPr>
+        <p:cNvPr id="1" name=""/>
+        <p:cNvGrpSpPr/>
+        <p:nvPr/>
+      </p:nvGrpSpPr>
+      <p:grpSpPr>
+        <a:xfrm>
+          <a:off x="0" y="0"/>
+          <a:ext cx="0" cy="0"/>
+          <a:chOff x="0" y="0"/>
+          <a:chExt cx="0" cy="0"/>
+        </a:xfrm>
+      </p:grpSpPr>
+      <p:sp>
+        <p:nvSpPr>
+          <p:cNvPr id="2" name="Title 1"/>
+          <p:cNvSpPr>
+            <a:spLocks noGrp="1"/>
+          </p:cNvSpPr>
+          <p:nvPr>
+            <p:ph type="title"/>
+          </p:nvPr>
+        </p:nvSpPr>
+        <p:spPr>
+          <a:xfrm>
+            <a:off x="1154956" y="4800587"/>
+            <a:ext cx="8825657" cy="566738"/>
+          </a:xfrm>
+        </p:spPr>
+        <p:txBody>
+          <a:bodyPr anchor="b">
+            <a:normAutofit/>
+          </a:bodyPr>
+          <a:lstStyle>
+            <a:lvl1pPr algn="l">
+              <a:defRPr sz="2400" b="0"/>
+            </a:lvl1pPr>
+          </a:lstStyle>
+          <a:p>
+            <a:r>
+              <a:rPr lang="en-US"/>
+              <a:t>Click to edit Master title style</a:t>
+            </a:r>
+            <a:endParaRPr lang="en-US" dirty="0"/>
+          </a:p>
+        </p:txBody>
+      </p:sp>
+      <p:sp>
+        <p:nvSpPr>
+          <p:cNvPr id="3" name="Picture Placeholder 2"/>
+          <p:cNvSpPr>
+            <a:spLocks noGrp="1" noChangeAspect="1"/>
+          </p:cNvSpPr>
+          <p:nvPr>
+            <p:ph type="pic" idx="1"/>
+          </p:nvPr>
+        </p:nvSpPr>
+        <p:spPr>
+          <a:xfrm>
+            <a:off x="1154955" y="685800"/>
+            <a:ext cx="8825658" cy="3640666"/>
+          </a:xfrm>
+          <a:prstGeom prst="roundRect">
+            <a:avLst>
+              <a:gd name="adj" fmla="val 1858"/>
+            </a:avLst>
+          </a:prstGeom>
+          <a:effectLst>
+            <a:outerShdw blurRad="50800" dist="50800" dir="5400000" algn="tl" rotWithShape="0">
+              <a:srgbClr val="000000">
+                <a:alpha val="43000"/>
+              </a:srgbClr>
+            </a:outerShdw>
+          </a:effectLst>
+        </p:spPr>
+        <p:txBody>
+          <a:bodyPr anchor="t">
+            <a:normAutofit/>
+          </a:bodyPr>
+          <a:lstStyle>
+            <a:lvl1pPr marL="0" indent="0" algn="ctr">
+              <a:buNone/>
+              <a:defRPr sz="1600"/>
+            </a:lvl1pPr>
+            <a:lvl2pPr marL="457200" indent="0">
+              <a:buNone/>
+              <a:defRPr sz="1600"/>
+            </a:lvl2pPr>
+            <a:lvl3pPr marL="914400" indent="0">
+              <a:buNone/>
+              <a:defRPr sz="1600"/>
+            </a:lvl3pPr>
+            <a:lvl4pPr marL="1371600" indent="0">
+              <a:buNone/>
+              <a:defRPr sz="1600"/>
+            </a:lvl4pPr>
+            <a:lvl5pPr marL="1828800" indent="0">
+              <a:buNone/>
+              <a:defRPr sz="1600"/>
+            </a:lvl5pPr>
+            <a:lvl6pPr marL="2286000" indent="0">
+              <a:buNone/>
+              <a:defRPr sz="1600"/>
+            </a:lvl6pPr>
+            <a:lvl7pPr marL="2743200" indent="0">
+              <a:buNone/>
+              <a:defRPr sz="1600"/>
+            </a:lvl7pPr>
+            <a:lvl8pPr marL="3200400" indent="0">
+              <a:buNone/>
+              <a:defRPr sz="1600"/>
+            </a:lvl8pPr>
+            <a:lvl9pPr marL="3657600" indent="0">
+              <a:buNone/>
+              <a:defRPr sz="1600"/>
+            </a:lvl9pPr>
+          </a:lstStyle>
+          <a:p>
+            <a:r>
+              <a:rPr lang="en-US"/>
+              <a:t>Click icon to add picture</a:t>
+            </a:r>
+            <a:endParaRPr lang="en-US" dirty="0"/>
+          </a:p>
+        </p:txBody>
+      </p:sp>
+      <p:sp>
+        <p:nvSpPr>
+          <p:cNvPr id="4" name="Text Placeholder 3"/>
+          <p:cNvSpPr>
+            <a:spLocks noGrp="1"/>
+          </p:cNvSpPr>
+          <p:nvPr>
+            <p:ph type="body" sz="half" idx="2"/>
+          </p:nvPr>
+        </p:nvSpPr>
+        <p:spPr>
+          <a:xfrm>
+            <a:off x="1154956" y="5367325"/>
+            <a:ext cx="8825656" cy="493712"/>
+          </a:xfrm>
+        </p:spPr>
+        <p:txBody>
+          <a:bodyPr>
+            <a:normAutofit/>
+          </a:bodyPr>
+          <a:lstStyle>
+            <a:lvl1pPr marL="0" indent="0">
+              <a:buNone/>
+              <a:defRPr sz="1200"/>
+            </a:lvl1pPr>
+            <a:lvl2pPr marL="457200" indent="0">
+              <a:buNone/>
+              <a:defRPr sz="1200"/>
+            </a:lvl2pPr>
+            <a:lvl3pPr marL="914400" indent="0">
+              <a:buNone/>
+              <a:defRPr sz="1000"/>
+            </a:lvl3pPr>
+            <a:lvl4pPr marL="1371600" indent="0">
+              <a:buNone/>
+              <a:defRPr sz="900"/>
+            </a:lvl4pPr>
+            <a:lvl5pPr marL="1828800" indent="0">
+              <a:buNone/>
+              <a:defRPr sz="900"/>
+            </a:lvl5pPr>
+            <a:lvl6pPr marL="2286000" indent="0">
+              <a:buNone/>
+              <a:defRPr sz="900"/>
+            </a:lvl6pPr>
+            <a:lvl7pPr marL="2743200" indent="0">
+              <a:buNone/>
+              <a:defRPr sz="900"/>
+            </a:lvl7pPr>
+            <a:lvl8pPr marL="3200400" indent="0">
+              <a:buNone/>
+              <a:defRPr sz="900"/>
+            </a:lvl8pPr>
+            <a:lvl9pPr marL="3657600" indent="0">
+              <a:buNone/>
+              <a:defRPr sz="900"/>
+            </a:lvl9pPr>
+          </a:lstStyle>
+          <a:p>
+            <a:pPr lvl="0"/>
+            <a:r>
+              <a:rPr lang="en-US"/>
+              <a:t>Click to edit Master text styles</a:t>
+            </a:r>
+          </a:p>
+        </p:txBody>
+      </p:sp>
+      <p:sp>
+        <p:nvSpPr>
+          <p:cNvPr id="5" name="Date Placeholder 4"/>
+          <p:cNvSpPr>
+            <a:spLocks noGrp="1"/>
+          </p:cNvSpPr>
+          <p:nvPr>
+            <p:ph type="dt" sz="half" idx="10"/>
+          </p:nvPr>
+        </p:nvSpPr>
+        <p:spPr/>
+        <p:txBody>
+          <a:bodyPr/>
+          <a:lstStyle/>
+          <a:p>
+            <a:fld id="{AA69BB30-8325-4345-8DFA-998A30CB2488}" type="datetimeFigureOut">
+              <a:rPr lang="en-US" smtClean="0"/>
+              <a:t>9/9/2025</a:t>
+            </a:fld>
+            <a:endParaRPr lang="en-US"/>
+          </a:p>
+        </p:txBody>
+      </p:sp>
+      <p:sp>
+        <p:nvSpPr>
+          <p:cNvPr id="6" name="Footer Placeholder 5"/>
+          <p:cNvSpPr>
+            <a:spLocks noGrp="1"/>
+          </p:cNvSpPr>
+          <p:nvPr>
+            <p:ph type="ftr" sz="quarter" idx="11"/>
+          </p:nvPr>
+        </p:nvSpPr>
+        <p:spPr/>
+        <p:txBody>
+          <a:bodyPr/>
+          <a:lstStyle/>
+          <a:p>
+            <a:endParaRPr lang="en-US"/>
+          </a:p>
+        </p:txBody>
+      </p:sp>
+      <p:sp>
+        <p:nvSpPr>
+          <p:cNvPr id="7" name="Slide Number Placeholder 6"/>
+          <p:cNvSpPr>
+            <a:spLocks noGrp="1"/>
+          </p:cNvSpPr>
+          <p:nvPr>
+            <p:ph type="sldNum" sz="quarter" idx="12"/>
+          </p:nvPr>
+        </p:nvSpPr>
+        <p:spPr/>
+        <p:txBody>
+          <a:bodyPr/>
+          <a:lstStyle/>
+          <a:p>
+            <a:fld id="{FDFB9C32-4155-43F0-9D69-97C79EB91DC0}" type="slidenum">
+              <a:rPr lang="en-US" smtClean="0"/>
+              <a:t>‹#›</a:t>
+            </a:fld>
+            <a:endParaRPr lang="en-US"/>
+          </a:p>
+        </p:txBody>
+      </p:sp>
+    </p:spTree>
+    <p:extLst>
+      <p:ext uri="{BB962C8B-B14F-4D97-AF65-F5344CB8AC3E}">
+        <p14:creationId xmlns:p14="http://schemas.microsoft.com/office/powerpoint/2010/main" val="3586772729"/>
+      </p:ext>
+    </p:extLst>
+  </p:cSld>
+  <p:clrMapOvr>
+    <a:masterClrMapping/>
+  </p:clrMapOvr>
+</p:sldLayout>
+</file>
+
+<file path=ppt/slideLayouts/slideLayout11.xml><?xml version="1.0" encoding="utf-8"?>
 <p:sldLayout xmlns:a="http://schemas.openxmlformats.org/drawingml/2006/main" xmlns:r="http://schemas.openxmlformats.org/officeDocument/2006/relationships" xmlns:p="http://schemas.openxmlformats.org/presentationml/2006/main" preserve="1">
   <p:cSld name="Title and Caption">
     <p:spTree>
@@ -930,8 +668,40 @@
         </p:nvSpPr>
         <p:spPr>
           <a:xfrm>
-            <a:off x="677335" y="609600"/>
-            <a:ext cx="8596668" cy="3403600"/>
+            <a:off x="1154954" y="1447800"/>
+            <a:ext cx="8825659" cy="1981200"/>
+          </a:xfrm>
+        </p:spPr>
+        <p:txBody>
+          <a:bodyPr/>
+          <a:lstStyle>
+            <a:lvl1pPr>
+              <a:defRPr sz="4800"/>
+            </a:lvl1pPr>
+          </a:lstStyle>
+          <a:p>
+            <a:r>
+              <a:rPr lang="en-US"/>
+              <a:t>Click to edit Master title style</a:t>
+            </a:r>
+            <a:endParaRPr lang="en-US" dirty="0"/>
+          </a:p>
+        </p:txBody>
+      </p:sp>
+      <p:sp>
+        <p:nvSpPr>
+          <p:cNvPr id="8" name="Text Placeholder 3"/>
+          <p:cNvSpPr>
+            <a:spLocks noGrp="1"/>
+          </p:cNvSpPr>
+          <p:nvPr>
+            <p:ph type="body" sz="half" idx="2"/>
+          </p:nvPr>
+        </p:nvSpPr>
+        <p:spPr>
+          <a:xfrm>
+            <a:off x="1154954" y="3657600"/>
+            <a:ext cx="8825659" cy="2362200"/>
           </a:xfrm>
         </p:spPr>
         <p:txBody>
@@ -939,130 +709,41 @@
             <a:normAutofit/>
           </a:bodyPr>
           <a:lstStyle>
-            <a:lvl1pPr algn="l">
-              <a:defRPr sz="4400" b="0" cap="none"/>
-            </a:lvl1pPr>
-          </a:lstStyle>
-          <a:p>
-            <a:r>
-              <a:rPr lang="en-US"/>
-              <a:t>Click to edit Master title style</a:t>
-            </a:r>
-            <a:endParaRPr lang="en-US" dirty="0"/>
-          </a:p>
-        </p:txBody>
-      </p:sp>
-      <p:sp>
-        <p:nvSpPr>
-          <p:cNvPr id="3" name="Text Placeholder 2"/>
-          <p:cNvSpPr>
-            <a:spLocks noGrp="1"/>
-          </p:cNvSpPr>
-          <p:nvPr>
-            <p:ph type="body" idx="1"/>
-          </p:nvPr>
-        </p:nvSpPr>
-        <p:spPr>
-          <a:xfrm>
-            <a:off x="677335" y="4470400"/>
-            <a:ext cx="8596668" cy="1570962"/>
-          </a:xfrm>
-        </p:spPr>
-        <p:txBody>
-          <a:bodyPr anchor="ctr">
-            <a:normAutofit/>
-          </a:bodyPr>
-          <a:lstStyle>
-            <a:lvl1pPr marL="0" indent="0" algn="l">
-              <a:buNone/>
-              <a:defRPr sz="1800">
-                <a:solidFill>
-                  <a:schemeClr val="tx1">
-                    <a:lumMod val="75000"/>
-                    <a:lumOff val="25000"/>
-                  </a:schemeClr>
-                </a:solidFill>
-              </a:defRPr>
+            <a:lvl1pPr marL="0" indent="0">
+              <a:buNone/>
+              <a:defRPr sz="1800"/>
             </a:lvl1pPr>
             <a:lvl2pPr marL="457200" indent="0">
               <a:buNone/>
-              <a:defRPr sz="1800">
-                <a:solidFill>
-                  <a:schemeClr val="tx1">
-                    <a:tint val="75000"/>
-                  </a:schemeClr>
-                </a:solidFill>
-              </a:defRPr>
+              <a:defRPr sz="1200"/>
             </a:lvl2pPr>
             <a:lvl3pPr marL="914400" indent="0">
               <a:buNone/>
-              <a:defRPr sz="1600">
-                <a:solidFill>
-                  <a:schemeClr val="tx1">
-                    <a:tint val="75000"/>
-                  </a:schemeClr>
-                </a:solidFill>
-              </a:defRPr>
+              <a:defRPr sz="1000"/>
             </a:lvl3pPr>
             <a:lvl4pPr marL="1371600" indent="0">
               <a:buNone/>
-              <a:defRPr sz="1400">
-                <a:solidFill>
-                  <a:schemeClr val="tx1">
-                    <a:tint val="75000"/>
-                  </a:schemeClr>
-                </a:solidFill>
-              </a:defRPr>
+              <a:defRPr sz="900"/>
             </a:lvl4pPr>
             <a:lvl5pPr marL="1828800" indent="0">
               <a:buNone/>
-              <a:defRPr sz="1400">
-                <a:solidFill>
-                  <a:schemeClr val="tx1">
-                    <a:tint val="75000"/>
-                  </a:schemeClr>
-                </a:solidFill>
-              </a:defRPr>
+              <a:defRPr sz="900"/>
             </a:lvl5pPr>
             <a:lvl6pPr marL="2286000" indent="0">
               <a:buNone/>
-              <a:defRPr sz="1400">
-                <a:solidFill>
-                  <a:schemeClr val="tx1">
-                    <a:tint val="75000"/>
-                  </a:schemeClr>
-                </a:solidFill>
-              </a:defRPr>
+              <a:defRPr sz="900"/>
             </a:lvl6pPr>
             <a:lvl7pPr marL="2743200" indent="0">
               <a:buNone/>
-              <a:defRPr sz="1400">
-                <a:solidFill>
-                  <a:schemeClr val="tx1">
-                    <a:tint val="75000"/>
-                  </a:schemeClr>
-                </a:solidFill>
-              </a:defRPr>
+              <a:defRPr sz="900"/>
             </a:lvl7pPr>
             <a:lvl8pPr marL="3200400" indent="0">
               <a:buNone/>
-              <a:defRPr sz="1400">
-                <a:solidFill>
-                  <a:schemeClr val="tx1">
-                    <a:tint val="75000"/>
-                  </a:schemeClr>
-                </a:solidFill>
-              </a:defRPr>
+              <a:defRPr sz="900"/>
             </a:lvl8pPr>
             <a:lvl9pPr marL="3657600" indent="0">
               <a:buNone/>
-              <a:defRPr sz="1400">
-                <a:solidFill>
-                  <a:schemeClr val="tx1">
-                    <a:tint val="75000"/>
-                  </a:schemeClr>
-                </a:solidFill>
-              </a:defRPr>
+              <a:defRPr sz="900"/>
             </a:lvl9pPr>
           </a:lstStyle>
           <a:p>
@@ -1142,7 +823,7 @@
     </p:spTree>
     <p:extLst>
       <p:ext uri="{BB962C8B-B14F-4D97-AF65-F5344CB8AC3E}">
-        <p14:creationId xmlns:p14="http://schemas.microsoft.com/office/powerpoint/2010/main" val="3731299908"/>
+        <p14:creationId xmlns:p14="http://schemas.microsoft.com/office/powerpoint/2010/main" val="2569862009"/>
       </p:ext>
     </p:extLst>
   </p:cSld>
@@ -1152,7 +833,7 @@
 </p:sldLayout>
 </file>
 
-<file path=ppt/slideLayouts/slideLayout11.xml><?xml version="1.0" encoding="utf-8"?>
+<file path=ppt/slideLayouts/slideLayout12.xml><?xml version="1.0" encoding="utf-8"?>
 <p:sldLayout xmlns:a="http://schemas.openxmlformats.org/drawingml/2006/main" xmlns:r="http://schemas.openxmlformats.org/officeDocument/2006/relationships" xmlns:p="http://schemas.openxmlformats.org/presentationml/2006/main" preserve="1">
   <p:cSld name="Quote with Caption">
     <p:spTree>
@@ -1181,8 +862,119 @@
         </p:nvSpPr>
         <p:spPr>
           <a:xfrm>
-            <a:off x="931334" y="609600"/>
-            <a:ext cx="8094134" cy="3022600"/>
+            <a:off x="1574801" y="1447800"/>
+            <a:ext cx="7999315" cy="2323374"/>
+          </a:xfrm>
+        </p:spPr>
+        <p:txBody>
+          <a:bodyPr/>
+          <a:lstStyle>
+            <a:lvl1pPr>
+              <a:defRPr sz="4800"/>
+            </a:lvl1pPr>
+          </a:lstStyle>
+          <a:p>
+            <a:r>
+              <a:rPr lang="en-US"/>
+              <a:t>Click to edit Master title style</a:t>
+            </a:r>
+            <a:endParaRPr lang="en-US" dirty="0"/>
+          </a:p>
+        </p:txBody>
+      </p:sp>
+      <p:sp>
+        <p:nvSpPr>
+          <p:cNvPr id="11" name="Text Placeholder 3"/>
+          <p:cNvSpPr>
+            <a:spLocks noGrp="1"/>
+          </p:cNvSpPr>
+          <p:nvPr>
+            <p:ph type="body" sz="half" idx="14"/>
+          </p:nvPr>
+        </p:nvSpPr>
+        <p:spPr>
+          <a:xfrm>
+            <a:off x="1930400" y="3771174"/>
+            <a:ext cx="7279649" cy="342174"/>
+          </a:xfrm>
+        </p:spPr>
+        <p:txBody>
+          <a:bodyPr vert="horz" lIns="91440" tIns="45720" rIns="91440" bIns="45720" rtlCol="0" anchor="t">
+            <a:normAutofit/>
+          </a:bodyPr>
+          <a:lstStyle>
+            <a:lvl1pPr marL="0" indent="0">
+              <a:buNone/>
+              <a:defRPr lang="en-US" sz="1400" b="0" i="0" kern="1200" cap="small" dirty="0">
+                <a:solidFill>
+                  <a:schemeClr val="bg2">
+                    <a:lumMod val="40000"/>
+                    <a:lumOff val="60000"/>
+                  </a:schemeClr>
+                </a:solidFill>
+                <a:latin typeface="+mj-lt"/>
+                <a:ea typeface="+mj-ea"/>
+                <a:cs typeface="+mj-cs"/>
+              </a:defRPr>
+            </a:lvl1pPr>
+            <a:lvl2pPr marL="457200" indent="0">
+              <a:buNone/>
+              <a:defRPr sz="1200"/>
+            </a:lvl2pPr>
+            <a:lvl3pPr marL="914400" indent="0">
+              <a:buNone/>
+              <a:defRPr sz="1000"/>
+            </a:lvl3pPr>
+            <a:lvl4pPr marL="1371600" indent="0">
+              <a:buNone/>
+              <a:defRPr sz="900"/>
+            </a:lvl4pPr>
+            <a:lvl5pPr marL="1828800" indent="0">
+              <a:buNone/>
+              <a:defRPr sz="900"/>
+            </a:lvl5pPr>
+            <a:lvl6pPr marL="2286000" indent="0">
+              <a:buNone/>
+              <a:defRPr sz="900"/>
+            </a:lvl6pPr>
+            <a:lvl7pPr marL="2743200" indent="0">
+              <a:buNone/>
+              <a:defRPr sz="900"/>
+            </a:lvl7pPr>
+            <a:lvl8pPr marL="3200400" indent="0">
+              <a:buNone/>
+              <a:defRPr sz="900"/>
+            </a:lvl8pPr>
+            <a:lvl9pPr marL="3657600" indent="0">
+              <a:buNone/>
+              <a:defRPr sz="900"/>
+            </a:lvl9pPr>
+          </a:lstStyle>
+          <a:p>
+            <a:pPr marL="0" lvl="0" indent="0">
+              <a:buNone/>
+            </a:pPr>
+            <a:r>
+              <a:rPr lang="en-US"/>
+              <a:t>Click to edit Master text styles</a:t>
+            </a:r>
+          </a:p>
+        </p:txBody>
+      </p:sp>
+      <p:sp>
+        <p:nvSpPr>
+          <p:cNvPr id="10" name="Text Placeholder 3"/>
+          <p:cNvSpPr>
+            <a:spLocks noGrp="1"/>
+          </p:cNvSpPr>
+          <p:nvPr>
+            <p:ph type="body" sz="half" idx="2"/>
+          </p:nvPr>
+        </p:nvSpPr>
+        <p:spPr>
+          <a:xfrm>
+            <a:off x="1154954" y="4350657"/>
+            <a:ext cx="8825659" cy="1676400"/>
           </a:xfrm>
         </p:spPr>
         <p:txBody>
@@ -1190,193 +982,41 @@
             <a:normAutofit/>
           </a:bodyPr>
           <a:lstStyle>
-            <a:lvl1pPr algn="l">
-              <a:defRPr sz="4400" b="0" cap="none"/>
-            </a:lvl1pPr>
-          </a:lstStyle>
-          <a:p>
-            <a:r>
-              <a:rPr lang="en-US"/>
-              <a:t>Click to edit Master title style</a:t>
-            </a:r>
-            <a:endParaRPr lang="en-US" dirty="0"/>
-          </a:p>
-        </p:txBody>
-      </p:sp>
-      <p:sp>
-        <p:nvSpPr>
-          <p:cNvPr id="23" name="Text Placeholder 9"/>
-          <p:cNvSpPr>
-            <a:spLocks noGrp="1"/>
-          </p:cNvSpPr>
-          <p:nvPr>
-            <p:ph type="body" sz="quarter" idx="13"/>
-          </p:nvPr>
-        </p:nvSpPr>
-        <p:spPr>
-          <a:xfrm>
-            <a:off x="1366139" y="3632200"/>
-            <a:ext cx="7224524" cy="381000"/>
-          </a:xfrm>
-        </p:spPr>
-        <p:txBody>
-          <a:bodyPr anchor="ctr">
-            <a:noAutofit/>
-          </a:bodyPr>
-          <a:lstStyle>
             <a:lvl1pPr marL="0" indent="0">
-              <a:buFontTx/>
-              <a:buNone/>
-              <a:defRPr sz="1600">
-                <a:solidFill>
-                  <a:schemeClr val="tx1">
-                    <a:lumMod val="50000"/>
-                    <a:lumOff val="50000"/>
-                  </a:schemeClr>
-                </a:solidFill>
-              </a:defRPr>
+              <a:buNone/>
+              <a:defRPr sz="1800"/>
             </a:lvl1pPr>
             <a:lvl2pPr marL="457200" indent="0">
-              <a:buFontTx/>
-              <a:buNone/>
-              <a:defRPr/>
+              <a:buNone/>
+              <a:defRPr sz="1200"/>
             </a:lvl2pPr>
             <a:lvl3pPr marL="914400" indent="0">
-              <a:buFontTx/>
-              <a:buNone/>
-              <a:defRPr/>
+              <a:buNone/>
+              <a:defRPr sz="1000"/>
             </a:lvl3pPr>
             <a:lvl4pPr marL="1371600" indent="0">
-              <a:buFontTx/>
-              <a:buNone/>
-              <a:defRPr/>
+              <a:buNone/>
+              <a:defRPr sz="900"/>
             </a:lvl4pPr>
             <a:lvl5pPr marL="1828800" indent="0">
-              <a:buFontTx/>
-              <a:buNone/>
-              <a:defRPr/>
-            </a:lvl5pPr>
-          </a:lstStyle>
-          <a:p>
-            <a:pPr lvl="0"/>
-            <a:r>
-              <a:rPr lang="en-US"/>
-              <a:t>Click to edit Master text styles</a:t>
-            </a:r>
-          </a:p>
-        </p:txBody>
-      </p:sp>
-      <p:sp>
-        <p:nvSpPr>
-          <p:cNvPr id="3" name="Text Placeholder 2"/>
-          <p:cNvSpPr>
-            <a:spLocks noGrp="1"/>
-          </p:cNvSpPr>
-          <p:nvPr>
-            <p:ph type="body" idx="1"/>
-          </p:nvPr>
-        </p:nvSpPr>
-        <p:spPr>
-          <a:xfrm>
-            <a:off x="677335" y="4470400"/>
-            <a:ext cx="8596668" cy="1570962"/>
-          </a:xfrm>
-        </p:spPr>
-        <p:txBody>
-          <a:bodyPr anchor="ctr">
-            <a:normAutofit/>
-          </a:bodyPr>
-          <a:lstStyle>
-            <a:lvl1pPr marL="0" indent="0" algn="l">
-              <a:buNone/>
-              <a:defRPr sz="1800">
-                <a:solidFill>
-                  <a:schemeClr val="tx1">
-                    <a:lumMod val="75000"/>
-                    <a:lumOff val="25000"/>
-                  </a:schemeClr>
-                </a:solidFill>
-              </a:defRPr>
-            </a:lvl1pPr>
-            <a:lvl2pPr marL="457200" indent="0">
-              <a:buNone/>
-              <a:defRPr sz="1800">
-                <a:solidFill>
-                  <a:schemeClr val="tx1">
-                    <a:tint val="75000"/>
-                  </a:schemeClr>
-                </a:solidFill>
-              </a:defRPr>
-            </a:lvl2pPr>
-            <a:lvl3pPr marL="914400" indent="0">
-              <a:buNone/>
-              <a:defRPr sz="1600">
-                <a:solidFill>
-                  <a:schemeClr val="tx1">
-                    <a:tint val="75000"/>
-                  </a:schemeClr>
-                </a:solidFill>
-              </a:defRPr>
-            </a:lvl3pPr>
-            <a:lvl4pPr marL="1371600" indent="0">
-              <a:buNone/>
-              <a:defRPr sz="1400">
-                <a:solidFill>
-                  <a:schemeClr val="tx1">
-                    <a:tint val="75000"/>
-                  </a:schemeClr>
-                </a:solidFill>
-              </a:defRPr>
-            </a:lvl4pPr>
-            <a:lvl5pPr marL="1828800" indent="0">
-              <a:buNone/>
-              <a:defRPr sz="1400">
-                <a:solidFill>
-                  <a:schemeClr val="tx1">
-                    <a:tint val="75000"/>
-                  </a:schemeClr>
-                </a:solidFill>
-              </a:defRPr>
+              <a:buNone/>
+              <a:defRPr sz="900"/>
             </a:lvl5pPr>
             <a:lvl6pPr marL="2286000" indent="0">
               <a:buNone/>
-              <a:defRPr sz="1400">
-                <a:solidFill>
-                  <a:schemeClr val="tx1">
-                    <a:tint val="75000"/>
-                  </a:schemeClr>
-                </a:solidFill>
-              </a:defRPr>
+              <a:defRPr sz="900"/>
             </a:lvl6pPr>
             <a:lvl7pPr marL="2743200" indent="0">
               <a:buNone/>
-              <a:defRPr sz="1400">
-                <a:solidFill>
-                  <a:schemeClr val="tx1">
-                    <a:tint val="75000"/>
-                  </a:schemeClr>
-                </a:solidFill>
-              </a:defRPr>
+              <a:defRPr sz="900"/>
             </a:lvl7pPr>
             <a:lvl8pPr marL="3200400" indent="0">
               <a:buNone/>
-              <a:defRPr sz="1400">
-                <a:solidFill>
-                  <a:schemeClr val="tx1">
-                    <a:tint val="75000"/>
-                  </a:schemeClr>
-                </a:solidFill>
-              </a:defRPr>
+              <a:defRPr sz="900"/>
             </a:lvl8pPr>
             <a:lvl9pPr marL="3657600" indent="0">
               <a:buNone/>
-              <a:defRPr sz="1400">
-                <a:solidFill>
-                  <a:schemeClr val="tx1">
-                    <a:tint val="75000"/>
-                  </a:schemeClr>
-                </a:solidFill>
-              </a:defRPr>
+              <a:defRPr sz="900"/>
             </a:lvl9pPr>
           </a:lstStyle>
           <a:p>
@@ -1455,40 +1095,46 @@
       </p:sp>
       <p:sp>
         <p:nvSpPr>
-          <p:cNvPr id="20" name="TextBox 19"/>
+          <p:cNvPr id="12" name="TextBox 11"/>
           <p:cNvSpPr txBox="1"/>
           <p:nvPr/>
         </p:nvSpPr>
         <p:spPr>
           <a:xfrm>
-            <a:off x="541870" y="790378"/>
-            <a:ext cx="609600" cy="584776"/>
+            <a:off x="898295" y="971253"/>
+            <a:ext cx="801912" cy="1969770"/>
           </a:xfrm>
           <a:prstGeom prst="rect">
             <a:avLst/>
           </a:prstGeom>
+          <a:noFill/>
         </p:spPr>
         <p:txBody>
-          <a:bodyPr vert="horz" lIns="91440" tIns="45720" rIns="91440" bIns="45720" rtlCol="0" anchor="ctr">
-            <a:noAutofit/>
+          <a:bodyPr wrap="square" rtlCol="0">
+            <a:spAutoFit/>
           </a:bodyPr>
-          <a:lstStyle/>
-          <a:p>
-            <a:pPr lvl="0"/>
-            <a:r>
-              <a:rPr lang="en-US" sz="8000" baseline="0" dirty="0">
-                <a:ln w="3175" cmpd="sng">
-                  <a:noFill/>
-                </a:ln>
+          <a:lstStyle>
+            <a:defPPr>
+              <a:defRPr lang="en-US"/>
+            </a:defPPr>
+            <a:lvl1pPr algn="r">
+              <a:defRPr sz="12200" b="0" i="0">
                 <a:solidFill>
-                  <a:schemeClr val="accent1">
-                    <a:lumMod val="60000"/>
-                    <a:lumOff val="40000"/>
+                  <a:schemeClr val="bg2">
+                    <a:lumMod val="40000"/>
+                    <a:lumOff val="60000"/>
                   </a:schemeClr>
                 </a:solidFill>
-                <a:effectLst/>
                 <a:latin typeface="Arial"/>
-              </a:rPr>
+                <a:ea typeface="+mj-ea"/>
+                <a:cs typeface="+mj-cs"/>
+              </a:defRPr>
+            </a:lvl1pPr>
+          </a:lstStyle>
+          <a:p>
+            <a:pPr lvl="0"/>
+            <a:r>
+              <a:rPr lang="en-US" dirty="0"/>
               <a:t>“</a:t>
             </a:r>
           </a:p>
@@ -1496,57 +1142,55 @@
       </p:sp>
       <p:sp>
         <p:nvSpPr>
-          <p:cNvPr id="22" name="TextBox 21"/>
+          <p:cNvPr id="15" name="TextBox 14"/>
           <p:cNvSpPr txBox="1"/>
           <p:nvPr/>
         </p:nvSpPr>
         <p:spPr>
           <a:xfrm>
-            <a:off x="8893011" y="2886556"/>
-            <a:ext cx="609600" cy="584776"/>
+            <a:off x="9330490" y="2613787"/>
+            <a:ext cx="801912" cy="1969770"/>
           </a:xfrm>
           <a:prstGeom prst="rect">
             <a:avLst/>
           </a:prstGeom>
+          <a:noFill/>
         </p:spPr>
         <p:txBody>
-          <a:bodyPr vert="horz" lIns="91440" tIns="45720" rIns="91440" bIns="45720" rtlCol="0" anchor="ctr">
-            <a:noAutofit/>
+          <a:bodyPr wrap="square" rtlCol="0">
+            <a:spAutoFit/>
           </a:bodyPr>
-          <a:lstStyle/>
-          <a:p>
-            <a:pPr lvl="0"/>
-            <a:r>
-              <a:rPr lang="en-US" sz="8000" baseline="0" dirty="0">
-                <a:ln w="3175" cmpd="sng">
-                  <a:noFill/>
-                </a:ln>
+          <a:lstStyle>
+            <a:defPPr>
+              <a:defRPr lang="en-US"/>
+            </a:defPPr>
+            <a:lvl1pPr algn="r">
+              <a:defRPr sz="12200" b="0" i="0">
                 <a:solidFill>
-                  <a:schemeClr val="accent1">
-                    <a:lumMod val="60000"/>
-                    <a:lumOff val="40000"/>
+                  <a:schemeClr val="bg2">
+                    <a:lumMod val="40000"/>
+                    <a:lumOff val="60000"/>
                   </a:schemeClr>
                 </a:solidFill>
                 <a:latin typeface="Arial"/>
-              </a:rPr>
+                <a:ea typeface="+mj-ea"/>
+                <a:cs typeface="+mj-cs"/>
+              </a:defRPr>
+            </a:lvl1pPr>
+          </a:lstStyle>
+          <a:p>
+            <a:pPr lvl="0"/>
+            <a:r>
+              <a:rPr lang="en-US" dirty="0"/>
               <a:t>”</a:t>
             </a:r>
-            <a:endParaRPr lang="en-US" dirty="0">
-              <a:solidFill>
-                <a:schemeClr val="accent1">
-                  <a:lumMod val="60000"/>
-                  <a:lumOff val="40000"/>
-                </a:schemeClr>
-              </a:solidFill>
-              <a:latin typeface="Arial"/>
-            </a:endParaRPr>
           </a:p>
         </p:txBody>
       </p:sp>
     </p:spTree>
     <p:extLst>
       <p:ext uri="{BB962C8B-B14F-4D97-AF65-F5344CB8AC3E}">
-        <p14:creationId xmlns:p14="http://schemas.microsoft.com/office/powerpoint/2010/main" val="3640471935"/>
+        <p14:creationId xmlns:p14="http://schemas.microsoft.com/office/powerpoint/2010/main" val="1550336400"/>
       </p:ext>
     </p:extLst>
   </p:cSld>
@@ -1556,7 +1200,7 @@
 </p:sldLayout>
 </file>
 
-<file path=ppt/slideLayouts/slideLayout12.xml><?xml version="1.0" encoding="utf-8"?>
+<file path=ppt/slideLayouts/slideLayout13.xml><?xml version="1.0" encoding="utf-8"?>
 <p:sldLayout xmlns:a="http://schemas.openxmlformats.org/drawingml/2006/main" xmlns:r="http://schemas.openxmlformats.org/officeDocument/2006/relationships" xmlns:p="http://schemas.openxmlformats.org/presentationml/2006/main" preserve="1">
   <p:cSld name="Name Card">
     <p:spTree>
@@ -1585,17 +1229,15 @@
         </p:nvSpPr>
         <p:spPr>
           <a:xfrm>
-            <a:off x="677335" y="1931988"/>
-            <a:ext cx="8596668" cy="2595460"/>
+            <a:off x="1154954" y="3124201"/>
+            <a:ext cx="8825660" cy="1653180"/>
           </a:xfrm>
         </p:spPr>
         <p:txBody>
-          <a:bodyPr anchor="b">
-            <a:normAutofit/>
-          </a:bodyPr>
+          <a:bodyPr anchor="b"/>
           <a:lstStyle>
             <a:lvl1pPr algn="l">
-              <a:defRPr sz="4400" b="0" cap="none"/>
+              <a:defRPr sz="4000" b="0" cap="none"/>
             </a:lvl1pPr>
           </a:lstStyle>
           <a:p>
@@ -1619,22 +1261,20 @@
         </p:nvSpPr>
         <p:spPr>
           <a:xfrm>
-            <a:off x="677335" y="4527448"/>
-            <a:ext cx="8596668" cy="1513914"/>
+            <a:off x="1154954" y="4777381"/>
+            <a:ext cx="8825659" cy="860400"/>
           </a:xfrm>
         </p:spPr>
         <p:txBody>
-          <a:bodyPr anchor="t">
-            <a:normAutofit/>
-          </a:bodyPr>
+          <a:bodyPr anchor="t"/>
           <a:lstStyle>
             <a:lvl1pPr marL="0" indent="0" algn="l">
               <a:buNone/>
-              <a:defRPr sz="1800">
+              <a:defRPr sz="2000" cap="none">
                 <a:solidFill>
-                  <a:schemeClr val="tx1">
-                    <a:lumMod val="75000"/>
-                    <a:lumOff val="25000"/>
+                  <a:schemeClr val="bg2">
+                    <a:lumMod val="40000"/>
+                    <a:lumOff val="60000"/>
                   </a:schemeClr>
                 </a:solidFill>
               </a:defRPr>
@@ -1797,7 +1437,7 @@
     </p:spTree>
     <p:extLst>
       <p:ext uri="{BB962C8B-B14F-4D97-AF65-F5344CB8AC3E}">
-        <p14:creationId xmlns:p14="http://schemas.microsoft.com/office/powerpoint/2010/main" val="1564627083"/>
+        <p14:creationId xmlns:p14="http://schemas.microsoft.com/office/powerpoint/2010/main" val="370425570"/>
       </p:ext>
     </p:extLst>
   </p:cSld>
@@ -1807,9 +1447,9 @@
 </p:sldLayout>
 </file>
 
-<file path=ppt/slideLayouts/slideLayout13.xml><?xml version="1.0" encoding="utf-8"?>
+<file path=ppt/slideLayouts/slideLayout14.xml><?xml version="1.0" encoding="utf-8"?>
 <p:sldLayout xmlns:a="http://schemas.openxmlformats.org/drawingml/2006/main" xmlns:r="http://schemas.openxmlformats.org/officeDocument/2006/relationships" xmlns:p="http://schemas.openxmlformats.org/presentationml/2006/main" preserve="1">
-  <p:cSld name="Quote Name Card">
+  <p:cSld name="3 Column">
     <p:spTree>
       <p:nvGrpSpPr>
         <p:cNvPr id="1" name=""/>
@@ -1834,44 +1474,37 @@
             <p:ph type="title"/>
           </p:nvPr>
         </p:nvSpPr>
+        <p:spPr/>
+        <p:txBody>
+          <a:bodyPr/>
+          <a:lstStyle>
+            <a:lvl1pPr>
+              <a:defRPr sz="4200"/>
+            </a:lvl1pPr>
+          </a:lstStyle>
+          <a:p>
+            <a:r>
+              <a:rPr lang="en-US"/>
+              <a:t>Click to edit Master title style</a:t>
+            </a:r>
+            <a:endParaRPr lang="en-US" dirty="0"/>
+          </a:p>
+        </p:txBody>
+      </p:sp>
+      <p:sp>
+        <p:nvSpPr>
+          <p:cNvPr id="3" name="Text Placeholder 2"/>
+          <p:cNvSpPr>
+            <a:spLocks noGrp="1"/>
+          </p:cNvSpPr>
+          <p:nvPr>
+            <p:ph type="body" idx="1"/>
+          </p:nvPr>
+        </p:nvSpPr>
         <p:spPr>
           <a:xfrm>
-            <a:off x="931334" y="609600"/>
-            <a:ext cx="8094134" cy="3022600"/>
-          </a:xfrm>
-        </p:spPr>
-        <p:txBody>
-          <a:bodyPr anchor="ctr">
-            <a:normAutofit/>
-          </a:bodyPr>
-          <a:lstStyle>
-            <a:lvl1pPr algn="l">
-              <a:defRPr sz="4400" b="0" cap="none"/>
-            </a:lvl1pPr>
-          </a:lstStyle>
-          <a:p>
-            <a:r>
-              <a:rPr lang="en-US"/>
-              <a:t>Click to edit Master title style</a:t>
-            </a:r>
-            <a:endParaRPr lang="en-US" dirty="0"/>
-          </a:p>
-        </p:txBody>
-      </p:sp>
-      <p:sp>
-        <p:nvSpPr>
-          <p:cNvPr id="23" name="Text Placeholder 9"/>
-          <p:cNvSpPr>
-            <a:spLocks noGrp="1"/>
-          </p:cNvSpPr>
-          <p:nvPr>
-            <p:ph type="body" sz="quarter" idx="13"/>
-          </p:nvPr>
-        </p:nvSpPr>
-        <p:spPr>
-          <a:xfrm>
-            <a:off x="677332" y="4013200"/>
-            <a:ext cx="8596669" cy="514248"/>
+            <a:off x="632947" y="1981200"/>
+            <a:ext cx="2946866" cy="576262"/>
           </a:xfrm>
         </p:spPr>
         <p:txBody>
@@ -1880,37 +1513,48 @@
           </a:bodyPr>
           <a:lstStyle>
             <a:lvl1pPr marL="0" indent="0">
-              <a:buFontTx/>
-              <a:buNone/>
-              <a:defRPr sz="2400">
+              <a:buNone/>
+              <a:defRPr sz="2400" b="0">
                 <a:solidFill>
-                  <a:schemeClr val="tx1">
-                    <a:lumMod val="75000"/>
-                    <a:lumOff val="25000"/>
+                  <a:schemeClr val="bg2">
+                    <a:lumMod val="40000"/>
+                    <a:lumOff val="60000"/>
                   </a:schemeClr>
                 </a:solidFill>
               </a:defRPr>
             </a:lvl1pPr>
             <a:lvl2pPr marL="457200" indent="0">
-              <a:buFontTx/>
-              <a:buNone/>
-              <a:defRPr/>
+              <a:buNone/>
+              <a:defRPr sz="2000" b="1"/>
             </a:lvl2pPr>
             <a:lvl3pPr marL="914400" indent="0">
-              <a:buFontTx/>
-              <a:buNone/>
-              <a:defRPr/>
+              <a:buNone/>
+              <a:defRPr sz="1800" b="1"/>
             </a:lvl3pPr>
             <a:lvl4pPr marL="1371600" indent="0">
-              <a:buFontTx/>
-              <a:buNone/>
-              <a:defRPr/>
+              <a:buNone/>
+              <a:defRPr sz="1600" b="1"/>
             </a:lvl4pPr>
             <a:lvl5pPr marL="1828800" indent="0">
-              <a:buFontTx/>
-              <a:buNone/>
-              <a:defRPr/>
+              <a:buNone/>
+              <a:defRPr sz="1600" b="1"/>
             </a:lvl5pPr>
+            <a:lvl6pPr marL="2286000" indent="0">
+              <a:buNone/>
+              <a:defRPr sz="1600" b="1"/>
+            </a:lvl6pPr>
+            <a:lvl7pPr marL="2743200" indent="0">
+              <a:buNone/>
+              <a:defRPr sz="1600" b="1"/>
+            </a:lvl7pPr>
+            <a:lvl8pPr marL="3200400" indent="0">
+              <a:buNone/>
+              <a:defRPr sz="1600" b="1"/>
+            </a:lvl8pPr>
+            <a:lvl9pPr marL="3657600" indent="0">
+              <a:buNone/>
+              <a:defRPr sz="1600" b="1"/>
+            </a:lvl9pPr>
           </a:lstStyle>
           <a:p>
             <a:pPr lvl="0"/>
@@ -1923,18 +1567,18 @@
       </p:sp>
       <p:sp>
         <p:nvSpPr>
-          <p:cNvPr id="3" name="Text Placeholder 2"/>
-          <p:cNvSpPr>
-            <a:spLocks noGrp="1"/>
-          </p:cNvSpPr>
-          <p:nvPr>
-            <p:ph type="body" idx="1"/>
+          <p:cNvPr id="16" name="Text Placeholder 3"/>
+          <p:cNvSpPr>
+            <a:spLocks noGrp="1"/>
+          </p:cNvSpPr>
+          <p:nvPr>
+            <p:ph type="body" sz="half" idx="15"/>
           </p:nvPr>
         </p:nvSpPr>
         <p:spPr>
           <a:xfrm>
-            <a:off x="677335" y="4527448"/>
-            <a:ext cx="8596668" cy="1513914"/>
+            <a:off x="652463" y="2667000"/>
+            <a:ext cx="2927350" cy="3589338"/>
           </a:xfrm>
         </p:spPr>
         <p:txBody>
@@ -1942,96 +1586,256 @@
             <a:normAutofit/>
           </a:bodyPr>
           <a:lstStyle>
-            <a:lvl1pPr marL="0" indent="0" algn="l">
-              <a:buNone/>
-              <a:defRPr sz="1800">
+            <a:lvl1pPr marL="0" indent="0">
+              <a:buNone/>
+              <a:defRPr sz="1400"/>
+            </a:lvl1pPr>
+            <a:lvl2pPr marL="457200" indent="0">
+              <a:buNone/>
+              <a:defRPr sz="1200"/>
+            </a:lvl2pPr>
+            <a:lvl3pPr marL="914400" indent="0">
+              <a:buNone/>
+              <a:defRPr sz="1000"/>
+            </a:lvl3pPr>
+            <a:lvl4pPr marL="1371600" indent="0">
+              <a:buNone/>
+              <a:defRPr sz="900"/>
+            </a:lvl4pPr>
+            <a:lvl5pPr marL="1828800" indent="0">
+              <a:buNone/>
+              <a:defRPr sz="900"/>
+            </a:lvl5pPr>
+            <a:lvl6pPr marL="2286000" indent="0">
+              <a:buNone/>
+              <a:defRPr sz="900"/>
+            </a:lvl6pPr>
+            <a:lvl7pPr marL="2743200" indent="0">
+              <a:buNone/>
+              <a:defRPr sz="900"/>
+            </a:lvl7pPr>
+            <a:lvl8pPr marL="3200400" indent="0">
+              <a:buNone/>
+              <a:defRPr sz="900"/>
+            </a:lvl8pPr>
+            <a:lvl9pPr marL="3657600" indent="0">
+              <a:buNone/>
+              <a:defRPr sz="900"/>
+            </a:lvl9pPr>
+          </a:lstStyle>
+          <a:p>
+            <a:pPr lvl="0"/>
+            <a:r>
+              <a:rPr lang="en-US"/>
+              <a:t>Click to edit Master text styles</a:t>
+            </a:r>
+          </a:p>
+        </p:txBody>
+      </p:sp>
+      <p:sp>
+        <p:nvSpPr>
+          <p:cNvPr id="5" name="Text Placeholder 4"/>
+          <p:cNvSpPr>
+            <a:spLocks noGrp="1"/>
+          </p:cNvSpPr>
+          <p:nvPr>
+            <p:ph type="body" sz="quarter" idx="3"/>
+          </p:nvPr>
+        </p:nvSpPr>
+        <p:spPr>
+          <a:xfrm>
+            <a:off x="3883659" y="1981200"/>
+            <a:ext cx="2936241" cy="576262"/>
+          </a:xfrm>
+        </p:spPr>
+        <p:txBody>
+          <a:bodyPr anchor="b">
+            <a:noAutofit/>
+          </a:bodyPr>
+          <a:lstStyle>
+            <a:lvl1pPr marL="0" indent="0">
+              <a:buNone/>
+              <a:defRPr sz="2400" b="0">
                 <a:solidFill>
-                  <a:schemeClr val="tx1">
-                    <a:lumMod val="50000"/>
-                    <a:lumOff val="50000"/>
+                  <a:schemeClr val="bg2">
+                    <a:lumMod val="40000"/>
+                    <a:lumOff val="60000"/>
                   </a:schemeClr>
                 </a:solidFill>
               </a:defRPr>
             </a:lvl1pPr>
             <a:lvl2pPr marL="457200" indent="0">
               <a:buNone/>
-              <a:defRPr sz="1800">
+              <a:defRPr sz="2000" b="1"/>
+            </a:lvl2pPr>
+            <a:lvl3pPr marL="914400" indent="0">
+              <a:buNone/>
+              <a:defRPr sz="1800" b="1"/>
+            </a:lvl3pPr>
+            <a:lvl4pPr marL="1371600" indent="0">
+              <a:buNone/>
+              <a:defRPr sz="1600" b="1"/>
+            </a:lvl4pPr>
+            <a:lvl5pPr marL="1828800" indent="0">
+              <a:buNone/>
+              <a:defRPr sz="1600" b="1"/>
+            </a:lvl5pPr>
+            <a:lvl6pPr marL="2286000" indent="0">
+              <a:buNone/>
+              <a:defRPr sz="1600" b="1"/>
+            </a:lvl6pPr>
+            <a:lvl7pPr marL="2743200" indent="0">
+              <a:buNone/>
+              <a:defRPr sz="1600" b="1"/>
+            </a:lvl7pPr>
+            <a:lvl8pPr marL="3200400" indent="0">
+              <a:buNone/>
+              <a:defRPr sz="1600" b="1"/>
+            </a:lvl8pPr>
+            <a:lvl9pPr marL="3657600" indent="0">
+              <a:buNone/>
+              <a:defRPr sz="1600" b="1"/>
+            </a:lvl9pPr>
+          </a:lstStyle>
+          <a:p>
+            <a:pPr lvl="0"/>
+            <a:r>
+              <a:rPr lang="en-US"/>
+              <a:t>Click to edit Master text styles</a:t>
+            </a:r>
+          </a:p>
+        </p:txBody>
+      </p:sp>
+      <p:sp>
+        <p:nvSpPr>
+          <p:cNvPr id="19" name="Text Placeholder 3"/>
+          <p:cNvSpPr>
+            <a:spLocks noGrp="1"/>
+          </p:cNvSpPr>
+          <p:nvPr>
+            <p:ph type="body" sz="half" idx="16"/>
+          </p:nvPr>
+        </p:nvSpPr>
+        <p:spPr>
+          <a:xfrm>
+            <a:off x="3873106" y="2667000"/>
+            <a:ext cx="2946794" cy="3589338"/>
+          </a:xfrm>
+        </p:spPr>
+        <p:txBody>
+          <a:bodyPr anchor="t">
+            <a:normAutofit/>
+          </a:bodyPr>
+          <a:lstStyle>
+            <a:lvl1pPr marL="0" indent="0">
+              <a:buNone/>
+              <a:defRPr sz="1400"/>
+            </a:lvl1pPr>
+            <a:lvl2pPr marL="457200" indent="0">
+              <a:buNone/>
+              <a:defRPr sz="1200"/>
+            </a:lvl2pPr>
+            <a:lvl3pPr marL="914400" indent="0">
+              <a:buNone/>
+              <a:defRPr sz="1000"/>
+            </a:lvl3pPr>
+            <a:lvl4pPr marL="1371600" indent="0">
+              <a:buNone/>
+              <a:defRPr sz="900"/>
+            </a:lvl4pPr>
+            <a:lvl5pPr marL="1828800" indent="0">
+              <a:buNone/>
+              <a:defRPr sz="900"/>
+            </a:lvl5pPr>
+            <a:lvl6pPr marL="2286000" indent="0">
+              <a:buNone/>
+              <a:defRPr sz="900"/>
+            </a:lvl6pPr>
+            <a:lvl7pPr marL="2743200" indent="0">
+              <a:buNone/>
+              <a:defRPr sz="900"/>
+            </a:lvl7pPr>
+            <a:lvl8pPr marL="3200400" indent="0">
+              <a:buNone/>
+              <a:defRPr sz="900"/>
+            </a:lvl8pPr>
+            <a:lvl9pPr marL="3657600" indent="0">
+              <a:buNone/>
+              <a:defRPr sz="900"/>
+            </a:lvl9pPr>
+          </a:lstStyle>
+          <a:p>
+            <a:pPr lvl="0"/>
+            <a:r>
+              <a:rPr lang="en-US"/>
+              <a:t>Click to edit Master text styles</a:t>
+            </a:r>
+          </a:p>
+        </p:txBody>
+      </p:sp>
+      <p:sp>
+        <p:nvSpPr>
+          <p:cNvPr id="14" name="Text Placeholder 4"/>
+          <p:cNvSpPr>
+            <a:spLocks noGrp="1"/>
+          </p:cNvSpPr>
+          <p:nvPr>
+            <p:ph type="body" sz="quarter" idx="13"/>
+          </p:nvPr>
+        </p:nvSpPr>
+        <p:spPr>
+          <a:xfrm>
+            <a:off x="7124700" y="1981200"/>
+            <a:ext cx="2932113" cy="576262"/>
+          </a:xfrm>
+        </p:spPr>
+        <p:txBody>
+          <a:bodyPr anchor="b">
+            <a:noAutofit/>
+          </a:bodyPr>
+          <a:lstStyle>
+            <a:lvl1pPr marL="0" indent="0">
+              <a:buNone/>
+              <a:defRPr sz="2400" b="0">
                 <a:solidFill>
-                  <a:schemeClr val="tx1">
-                    <a:tint val="75000"/>
+                  <a:schemeClr val="bg2">
+                    <a:lumMod val="40000"/>
+                    <a:lumOff val="60000"/>
                   </a:schemeClr>
                 </a:solidFill>
               </a:defRPr>
+            </a:lvl1pPr>
+            <a:lvl2pPr marL="457200" indent="0">
+              <a:buNone/>
+              <a:defRPr sz="2000" b="1"/>
             </a:lvl2pPr>
             <a:lvl3pPr marL="914400" indent="0">
               <a:buNone/>
-              <a:defRPr sz="1600">
-                <a:solidFill>
-                  <a:schemeClr val="tx1">
-                    <a:tint val="75000"/>
-                  </a:schemeClr>
-                </a:solidFill>
-              </a:defRPr>
+              <a:defRPr sz="1800" b="1"/>
             </a:lvl3pPr>
             <a:lvl4pPr marL="1371600" indent="0">
               <a:buNone/>
-              <a:defRPr sz="1400">
-                <a:solidFill>
-                  <a:schemeClr val="tx1">
-                    <a:tint val="75000"/>
-                  </a:schemeClr>
-                </a:solidFill>
-              </a:defRPr>
+              <a:defRPr sz="1600" b="1"/>
             </a:lvl4pPr>
             <a:lvl5pPr marL="1828800" indent="0">
               <a:buNone/>
-              <a:defRPr sz="1400">
-                <a:solidFill>
-                  <a:schemeClr val="tx1">
-                    <a:tint val="75000"/>
-                  </a:schemeClr>
-                </a:solidFill>
-              </a:defRPr>
+              <a:defRPr sz="1600" b="1"/>
             </a:lvl5pPr>
             <a:lvl6pPr marL="2286000" indent="0">
               <a:buNone/>
-              <a:defRPr sz="1400">
-                <a:solidFill>
-                  <a:schemeClr val="tx1">
-                    <a:tint val="75000"/>
-                  </a:schemeClr>
-                </a:solidFill>
-              </a:defRPr>
+              <a:defRPr sz="1600" b="1"/>
             </a:lvl6pPr>
             <a:lvl7pPr marL="2743200" indent="0">
               <a:buNone/>
-              <a:defRPr sz="1400">
-                <a:solidFill>
-                  <a:schemeClr val="tx1">
-                    <a:tint val="75000"/>
-                  </a:schemeClr>
-                </a:solidFill>
-              </a:defRPr>
+              <a:defRPr sz="1600" b="1"/>
             </a:lvl7pPr>
             <a:lvl8pPr marL="3200400" indent="0">
               <a:buNone/>
-              <a:defRPr sz="1400">
-                <a:solidFill>
-                  <a:schemeClr val="tx1">
-                    <a:tint val="75000"/>
-                  </a:schemeClr>
-                </a:solidFill>
-              </a:defRPr>
+              <a:defRPr sz="1600" b="1"/>
             </a:lvl8pPr>
             <a:lvl9pPr marL="3657600" indent="0">
               <a:buNone/>
-              <a:defRPr sz="1400">
-                <a:solidFill>
-                  <a:schemeClr val="tx1">
-                    <a:tint val="75000"/>
-                  </a:schemeClr>
-                </a:solidFill>
-              </a:defRPr>
+              <a:defRPr sz="1600" b="1"/>
             </a:lvl9pPr>
           </a:lstStyle>
           <a:p>
@@ -2045,7 +1849,152 @@
       </p:sp>
       <p:sp>
         <p:nvSpPr>
-          <p:cNvPr id="4" name="Date Placeholder 3"/>
+          <p:cNvPr id="20" name="Text Placeholder 3"/>
+          <p:cNvSpPr>
+            <a:spLocks noGrp="1"/>
+          </p:cNvSpPr>
+          <p:nvPr>
+            <p:ph type="body" sz="half" idx="17"/>
+          </p:nvPr>
+        </p:nvSpPr>
+        <p:spPr>
+          <a:xfrm>
+            <a:off x="7124700" y="2667000"/>
+            <a:ext cx="2932113" cy="3589338"/>
+          </a:xfrm>
+        </p:spPr>
+        <p:txBody>
+          <a:bodyPr anchor="t">
+            <a:normAutofit/>
+          </a:bodyPr>
+          <a:lstStyle>
+            <a:lvl1pPr marL="0" indent="0">
+              <a:buNone/>
+              <a:defRPr sz="1400"/>
+            </a:lvl1pPr>
+            <a:lvl2pPr marL="457200" indent="0">
+              <a:buNone/>
+              <a:defRPr sz="1200"/>
+            </a:lvl2pPr>
+            <a:lvl3pPr marL="914400" indent="0">
+              <a:buNone/>
+              <a:defRPr sz="1000"/>
+            </a:lvl3pPr>
+            <a:lvl4pPr marL="1371600" indent="0">
+              <a:buNone/>
+              <a:defRPr sz="900"/>
+            </a:lvl4pPr>
+            <a:lvl5pPr marL="1828800" indent="0">
+              <a:buNone/>
+              <a:defRPr sz="900"/>
+            </a:lvl5pPr>
+            <a:lvl6pPr marL="2286000" indent="0">
+              <a:buNone/>
+              <a:defRPr sz="900"/>
+            </a:lvl6pPr>
+            <a:lvl7pPr marL="2743200" indent="0">
+              <a:buNone/>
+              <a:defRPr sz="900"/>
+            </a:lvl7pPr>
+            <a:lvl8pPr marL="3200400" indent="0">
+              <a:buNone/>
+              <a:defRPr sz="900"/>
+            </a:lvl8pPr>
+            <a:lvl9pPr marL="3657600" indent="0">
+              <a:buNone/>
+              <a:defRPr sz="900"/>
+            </a:lvl9pPr>
+          </a:lstStyle>
+          <a:p>
+            <a:pPr lvl="0"/>
+            <a:r>
+              <a:rPr lang="en-US"/>
+              <a:t>Click to edit Master text styles</a:t>
+            </a:r>
+          </a:p>
+        </p:txBody>
+      </p:sp>
+      <p:cxnSp>
+        <p:nvCxnSpPr>
+          <p:cNvPr id="17" name="Straight Connector 16"/>
+          <p:cNvCxnSpPr/>
+          <p:nvPr/>
+        </p:nvCxnSpPr>
+        <p:spPr>
+          <a:xfrm>
+            <a:off x="3726142" y="2133600"/>
+            <a:ext cx="0" cy="3962400"/>
+          </a:xfrm>
+          <a:prstGeom prst="line">
+            <a:avLst/>
+          </a:prstGeom>
+          <a:ln w="12700" cmpd="sng">
+            <a:solidFill>
+              <a:schemeClr val="bg2">
+                <a:lumMod val="40000"/>
+                <a:lumOff val="60000"/>
+                <a:alpha val="40000"/>
+              </a:schemeClr>
+            </a:solidFill>
+          </a:ln>
+        </p:spPr>
+        <p:style>
+          <a:lnRef idx="2">
+            <a:schemeClr val="accent1"/>
+          </a:lnRef>
+          <a:fillRef idx="0">
+            <a:schemeClr val="accent1"/>
+          </a:fillRef>
+          <a:effectRef idx="1">
+            <a:schemeClr val="accent1"/>
+          </a:effectRef>
+          <a:fontRef idx="minor">
+            <a:schemeClr val="tx1"/>
+          </a:fontRef>
+        </p:style>
+      </p:cxnSp>
+      <p:cxnSp>
+        <p:nvCxnSpPr>
+          <p:cNvPr id="18" name="Straight Connector 17"/>
+          <p:cNvCxnSpPr/>
+          <p:nvPr/>
+        </p:nvCxnSpPr>
+        <p:spPr>
+          <a:xfrm>
+            <a:off x="6962227" y="2133600"/>
+            <a:ext cx="0" cy="3966882"/>
+          </a:xfrm>
+          <a:prstGeom prst="line">
+            <a:avLst/>
+          </a:prstGeom>
+          <a:ln w="12700" cmpd="sng">
+            <a:solidFill>
+              <a:schemeClr val="bg2">
+                <a:lumMod val="40000"/>
+                <a:lumOff val="60000"/>
+                <a:alpha val="40000"/>
+              </a:schemeClr>
+            </a:solidFill>
+          </a:ln>
+        </p:spPr>
+        <p:style>
+          <a:lnRef idx="2">
+            <a:schemeClr val="accent1"/>
+          </a:lnRef>
+          <a:fillRef idx="0">
+            <a:schemeClr val="accent1"/>
+          </a:fillRef>
+          <a:effectRef idx="1">
+            <a:schemeClr val="accent1"/>
+          </a:effectRef>
+          <a:fontRef idx="minor">
+            <a:schemeClr val="tx1"/>
+          </a:fontRef>
+        </p:style>
+      </p:cxnSp>
+      <p:sp>
+        <p:nvSpPr>
+          <p:cNvPr id="7" name="Date Placeholder 3"/>
           <p:cNvSpPr>
             <a:spLocks noGrp="1"/>
           </p:cNvSpPr>
@@ -2068,7 +2017,7 @@
       </p:sp>
       <p:sp>
         <p:nvSpPr>
-          <p:cNvPr id="5" name="Footer Placeholder 4"/>
+          <p:cNvPr id="4" name="Footer Placeholder 4"/>
           <p:cNvSpPr>
             <a:spLocks noGrp="1"/>
           </p:cNvSpPr>
@@ -2108,92 +2057,10 @@
           </a:p>
         </p:txBody>
       </p:sp>
-      <p:sp>
-        <p:nvSpPr>
-          <p:cNvPr id="24" name="TextBox 23"/>
-          <p:cNvSpPr txBox="1"/>
-          <p:nvPr/>
-        </p:nvSpPr>
-        <p:spPr>
-          <a:xfrm>
-            <a:off x="541870" y="790378"/>
-            <a:ext cx="609600" cy="584776"/>
-          </a:xfrm>
-          <a:prstGeom prst="rect">
-            <a:avLst/>
-          </a:prstGeom>
-        </p:spPr>
-        <p:txBody>
-          <a:bodyPr vert="horz" lIns="91440" tIns="45720" rIns="91440" bIns="45720" rtlCol="0" anchor="ctr">
-            <a:noAutofit/>
-          </a:bodyPr>
-          <a:lstStyle/>
-          <a:p>
-            <a:pPr lvl="0"/>
-            <a:r>
-              <a:rPr lang="en-US" sz="8000" baseline="0" dirty="0">
-                <a:ln w="3175" cmpd="sng">
-                  <a:noFill/>
-                </a:ln>
-                <a:solidFill>
-                  <a:schemeClr val="accent1">
-                    <a:lumMod val="60000"/>
-                    <a:lumOff val="40000"/>
-                  </a:schemeClr>
-                </a:solidFill>
-                <a:effectLst/>
-                <a:latin typeface="Arial"/>
-              </a:rPr>
-              <a:t>“</a:t>
-            </a:r>
-          </a:p>
-        </p:txBody>
-      </p:sp>
-      <p:sp>
-        <p:nvSpPr>
-          <p:cNvPr id="25" name="TextBox 24"/>
-          <p:cNvSpPr txBox="1"/>
-          <p:nvPr/>
-        </p:nvSpPr>
-        <p:spPr>
-          <a:xfrm>
-            <a:off x="8893011" y="2886556"/>
-            <a:ext cx="609600" cy="584776"/>
-          </a:xfrm>
-          <a:prstGeom prst="rect">
-            <a:avLst/>
-          </a:prstGeom>
-        </p:spPr>
-        <p:txBody>
-          <a:bodyPr vert="horz" lIns="91440" tIns="45720" rIns="91440" bIns="45720" rtlCol="0" anchor="ctr">
-            <a:noAutofit/>
-          </a:bodyPr>
-          <a:lstStyle/>
-          <a:p>
-            <a:pPr lvl="0"/>
-            <a:r>
-              <a:rPr lang="en-US" sz="8000" baseline="0" dirty="0">
-                <a:ln w="3175" cmpd="sng">
-                  <a:noFill/>
-                </a:ln>
-                <a:solidFill>
-                  <a:schemeClr val="accent1">
-                    <a:lumMod val="60000"/>
-                    <a:lumOff val="40000"/>
-                  </a:schemeClr>
-                </a:solidFill>
-                <a:effectLst/>
-                <a:latin typeface="Arial"/>
-              </a:rPr>
-              <a:t>”</a:t>
-            </a:r>
-          </a:p>
-        </p:txBody>
-      </p:sp>
     </p:spTree>
     <p:extLst>
       <p:ext uri="{BB962C8B-B14F-4D97-AF65-F5344CB8AC3E}">
-        <p14:creationId xmlns:p14="http://schemas.microsoft.com/office/powerpoint/2010/main" val="3457483195"/>
+        <p14:creationId xmlns:p14="http://schemas.microsoft.com/office/powerpoint/2010/main" val="3822052287"/>
       </p:ext>
     </p:extLst>
   </p:cSld>
@@ -2203,9 +2070,9 @@
 </p:sldLayout>
 </file>
 
-<file path=ppt/slideLayouts/slideLayout14.xml><?xml version="1.0" encoding="utf-8"?>
+<file path=ppt/slideLayouts/slideLayout15.xml><?xml version="1.0" encoding="utf-8"?>
 <p:sldLayout xmlns:a="http://schemas.openxmlformats.org/drawingml/2006/main" xmlns:r="http://schemas.openxmlformats.org/officeDocument/2006/relationships" xmlns:p="http://schemas.openxmlformats.org/presentationml/2006/main" preserve="1">
-  <p:cSld name="True or False">
+  <p:cSld name="3 Picture Column">
     <p:spTree>
       <p:nvGrpSpPr>
         <p:cNvPr id="1" name=""/>
@@ -2230,44 +2097,37 @@
             <p:ph type="title"/>
           </p:nvPr>
         </p:nvSpPr>
+        <p:spPr/>
+        <p:txBody>
+          <a:bodyPr/>
+          <a:lstStyle>
+            <a:lvl1pPr>
+              <a:defRPr sz="4200"/>
+            </a:lvl1pPr>
+          </a:lstStyle>
+          <a:p>
+            <a:r>
+              <a:rPr lang="en-US"/>
+              <a:t>Click to edit Master title style</a:t>
+            </a:r>
+            <a:endParaRPr lang="en-US" dirty="0"/>
+          </a:p>
+        </p:txBody>
+      </p:sp>
+      <p:sp>
+        <p:nvSpPr>
+          <p:cNvPr id="3" name="Text Placeholder 2"/>
+          <p:cNvSpPr>
+            <a:spLocks noGrp="1"/>
+          </p:cNvSpPr>
+          <p:nvPr>
+            <p:ph type="body" idx="1"/>
+          </p:nvPr>
+        </p:nvSpPr>
         <p:spPr>
           <a:xfrm>
-            <a:off x="685799" y="609600"/>
-            <a:ext cx="8588203" cy="3022600"/>
-          </a:xfrm>
-        </p:spPr>
-        <p:txBody>
-          <a:bodyPr anchor="ctr">
-            <a:normAutofit/>
-          </a:bodyPr>
-          <a:lstStyle>
-            <a:lvl1pPr algn="l">
-              <a:defRPr sz="4400" b="0" cap="none"/>
-            </a:lvl1pPr>
-          </a:lstStyle>
-          <a:p>
-            <a:r>
-              <a:rPr lang="en-US"/>
-              <a:t>Click to edit Master title style</a:t>
-            </a:r>
-            <a:endParaRPr lang="en-US" dirty="0"/>
-          </a:p>
-        </p:txBody>
-      </p:sp>
-      <p:sp>
-        <p:nvSpPr>
-          <p:cNvPr id="23" name="Text Placeholder 9"/>
-          <p:cNvSpPr>
-            <a:spLocks noGrp="1"/>
-          </p:cNvSpPr>
-          <p:nvPr>
-            <p:ph type="body" sz="quarter" idx="13"/>
-          </p:nvPr>
-        </p:nvSpPr>
-        <p:spPr>
-          <a:xfrm>
-            <a:off x="677332" y="4013200"/>
-            <a:ext cx="8596669" cy="514248"/>
+            <a:off x="652463" y="4250949"/>
+            <a:ext cx="2940050" cy="576262"/>
           </a:xfrm>
         </p:spPr>
         <p:txBody>
@@ -2276,155 +2136,487 @@
           </a:bodyPr>
           <a:lstStyle>
             <a:lvl1pPr marL="0" indent="0">
-              <a:buFontTx/>
-              <a:buNone/>
-              <a:defRPr sz="2400">
+              <a:buNone/>
+              <a:defRPr sz="2400" b="0">
                 <a:solidFill>
-                  <a:schemeClr val="accent1"/>
-                </a:solidFill>
-              </a:defRPr>
-            </a:lvl1pPr>
-            <a:lvl2pPr marL="457200" indent="0">
-              <a:buFontTx/>
-              <a:buNone/>
-              <a:defRPr/>
-            </a:lvl2pPr>
-            <a:lvl3pPr marL="914400" indent="0">
-              <a:buFontTx/>
-              <a:buNone/>
-              <a:defRPr/>
-            </a:lvl3pPr>
-            <a:lvl4pPr marL="1371600" indent="0">
-              <a:buFontTx/>
-              <a:buNone/>
-              <a:defRPr/>
-            </a:lvl4pPr>
-            <a:lvl5pPr marL="1828800" indent="0">
-              <a:buFontTx/>
-              <a:buNone/>
-              <a:defRPr/>
-            </a:lvl5pPr>
-          </a:lstStyle>
-          <a:p>
-            <a:pPr lvl="0"/>
-            <a:r>
-              <a:rPr lang="en-US"/>
-              <a:t>Click to edit Master text styles</a:t>
-            </a:r>
-          </a:p>
-        </p:txBody>
-      </p:sp>
-      <p:sp>
-        <p:nvSpPr>
-          <p:cNvPr id="3" name="Text Placeholder 2"/>
-          <p:cNvSpPr>
-            <a:spLocks noGrp="1"/>
-          </p:cNvSpPr>
-          <p:nvPr>
-            <p:ph type="body" idx="1"/>
-          </p:nvPr>
-        </p:nvSpPr>
-        <p:spPr>
-          <a:xfrm>
-            <a:off x="677335" y="4527448"/>
-            <a:ext cx="8596668" cy="1513914"/>
-          </a:xfrm>
-        </p:spPr>
-        <p:txBody>
-          <a:bodyPr anchor="t">
-            <a:normAutofit/>
-          </a:bodyPr>
-          <a:lstStyle>
-            <a:lvl1pPr marL="0" indent="0" algn="l">
-              <a:buNone/>
-              <a:defRPr sz="1800">
-                <a:solidFill>
-                  <a:schemeClr val="tx1">
-                    <a:lumMod val="50000"/>
-                    <a:lumOff val="50000"/>
+                  <a:schemeClr val="bg2">
+                    <a:lumMod val="40000"/>
+                    <a:lumOff val="60000"/>
                   </a:schemeClr>
                 </a:solidFill>
               </a:defRPr>
             </a:lvl1pPr>
             <a:lvl2pPr marL="457200" indent="0">
               <a:buNone/>
-              <a:defRPr sz="1800">
+              <a:defRPr sz="2000" b="1"/>
+            </a:lvl2pPr>
+            <a:lvl3pPr marL="914400" indent="0">
+              <a:buNone/>
+              <a:defRPr sz="1800" b="1"/>
+            </a:lvl3pPr>
+            <a:lvl4pPr marL="1371600" indent="0">
+              <a:buNone/>
+              <a:defRPr sz="1600" b="1"/>
+            </a:lvl4pPr>
+            <a:lvl5pPr marL="1828800" indent="0">
+              <a:buNone/>
+              <a:defRPr sz="1600" b="1"/>
+            </a:lvl5pPr>
+            <a:lvl6pPr marL="2286000" indent="0">
+              <a:buNone/>
+              <a:defRPr sz="1600" b="1"/>
+            </a:lvl6pPr>
+            <a:lvl7pPr marL="2743200" indent="0">
+              <a:buNone/>
+              <a:defRPr sz="1600" b="1"/>
+            </a:lvl7pPr>
+            <a:lvl8pPr marL="3200400" indent="0">
+              <a:buNone/>
+              <a:defRPr sz="1600" b="1"/>
+            </a:lvl8pPr>
+            <a:lvl9pPr marL="3657600" indent="0">
+              <a:buNone/>
+              <a:defRPr sz="1600" b="1"/>
+            </a:lvl9pPr>
+          </a:lstStyle>
+          <a:p>
+            <a:pPr lvl="0"/>
+            <a:r>
+              <a:rPr lang="en-US"/>
+              <a:t>Click to edit Master text styles</a:t>
+            </a:r>
+          </a:p>
+        </p:txBody>
+      </p:sp>
+      <p:sp>
+        <p:nvSpPr>
+          <p:cNvPr id="29" name="Picture Placeholder 2"/>
+          <p:cNvSpPr>
+            <a:spLocks noGrp="1" noChangeAspect="1"/>
+          </p:cNvSpPr>
+          <p:nvPr>
+            <p:ph type="pic" idx="15"/>
+          </p:nvPr>
+        </p:nvSpPr>
+        <p:spPr>
+          <a:xfrm>
+            <a:off x="652463" y="2209800"/>
+            <a:ext cx="2940050" cy="1524000"/>
+          </a:xfrm>
+          <a:prstGeom prst="roundRect">
+            <a:avLst>
+              <a:gd name="adj" fmla="val 1858"/>
+            </a:avLst>
+          </a:prstGeom>
+          <a:effectLst>
+            <a:outerShdw blurRad="50800" dist="50800" dir="5400000" algn="tl" rotWithShape="0">
+              <a:srgbClr val="000000">
+                <a:alpha val="43000"/>
+              </a:srgbClr>
+            </a:outerShdw>
+          </a:effectLst>
+        </p:spPr>
+        <p:txBody>
+          <a:bodyPr anchor="t">
+            <a:normAutofit/>
+          </a:bodyPr>
+          <a:lstStyle>
+            <a:lvl1pPr marL="0" indent="0" algn="ctr">
+              <a:buNone/>
+              <a:defRPr sz="1600"/>
+            </a:lvl1pPr>
+            <a:lvl2pPr marL="457200" indent="0">
+              <a:buNone/>
+              <a:defRPr sz="1600"/>
+            </a:lvl2pPr>
+            <a:lvl3pPr marL="914400" indent="0">
+              <a:buNone/>
+              <a:defRPr sz="1600"/>
+            </a:lvl3pPr>
+            <a:lvl4pPr marL="1371600" indent="0">
+              <a:buNone/>
+              <a:defRPr sz="1600"/>
+            </a:lvl4pPr>
+            <a:lvl5pPr marL="1828800" indent="0">
+              <a:buNone/>
+              <a:defRPr sz="1600"/>
+            </a:lvl5pPr>
+            <a:lvl6pPr marL="2286000" indent="0">
+              <a:buNone/>
+              <a:defRPr sz="1600"/>
+            </a:lvl6pPr>
+            <a:lvl7pPr marL="2743200" indent="0">
+              <a:buNone/>
+              <a:defRPr sz="1600"/>
+            </a:lvl7pPr>
+            <a:lvl8pPr marL="3200400" indent="0">
+              <a:buNone/>
+              <a:defRPr sz="1600"/>
+            </a:lvl8pPr>
+            <a:lvl9pPr marL="3657600" indent="0">
+              <a:buNone/>
+              <a:defRPr sz="1600"/>
+            </a:lvl9pPr>
+          </a:lstStyle>
+          <a:p>
+            <a:r>
+              <a:rPr lang="en-US"/>
+              <a:t>Click icon to add picture</a:t>
+            </a:r>
+            <a:endParaRPr lang="en-US" dirty="0"/>
+          </a:p>
+        </p:txBody>
+      </p:sp>
+      <p:sp>
+        <p:nvSpPr>
+          <p:cNvPr id="22" name="Text Placeholder 3"/>
+          <p:cNvSpPr>
+            <a:spLocks noGrp="1"/>
+          </p:cNvSpPr>
+          <p:nvPr>
+            <p:ph type="body" sz="half" idx="18"/>
+          </p:nvPr>
+        </p:nvSpPr>
+        <p:spPr>
+          <a:xfrm>
+            <a:off x="652463" y="4827211"/>
+            <a:ext cx="2940050" cy="659189"/>
+          </a:xfrm>
+        </p:spPr>
+        <p:txBody>
+          <a:bodyPr anchor="t">
+            <a:normAutofit/>
+          </a:bodyPr>
+          <a:lstStyle>
+            <a:lvl1pPr marL="0" indent="0">
+              <a:buNone/>
+              <a:defRPr sz="1400"/>
+            </a:lvl1pPr>
+            <a:lvl2pPr marL="457200" indent="0">
+              <a:buNone/>
+              <a:defRPr sz="1200"/>
+            </a:lvl2pPr>
+            <a:lvl3pPr marL="914400" indent="0">
+              <a:buNone/>
+              <a:defRPr sz="1000"/>
+            </a:lvl3pPr>
+            <a:lvl4pPr marL="1371600" indent="0">
+              <a:buNone/>
+              <a:defRPr sz="900"/>
+            </a:lvl4pPr>
+            <a:lvl5pPr marL="1828800" indent="0">
+              <a:buNone/>
+              <a:defRPr sz="900"/>
+            </a:lvl5pPr>
+            <a:lvl6pPr marL="2286000" indent="0">
+              <a:buNone/>
+              <a:defRPr sz="900"/>
+            </a:lvl6pPr>
+            <a:lvl7pPr marL="2743200" indent="0">
+              <a:buNone/>
+              <a:defRPr sz="900"/>
+            </a:lvl7pPr>
+            <a:lvl8pPr marL="3200400" indent="0">
+              <a:buNone/>
+              <a:defRPr sz="900"/>
+            </a:lvl8pPr>
+            <a:lvl9pPr marL="3657600" indent="0">
+              <a:buNone/>
+              <a:defRPr sz="900"/>
+            </a:lvl9pPr>
+          </a:lstStyle>
+          <a:p>
+            <a:pPr lvl="0"/>
+            <a:r>
+              <a:rPr lang="en-US"/>
+              <a:t>Click to edit Master text styles</a:t>
+            </a:r>
+          </a:p>
+        </p:txBody>
+      </p:sp>
+      <p:sp>
+        <p:nvSpPr>
+          <p:cNvPr id="5" name="Text Placeholder 4"/>
+          <p:cNvSpPr>
+            <a:spLocks noGrp="1"/>
+          </p:cNvSpPr>
+          <p:nvPr>
+            <p:ph type="body" sz="quarter" idx="3"/>
+          </p:nvPr>
+        </p:nvSpPr>
+        <p:spPr>
+          <a:xfrm>
+            <a:off x="3889375" y="4250949"/>
+            <a:ext cx="2930525" cy="576262"/>
+          </a:xfrm>
+        </p:spPr>
+        <p:txBody>
+          <a:bodyPr anchor="b">
+            <a:noAutofit/>
+          </a:bodyPr>
+          <a:lstStyle>
+            <a:lvl1pPr marL="0" indent="0">
+              <a:buNone/>
+              <a:defRPr sz="2400" b="0">
                 <a:solidFill>
-                  <a:schemeClr val="tx1">
-                    <a:tint val="75000"/>
+                  <a:schemeClr val="bg2">
+                    <a:lumMod val="40000"/>
+                    <a:lumOff val="60000"/>
                   </a:schemeClr>
                 </a:solidFill>
               </a:defRPr>
+            </a:lvl1pPr>
+            <a:lvl2pPr marL="457200" indent="0">
+              <a:buNone/>
+              <a:defRPr sz="2000" b="1"/>
             </a:lvl2pPr>
             <a:lvl3pPr marL="914400" indent="0">
               <a:buNone/>
-              <a:defRPr sz="1600">
+              <a:defRPr sz="1800" b="1"/>
+            </a:lvl3pPr>
+            <a:lvl4pPr marL="1371600" indent="0">
+              <a:buNone/>
+              <a:defRPr sz="1600" b="1"/>
+            </a:lvl4pPr>
+            <a:lvl5pPr marL="1828800" indent="0">
+              <a:buNone/>
+              <a:defRPr sz="1600" b="1"/>
+            </a:lvl5pPr>
+            <a:lvl6pPr marL="2286000" indent="0">
+              <a:buNone/>
+              <a:defRPr sz="1600" b="1"/>
+            </a:lvl6pPr>
+            <a:lvl7pPr marL="2743200" indent="0">
+              <a:buNone/>
+              <a:defRPr sz="1600" b="1"/>
+            </a:lvl7pPr>
+            <a:lvl8pPr marL="3200400" indent="0">
+              <a:buNone/>
+              <a:defRPr sz="1600" b="1"/>
+            </a:lvl8pPr>
+            <a:lvl9pPr marL="3657600" indent="0">
+              <a:buNone/>
+              <a:defRPr sz="1600" b="1"/>
+            </a:lvl9pPr>
+          </a:lstStyle>
+          <a:p>
+            <a:pPr lvl="0"/>
+            <a:r>
+              <a:rPr lang="en-US"/>
+              <a:t>Click to edit Master text styles</a:t>
+            </a:r>
+          </a:p>
+        </p:txBody>
+      </p:sp>
+      <p:sp>
+        <p:nvSpPr>
+          <p:cNvPr id="30" name="Picture Placeholder 2"/>
+          <p:cNvSpPr>
+            <a:spLocks noGrp="1" noChangeAspect="1"/>
+          </p:cNvSpPr>
+          <p:nvPr>
+            <p:ph type="pic" idx="21"/>
+          </p:nvPr>
+        </p:nvSpPr>
+        <p:spPr>
+          <a:xfrm>
+            <a:off x="3889374" y="2209800"/>
+            <a:ext cx="2930525" cy="1524000"/>
+          </a:xfrm>
+          <a:prstGeom prst="roundRect">
+            <a:avLst>
+              <a:gd name="adj" fmla="val 1858"/>
+            </a:avLst>
+          </a:prstGeom>
+          <a:effectLst>
+            <a:outerShdw blurRad="50800" dist="50800" dir="5400000" algn="tl" rotWithShape="0">
+              <a:srgbClr val="000000">
+                <a:alpha val="43000"/>
+              </a:srgbClr>
+            </a:outerShdw>
+          </a:effectLst>
+        </p:spPr>
+        <p:txBody>
+          <a:bodyPr anchor="t">
+            <a:normAutofit/>
+          </a:bodyPr>
+          <a:lstStyle>
+            <a:lvl1pPr marL="0" indent="0" algn="ctr">
+              <a:buNone/>
+              <a:defRPr sz="1600"/>
+            </a:lvl1pPr>
+            <a:lvl2pPr marL="457200" indent="0">
+              <a:buNone/>
+              <a:defRPr sz="1600"/>
+            </a:lvl2pPr>
+            <a:lvl3pPr marL="914400" indent="0">
+              <a:buNone/>
+              <a:defRPr sz="1600"/>
+            </a:lvl3pPr>
+            <a:lvl4pPr marL="1371600" indent="0">
+              <a:buNone/>
+              <a:defRPr sz="1600"/>
+            </a:lvl4pPr>
+            <a:lvl5pPr marL="1828800" indent="0">
+              <a:buNone/>
+              <a:defRPr sz="1600"/>
+            </a:lvl5pPr>
+            <a:lvl6pPr marL="2286000" indent="0">
+              <a:buNone/>
+              <a:defRPr sz="1600"/>
+            </a:lvl6pPr>
+            <a:lvl7pPr marL="2743200" indent="0">
+              <a:buNone/>
+              <a:defRPr sz="1600"/>
+            </a:lvl7pPr>
+            <a:lvl8pPr marL="3200400" indent="0">
+              <a:buNone/>
+              <a:defRPr sz="1600"/>
+            </a:lvl8pPr>
+            <a:lvl9pPr marL="3657600" indent="0">
+              <a:buNone/>
+              <a:defRPr sz="1600"/>
+            </a:lvl9pPr>
+          </a:lstStyle>
+          <a:p>
+            <a:r>
+              <a:rPr lang="en-US"/>
+              <a:t>Click icon to add picture</a:t>
+            </a:r>
+            <a:endParaRPr lang="en-US" dirty="0"/>
+          </a:p>
+        </p:txBody>
+      </p:sp>
+      <p:sp>
+        <p:nvSpPr>
+          <p:cNvPr id="23" name="Text Placeholder 3"/>
+          <p:cNvSpPr>
+            <a:spLocks noGrp="1"/>
+          </p:cNvSpPr>
+          <p:nvPr>
+            <p:ph type="body" sz="half" idx="19"/>
+          </p:nvPr>
+        </p:nvSpPr>
+        <p:spPr>
+          <a:xfrm>
+            <a:off x="3888022" y="4827210"/>
+            <a:ext cx="2934406" cy="659189"/>
+          </a:xfrm>
+        </p:spPr>
+        <p:txBody>
+          <a:bodyPr anchor="t">
+            <a:normAutofit/>
+          </a:bodyPr>
+          <a:lstStyle>
+            <a:lvl1pPr marL="0" indent="0">
+              <a:buNone/>
+              <a:defRPr sz="1400"/>
+            </a:lvl1pPr>
+            <a:lvl2pPr marL="457200" indent="0">
+              <a:buNone/>
+              <a:defRPr sz="1200"/>
+            </a:lvl2pPr>
+            <a:lvl3pPr marL="914400" indent="0">
+              <a:buNone/>
+              <a:defRPr sz="1000"/>
+            </a:lvl3pPr>
+            <a:lvl4pPr marL="1371600" indent="0">
+              <a:buNone/>
+              <a:defRPr sz="900"/>
+            </a:lvl4pPr>
+            <a:lvl5pPr marL="1828800" indent="0">
+              <a:buNone/>
+              <a:defRPr sz="900"/>
+            </a:lvl5pPr>
+            <a:lvl6pPr marL="2286000" indent="0">
+              <a:buNone/>
+              <a:defRPr sz="900"/>
+            </a:lvl6pPr>
+            <a:lvl7pPr marL="2743200" indent="0">
+              <a:buNone/>
+              <a:defRPr sz="900"/>
+            </a:lvl7pPr>
+            <a:lvl8pPr marL="3200400" indent="0">
+              <a:buNone/>
+              <a:defRPr sz="900"/>
+            </a:lvl8pPr>
+            <a:lvl9pPr marL="3657600" indent="0">
+              <a:buNone/>
+              <a:defRPr sz="900"/>
+            </a:lvl9pPr>
+          </a:lstStyle>
+          <a:p>
+            <a:pPr lvl="0"/>
+            <a:r>
+              <a:rPr lang="en-US"/>
+              <a:t>Click to edit Master text styles</a:t>
+            </a:r>
+          </a:p>
+        </p:txBody>
+      </p:sp>
+      <p:sp>
+        <p:nvSpPr>
+          <p:cNvPr id="14" name="Text Placeholder 4"/>
+          <p:cNvSpPr>
+            <a:spLocks noGrp="1"/>
+          </p:cNvSpPr>
+          <p:nvPr>
+            <p:ph type="body" sz="quarter" idx="13"/>
+          </p:nvPr>
+        </p:nvSpPr>
+        <p:spPr>
+          <a:xfrm>
+            <a:off x="7124700" y="4250949"/>
+            <a:ext cx="2932113" cy="576262"/>
+          </a:xfrm>
+        </p:spPr>
+        <p:txBody>
+          <a:bodyPr anchor="b">
+            <a:noAutofit/>
+          </a:bodyPr>
+          <a:lstStyle>
+            <a:lvl1pPr marL="0" indent="0">
+              <a:buNone/>
+              <a:defRPr sz="2400" b="0">
                 <a:solidFill>
-                  <a:schemeClr val="tx1">
-                    <a:tint val="75000"/>
+                  <a:schemeClr val="bg2">
+                    <a:lumMod val="40000"/>
+                    <a:lumOff val="60000"/>
                   </a:schemeClr>
                 </a:solidFill>
               </a:defRPr>
+            </a:lvl1pPr>
+            <a:lvl2pPr marL="457200" indent="0">
+              <a:buNone/>
+              <a:defRPr sz="2000" b="1"/>
+            </a:lvl2pPr>
+            <a:lvl3pPr marL="914400" indent="0">
+              <a:buNone/>
+              <a:defRPr sz="1800" b="1"/>
             </a:lvl3pPr>
             <a:lvl4pPr marL="1371600" indent="0">
               <a:buNone/>
-              <a:defRPr sz="1400">
-                <a:solidFill>
-                  <a:schemeClr val="tx1">
-                    <a:tint val="75000"/>
-                  </a:schemeClr>
-                </a:solidFill>
-              </a:defRPr>
+              <a:defRPr sz="1600" b="1"/>
             </a:lvl4pPr>
             <a:lvl5pPr marL="1828800" indent="0">
               <a:buNone/>
-              <a:defRPr sz="1400">
-                <a:solidFill>
-                  <a:schemeClr val="tx1">
-                    <a:tint val="75000"/>
-                  </a:schemeClr>
-                </a:solidFill>
-              </a:defRPr>
+              <a:defRPr sz="1600" b="1"/>
             </a:lvl5pPr>
             <a:lvl6pPr marL="2286000" indent="0">
               <a:buNone/>
-              <a:defRPr sz="1400">
-                <a:solidFill>
-                  <a:schemeClr val="tx1">
-                    <a:tint val="75000"/>
-                  </a:schemeClr>
-                </a:solidFill>
-              </a:defRPr>
+              <a:defRPr sz="1600" b="1"/>
             </a:lvl6pPr>
             <a:lvl7pPr marL="2743200" indent="0">
               <a:buNone/>
-              <a:defRPr sz="1400">
-                <a:solidFill>
-                  <a:schemeClr val="tx1">
-                    <a:tint val="75000"/>
-                  </a:schemeClr>
-                </a:solidFill>
-              </a:defRPr>
+              <a:defRPr sz="1600" b="1"/>
             </a:lvl7pPr>
             <a:lvl8pPr marL="3200400" indent="0">
               <a:buNone/>
-              <a:defRPr sz="1400">
-                <a:solidFill>
-                  <a:schemeClr val="tx1">
-                    <a:tint val="75000"/>
-                  </a:schemeClr>
-                </a:solidFill>
-              </a:defRPr>
+              <a:defRPr sz="1600" b="1"/>
             </a:lvl8pPr>
             <a:lvl9pPr marL="3657600" indent="0">
               <a:buNone/>
-              <a:defRPr sz="1400">
-                <a:solidFill>
-                  <a:schemeClr val="tx1">
-                    <a:tint val="75000"/>
-                  </a:schemeClr>
-                </a:solidFill>
-              </a:defRPr>
+              <a:defRPr sz="1600" b="1"/>
             </a:lvl9pPr>
           </a:lstStyle>
           <a:p>
@@ -2438,7 +2630,231 @@
       </p:sp>
       <p:sp>
         <p:nvSpPr>
-          <p:cNvPr id="4" name="Date Placeholder 3"/>
+          <p:cNvPr id="31" name="Picture Placeholder 2"/>
+          <p:cNvSpPr>
+            <a:spLocks noGrp="1" noChangeAspect="1"/>
+          </p:cNvSpPr>
+          <p:nvPr>
+            <p:ph type="pic" idx="22"/>
+          </p:nvPr>
+        </p:nvSpPr>
+        <p:spPr>
+          <a:xfrm>
+            <a:off x="7124699" y="2209800"/>
+            <a:ext cx="2932113" cy="1524000"/>
+          </a:xfrm>
+          <a:prstGeom prst="roundRect">
+            <a:avLst>
+              <a:gd name="adj" fmla="val 1858"/>
+            </a:avLst>
+          </a:prstGeom>
+          <a:effectLst>
+            <a:outerShdw blurRad="50800" dist="50800" dir="5400000" algn="tl" rotWithShape="0">
+              <a:srgbClr val="000000">
+                <a:alpha val="43000"/>
+              </a:srgbClr>
+            </a:outerShdw>
+          </a:effectLst>
+        </p:spPr>
+        <p:txBody>
+          <a:bodyPr anchor="t">
+            <a:normAutofit/>
+          </a:bodyPr>
+          <a:lstStyle>
+            <a:lvl1pPr marL="0" indent="0" algn="ctr">
+              <a:buNone/>
+              <a:defRPr sz="1600"/>
+            </a:lvl1pPr>
+            <a:lvl2pPr marL="457200" indent="0">
+              <a:buNone/>
+              <a:defRPr sz="1600"/>
+            </a:lvl2pPr>
+            <a:lvl3pPr marL="914400" indent="0">
+              <a:buNone/>
+              <a:defRPr sz="1600"/>
+            </a:lvl3pPr>
+            <a:lvl4pPr marL="1371600" indent="0">
+              <a:buNone/>
+              <a:defRPr sz="1600"/>
+            </a:lvl4pPr>
+            <a:lvl5pPr marL="1828800" indent="0">
+              <a:buNone/>
+              <a:defRPr sz="1600"/>
+            </a:lvl5pPr>
+            <a:lvl6pPr marL="2286000" indent="0">
+              <a:buNone/>
+              <a:defRPr sz="1600"/>
+            </a:lvl6pPr>
+            <a:lvl7pPr marL="2743200" indent="0">
+              <a:buNone/>
+              <a:defRPr sz="1600"/>
+            </a:lvl7pPr>
+            <a:lvl8pPr marL="3200400" indent="0">
+              <a:buNone/>
+              <a:defRPr sz="1600"/>
+            </a:lvl8pPr>
+            <a:lvl9pPr marL="3657600" indent="0">
+              <a:buNone/>
+              <a:defRPr sz="1600"/>
+            </a:lvl9pPr>
+          </a:lstStyle>
+          <a:p>
+            <a:r>
+              <a:rPr lang="en-US"/>
+              <a:t>Click icon to add picture</a:t>
+            </a:r>
+            <a:endParaRPr lang="en-US" dirty="0"/>
+          </a:p>
+        </p:txBody>
+      </p:sp>
+      <p:sp>
+        <p:nvSpPr>
+          <p:cNvPr id="24" name="Text Placeholder 3"/>
+          <p:cNvSpPr>
+            <a:spLocks noGrp="1"/>
+          </p:cNvSpPr>
+          <p:nvPr>
+            <p:ph type="body" sz="half" idx="20"/>
+          </p:nvPr>
+        </p:nvSpPr>
+        <p:spPr>
+          <a:xfrm>
+            <a:off x="7124575" y="4827208"/>
+            <a:ext cx="2935997" cy="659189"/>
+          </a:xfrm>
+        </p:spPr>
+        <p:txBody>
+          <a:bodyPr anchor="t">
+            <a:normAutofit/>
+          </a:bodyPr>
+          <a:lstStyle>
+            <a:lvl1pPr marL="0" indent="0">
+              <a:buNone/>
+              <a:defRPr sz="1400"/>
+            </a:lvl1pPr>
+            <a:lvl2pPr marL="457200" indent="0">
+              <a:buNone/>
+              <a:defRPr sz="1200"/>
+            </a:lvl2pPr>
+            <a:lvl3pPr marL="914400" indent="0">
+              <a:buNone/>
+              <a:defRPr sz="1000"/>
+            </a:lvl3pPr>
+            <a:lvl4pPr marL="1371600" indent="0">
+              <a:buNone/>
+              <a:defRPr sz="900"/>
+            </a:lvl4pPr>
+            <a:lvl5pPr marL="1828800" indent="0">
+              <a:buNone/>
+              <a:defRPr sz="900"/>
+            </a:lvl5pPr>
+            <a:lvl6pPr marL="2286000" indent="0">
+              <a:buNone/>
+              <a:defRPr sz="900"/>
+            </a:lvl6pPr>
+            <a:lvl7pPr marL="2743200" indent="0">
+              <a:buNone/>
+              <a:defRPr sz="900"/>
+            </a:lvl7pPr>
+            <a:lvl8pPr marL="3200400" indent="0">
+              <a:buNone/>
+              <a:defRPr sz="900"/>
+            </a:lvl8pPr>
+            <a:lvl9pPr marL="3657600" indent="0">
+              <a:buNone/>
+              <a:defRPr sz="900"/>
+            </a:lvl9pPr>
+          </a:lstStyle>
+          <a:p>
+            <a:pPr lvl="0"/>
+            <a:r>
+              <a:rPr lang="en-US"/>
+              <a:t>Click to edit Master text styles</a:t>
+            </a:r>
+          </a:p>
+        </p:txBody>
+      </p:sp>
+      <p:cxnSp>
+        <p:nvCxnSpPr>
+          <p:cNvPr id="19" name="Straight Connector 18"/>
+          <p:cNvCxnSpPr/>
+          <p:nvPr/>
+        </p:nvCxnSpPr>
+        <p:spPr>
+          <a:xfrm>
+            <a:off x="3726142" y="2133600"/>
+            <a:ext cx="0" cy="3962400"/>
+          </a:xfrm>
+          <a:prstGeom prst="line">
+            <a:avLst/>
+          </a:prstGeom>
+          <a:ln w="12700" cmpd="sng">
+            <a:solidFill>
+              <a:schemeClr val="bg2">
+                <a:lumMod val="40000"/>
+                <a:lumOff val="60000"/>
+                <a:alpha val="40000"/>
+              </a:schemeClr>
+            </a:solidFill>
+          </a:ln>
+        </p:spPr>
+        <p:style>
+          <a:lnRef idx="2">
+            <a:schemeClr val="accent1"/>
+          </a:lnRef>
+          <a:fillRef idx="0">
+            <a:schemeClr val="accent1"/>
+          </a:fillRef>
+          <a:effectRef idx="1">
+            <a:schemeClr val="accent1"/>
+          </a:effectRef>
+          <a:fontRef idx="minor">
+            <a:schemeClr val="tx1"/>
+          </a:fontRef>
+        </p:style>
+      </p:cxnSp>
+      <p:cxnSp>
+        <p:nvCxnSpPr>
+          <p:cNvPr id="20" name="Straight Connector 19"/>
+          <p:cNvCxnSpPr/>
+          <p:nvPr/>
+        </p:nvCxnSpPr>
+        <p:spPr>
+          <a:xfrm>
+            <a:off x="6962227" y="2133600"/>
+            <a:ext cx="0" cy="3966882"/>
+          </a:xfrm>
+          <a:prstGeom prst="line">
+            <a:avLst/>
+          </a:prstGeom>
+          <a:ln w="12700" cmpd="sng">
+            <a:solidFill>
+              <a:schemeClr val="bg2">
+                <a:lumMod val="40000"/>
+                <a:lumOff val="60000"/>
+                <a:alpha val="40000"/>
+              </a:schemeClr>
+            </a:solidFill>
+          </a:ln>
+        </p:spPr>
+        <p:style>
+          <a:lnRef idx="2">
+            <a:schemeClr val="accent1"/>
+          </a:lnRef>
+          <a:fillRef idx="0">
+            <a:schemeClr val="accent1"/>
+          </a:fillRef>
+          <a:effectRef idx="1">
+            <a:schemeClr val="accent1"/>
+          </a:effectRef>
+          <a:fontRef idx="minor">
+            <a:schemeClr val="tx1"/>
+          </a:fontRef>
+        </p:style>
+      </p:cxnSp>
+      <p:sp>
+        <p:nvSpPr>
+          <p:cNvPr id="7" name="Date Placeholder 3"/>
           <p:cNvSpPr>
             <a:spLocks noGrp="1"/>
           </p:cNvSpPr>
@@ -2461,7 +2877,7 @@
       </p:sp>
       <p:sp>
         <p:nvSpPr>
-          <p:cNvPr id="5" name="Footer Placeholder 4"/>
+          <p:cNvPr id="4" name="Footer Placeholder 4"/>
           <p:cNvSpPr>
             <a:spLocks noGrp="1"/>
           </p:cNvSpPr>
@@ -2504,7 +2920,7 @@
     </p:spTree>
     <p:extLst>
       <p:ext uri="{BB962C8B-B14F-4D97-AF65-F5344CB8AC3E}">
-        <p14:creationId xmlns:p14="http://schemas.microsoft.com/office/powerpoint/2010/main" val="3107930089"/>
+        <p14:creationId xmlns:p14="http://schemas.microsoft.com/office/powerpoint/2010/main" val="979528391"/>
       </p:ext>
     </p:extLst>
   </p:cSld>
@@ -2514,7 +2930,7 @@
 </p:sldLayout>
 </file>
 
-<file path=ppt/slideLayouts/slideLayout15.xml><?xml version="1.0" encoding="utf-8"?>
+<file path=ppt/slideLayouts/slideLayout16.xml><?xml version="1.0" encoding="utf-8"?>
 <p:sldLayout xmlns:a="http://schemas.openxmlformats.org/drawingml/2006/main" xmlns:r="http://schemas.openxmlformats.org/officeDocument/2006/relationships" xmlns:p="http://schemas.openxmlformats.org/presentationml/2006/main" type="vertTx" preserve="1">
   <p:cSld name="Title and Vertical Text">
     <p:spTree>
@@ -2566,7 +2982,7 @@
         </p:nvSpPr>
         <p:spPr/>
         <p:txBody>
-          <a:bodyPr vert="eaVert"/>
+          <a:bodyPr vert="eaVert" anchor="t" anchorCtr="0"/>
           <a:lstStyle/>
           <a:p>
             <a:pPr lvl="0"/>
@@ -2674,7 +3090,7 @@
     </p:spTree>
     <p:extLst>
       <p:ext uri="{BB962C8B-B14F-4D97-AF65-F5344CB8AC3E}">
-        <p14:creationId xmlns:p14="http://schemas.microsoft.com/office/powerpoint/2010/main" val="1608372834"/>
+        <p14:creationId xmlns:p14="http://schemas.microsoft.com/office/powerpoint/2010/main" val="3006459990"/>
       </p:ext>
     </p:extLst>
   </p:cSld>
@@ -2684,7 +3100,7 @@
 </p:sldLayout>
 </file>
 
-<file path=ppt/slideLayouts/slideLayout16.xml><?xml version="1.0" encoding="utf-8"?>
+<file path=ppt/slideLayouts/slideLayout17.xml><?xml version="1.0" encoding="utf-8"?>
 <p:sldLayout xmlns:a="http://schemas.openxmlformats.org/drawingml/2006/main" xmlns:r="http://schemas.openxmlformats.org/officeDocument/2006/relationships" xmlns:p="http://schemas.openxmlformats.org/presentationml/2006/main" type="vertTitleAndTx" preserve="1">
   <p:cSld name="Vertical Title and Text">
     <p:spTree>
@@ -2713,12 +3129,12 @@
         </p:nvSpPr>
         <p:spPr>
           <a:xfrm>
-            <a:off x="7967673" y="609599"/>
-            <a:ext cx="1304743" cy="5251451"/>
+            <a:off x="8304212" y="430213"/>
+            <a:ext cx="1752601" cy="5826125"/>
           </a:xfrm>
         </p:spPr>
         <p:txBody>
-          <a:bodyPr vert="eaVert" anchor="ctr"/>
+          <a:bodyPr vert="eaVert" anchor="b" anchorCtr="0"/>
           <a:lstStyle/>
           <a:p>
             <a:r>
@@ -2741,8 +3157,8 @@
         </p:nvSpPr>
         <p:spPr>
           <a:xfrm>
-            <a:off x="677335" y="609600"/>
-            <a:ext cx="7060150" cy="5251450"/>
+            <a:off x="652463" y="887414"/>
+            <a:ext cx="7423149" cy="5368924"/>
           </a:xfrm>
         </p:spPr>
         <p:txBody>
@@ -2854,7 +3270,7 @@
     </p:spTree>
     <p:extLst>
       <p:ext uri="{BB962C8B-B14F-4D97-AF65-F5344CB8AC3E}">
-        <p14:creationId xmlns:p14="http://schemas.microsoft.com/office/powerpoint/2010/main" val="876585597"/>
+        <p14:creationId xmlns:p14="http://schemas.microsoft.com/office/powerpoint/2010/main" val="1132512075"/>
       </p:ext>
     </p:extLst>
   </p:cSld>
@@ -2893,14 +3309,8 @@
         </p:nvSpPr>
         <p:spPr/>
         <p:txBody>
-          <a:bodyPr>
-            <a:normAutofit/>
-          </a:bodyPr>
-          <a:lstStyle>
-            <a:lvl1pPr>
-              <a:defRPr sz="3600"/>
-            </a:lvl1pPr>
-          </a:lstStyle>
+          <a:bodyPr/>
+          <a:lstStyle/>
           <a:p>
             <a:r>
               <a:rPr lang="en-US"/>
@@ -2964,7 +3374,7 @@
       </p:sp>
       <p:sp>
         <p:nvSpPr>
-          <p:cNvPr id="4" name="Date Placeholder 3"/>
+          <p:cNvPr id="7" name="Date Placeholder 3"/>
           <p:cNvSpPr>
             <a:spLocks noGrp="1"/>
           </p:cNvSpPr>
@@ -3030,7 +3440,7 @@
     </p:spTree>
     <p:extLst>
       <p:ext uri="{BB962C8B-B14F-4D97-AF65-F5344CB8AC3E}">
-        <p14:creationId xmlns:p14="http://schemas.microsoft.com/office/powerpoint/2010/main" val="3224226199"/>
+        <p14:creationId xmlns:p14="http://schemas.microsoft.com/office/powerpoint/2010/main" val="1594499951"/>
       </p:ext>
     </p:extLst>
   </p:cSld>
@@ -3069,8 +3479,8 @@
         </p:nvSpPr>
         <p:spPr>
           <a:xfrm>
-            <a:off x="677335" y="2700867"/>
-            <a:ext cx="8596668" cy="1826581"/>
+            <a:off x="1154956" y="2861733"/>
+            <a:ext cx="8825657" cy="1915647"/>
           </a:xfrm>
         </p:spPr>
         <p:txBody>
@@ -3101,8 +3511,8 @@
         </p:nvSpPr>
         <p:spPr>
           <a:xfrm>
-            <a:off x="677335" y="4527448"/>
-            <a:ext cx="8596668" cy="860400"/>
+            <a:off x="1154955" y="4777381"/>
+            <a:ext cx="8825658" cy="860400"/>
           </a:xfrm>
         </p:spPr>
         <p:txBody>
@@ -3110,11 +3520,11 @@
           <a:lstStyle>
             <a:lvl1pPr marL="0" indent="0" algn="l">
               <a:buNone/>
-              <a:defRPr sz="2000">
+              <a:defRPr sz="2000" cap="all">
                 <a:solidFill>
-                  <a:schemeClr val="tx1">
-                    <a:lumMod val="50000"/>
-                    <a:lumOff val="50000"/>
+                  <a:schemeClr val="bg2">
+                    <a:lumMod val="40000"/>
+                    <a:lumOff val="60000"/>
                   </a:schemeClr>
                 </a:solidFill>
               </a:defRPr>
@@ -3277,7 +3687,7 @@
     </p:spTree>
     <p:extLst>
       <p:ext uri="{BB962C8B-B14F-4D97-AF65-F5344CB8AC3E}">
-        <p14:creationId xmlns:p14="http://schemas.microsoft.com/office/powerpoint/2010/main" val="1941006071"/>
+        <p14:creationId xmlns:p14="http://schemas.microsoft.com/office/powerpoint/2010/main" val="7640274"/>
       </p:ext>
     </p:extLst>
   </p:cSld>
@@ -3339,13 +3749,43 @@
         </p:nvSpPr>
         <p:spPr>
           <a:xfrm>
-            <a:off x="677334" y="2160589"/>
-            <a:ext cx="4184035" cy="3880772"/>
+            <a:off x="1103312" y="2060575"/>
+            <a:ext cx="4396339" cy="4195763"/>
           </a:xfrm>
         </p:spPr>
         <p:txBody>
-          <a:bodyPr/>
-          <a:lstStyle/>
+          <a:bodyPr>
+            <a:normAutofit/>
+          </a:bodyPr>
+          <a:lstStyle>
+            <a:lvl1pPr>
+              <a:defRPr sz="1800"/>
+            </a:lvl1pPr>
+            <a:lvl2pPr>
+              <a:defRPr sz="1600"/>
+            </a:lvl2pPr>
+            <a:lvl3pPr>
+              <a:defRPr sz="1400"/>
+            </a:lvl3pPr>
+            <a:lvl4pPr>
+              <a:defRPr sz="1200"/>
+            </a:lvl4pPr>
+            <a:lvl5pPr>
+              <a:defRPr sz="1200"/>
+            </a:lvl5pPr>
+            <a:lvl6pPr>
+              <a:defRPr sz="1200"/>
+            </a:lvl6pPr>
+            <a:lvl7pPr>
+              <a:defRPr sz="1200"/>
+            </a:lvl7pPr>
+            <a:lvl8pPr>
+              <a:defRPr sz="1200"/>
+            </a:lvl8pPr>
+            <a:lvl9pPr>
+              <a:defRPr sz="1200"/>
+            </a:lvl9pPr>
+          </a:lstStyle>
           <a:p>
             <a:pPr lvl="0"/>
             <a:r>
@@ -3396,13 +3836,43 @@
         </p:nvSpPr>
         <p:spPr>
           <a:xfrm>
-            <a:off x="5089970" y="2160589"/>
-            <a:ext cx="4184034" cy="3880773"/>
+            <a:off x="5654493" y="2056092"/>
+            <a:ext cx="4396341" cy="4200245"/>
           </a:xfrm>
         </p:spPr>
         <p:txBody>
-          <a:bodyPr/>
-          <a:lstStyle/>
+          <a:bodyPr>
+            <a:normAutofit/>
+          </a:bodyPr>
+          <a:lstStyle>
+            <a:lvl1pPr>
+              <a:defRPr sz="1800"/>
+            </a:lvl1pPr>
+            <a:lvl2pPr>
+              <a:defRPr sz="1600"/>
+            </a:lvl2pPr>
+            <a:lvl3pPr>
+              <a:defRPr sz="1400"/>
+            </a:lvl3pPr>
+            <a:lvl4pPr>
+              <a:defRPr sz="1200"/>
+            </a:lvl4pPr>
+            <a:lvl5pPr>
+              <a:defRPr sz="1200"/>
+            </a:lvl5pPr>
+            <a:lvl6pPr>
+              <a:defRPr sz="1200"/>
+            </a:lvl6pPr>
+            <a:lvl7pPr>
+              <a:defRPr sz="1200"/>
+            </a:lvl7pPr>
+            <a:lvl8pPr>
+              <a:defRPr sz="1200"/>
+            </a:lvl8pPr>
+            <a:lvl9pPr>
+              <a:defRPr sz="1200"/>
+            </a:lvl9pPr>
+          </a:lstStyle>
           <a:p>
             <a:pPr lvl="0"/>
             <a:r>
@@ -3509,7 +3979,7 @@
     </p:spTree>
     <p:extLst>
       <p:ext uri="{BB962C8B-B14F-4D97-AF65-F5344CB8AC3E}">
-        <p14:creationId xmlns:p14="http://schemas.microsoft.com/office/powerpoint/2010/main" val="1454637341"/>
+        <p14:creationId xmlns:p14="http://schemas.microsoft.com/office/powerpoint/2010/main" val="1269552934"/>
       </p:ext>
     </p:extLst>
   </p:cSld>
@@ -3575,8 +4045,8 @@
         </p:nvSpPr>
         <p:spPr>
           <a:xfrm>
-            <a:off x="675745" y="2160983"/>
-            <a:ext cx="4185623" cy="576262"/>
+            <a:off x="1103313" y="1905000"/>
+            <a:ext cx="4396338" cy="576262"/>
           </a:xfrm>
         </p:spPr>
         <p:txBody>
@@ -3586,7 +4056,14 @@
           <a:lstStyle>
             <a:lvl1pPr marL="0" indent="0">
               <a:buNone/>
-              <a:defRPr sz="2400" b="0"/>
+              <a:defRPr sz="2400" b="0">
+                <a:solidFill>
+                  <a:schemeClr val="bg2">
+                    <a:lumMod val="40000"/>
+                    <a:lumOff val="60000"/>
+                  </a:schemeClr>
+                </a:solidFill>
+              </a:defRPr>
             </a:lvl1pPr>
             <a:lvl2pPr marL="457200" indent="0">
               <a:buNone/>
@@ -3642,15 +4119,43 @@
         </p:nvSpPr>
         <p:spPr>
           <a:xfrm>
-            <a:off x="675745" y="2737245"/>
-            <a:ext cx="4185623" cy="3304117"/>
+            <a:off x="1103312" y="2514600"/>
+            <a:ext cx="4396339" cy="3741738"/>
           </a:xfrm>
         </p:spPr>
         <p:txBody>
           <a:bodyPr>
             <a:normAutofit/>
           </a:bodyPr>
-          <a:lstStyle/>
+          <a:lstStyle>
+            <a:lvl1pPr>
+              <a:defRPr sz="1800"/>
+            </a:lvl1pPr>
+            <a:lvl2pPr>
+              <a:defRPr sz="1600"/>
+            </a:lvl2pPr>
+            <a:lvl3pPr>
+              <a:defRPr sz="1400"/>
+            </a:lvl3pPr>
+            <a:lvl4pPr>
+              <a:defRPr sz="1200"/>
+            </a:lvl4pPr>
+            <a:lvl5pPr>
+              <a:defRPr sz="1200"/>
+            </a:lvl5pPr>
+            <a:lvl6pPr>
+              <a:defRPr sz="1200"/>
+            </a:lvl6pPr>
+            <a:lvl7pPr>
+              <a:defRPr sz="1200"/>
+            </a:lvl7pPr>
+            <a:lvl8pPr>
+              <a:defRPr sz="1200"/>
+            </a:lvl8pPr>
+            <a:lvl9pPr>
+              <a:defRPr sz="1200"/>
+            </a:lvl9pPr>
+          </a:lstStyle>
           <a:p>
             <a:pPr lvl="0"/>
             <a:r>
@@ -3701,8 +4206,8 @@
         </p:nvSpPr>
         <p:spPr>
           <a:xfrm>
-            <a:off x="5088383" y="2160983"/>
-            <a:ext cx="4185618" cy="576262"/>
+            <a:off x="5654495" y="1905000"/>
+            <a:ext cx="4396339" cy="576262"/>
           </a:xfrm>
         </p:spPr>
         <p:txBody>
@@ -3712,7 +4217,14 @@
           <a:lstStyle>
             <a:lvl1pPr marL="0" indent="0">
               <a:buNone/>
-              <a:defRPr sz="2400" b="0"/>
+              <a:defRPr sz="2400" b="0">
+                <a:solidFill>
+                  <a:schemeClr val="bg2">
+                    <a:lumMod val="40000"/>
+                    <a:lumOff val="60000"/>
+                  </a:schemeClr>
+                </a:solidFill>
+              </a:defRPr>
             </a:lvl1pPr>
             <a:lvl2pPr marL="457200" indent="0">
               <a:buNone/>
@@ -3768,15 +4280,43 @@
         </p:nvSpPr>
         <p:spPr>
           <a:xfrm>
-            <a:off x="5088384" y="2737245"/>
-            <a:ext cx="4185617" cy="3304117"/>
+            <a:off x="5654495" y="2514600"/>
+            <a:ext cx="4396339" cy="3741738"/>
           </a:xfrm>
         </p:spPr>
         <p:txBody>
           <a:bodyPr>
             <a:normAutofit/>
           </a:bodyPr>
-          <a:lstStyle/>
+          <a:lstStyle>
+            <a:lvl1pPr>
+              <a:defRPr sz="1800"/>
+            </a:lvl1pPr>
+            <a:lvl2pPr>
+              <a:defRPr sz="1600"/>
+            </a:lvl2pPr>
+            <a:lvl3pPr>
+              <a:defRPr sz="1400"/>
+            </a:lvl3pPr>
+            <a:lvl4pPr>
+              <a:defRPr sz="1200"/>
+            </a:lvl4pPr>
+            <a:lvl5pPr>
+              <a:defRPr sz="1200"/>
+            </a:lvl5pPr>
+            <a:lvl6pPr>
+              <a:defRPr sz="1200"/>
+            </a:lvl6pPr>
+            <a:lvl7pPr>
+              <a:defRPr sz="1200"/>
+            </a:lvl7pPr>
+            <a:lvl8pPr>
+              <a:defRPr sz="1200"/>
+            </a:lvl8pPr>
+            <a:lvl9pPr>
+              <a:defRPr sz="1200"/>
+            </a:lvl9pPr>
+          </a:lstStyle>
           <a:p>
             <a:pPr lvl="0"/>
             <a:r>
@@ -3883,7 +4423,7 @@
     </p:spTree>
     <p:extLst>
       <p:ext uri="{BB962C8B-B14F-4D97-AF65-F5344CB8AC3E}">
-        <p14:creationId xmlns:p14="http://schemas.microsoft.com/office/powerpoint/2010/main" val="40292502"/>
+        <p14:creationId xmlns:p14="http://schemas.microsoft.com/office/powerpoint/2010/main" val="279979919"/>
       </p:ext>
     </p:extLst>
   </p:cSld>
@@ -3920,12 +4460,7 @@
             <p:ph type="title"/>
           </p:nvPr>
         </p:nvSpPr>
-        <p:spPr>
-          <a:xfrm>
-            <a:off x="677334" y="609600"/>
-            <a:ext cx="8596668" cy="1320800"/>
-          </a:xfrm>
-        </p:spPr>
+        <p:spPr/>
         <p:txBody>
           <a:bodyPr/>
           <a:lstStyle/>
@@ -3940,7 +4475,7 @@
       </p:sp>
       <p:sp>
         <p:nvSpPr>
-          <p:cNvPr id="3" name="Date Placeholder 2"/>
+          <p:cNvPr id="7" name="Date Placeholder 2"/>
           <p:cNvSpPr>
             <a:spLocks noGrp="1"/>
           </p:cNvSpPr>
@@ -3963,7 +4498,7 @@
       </p:sp>
       <p:sp>
         <p:nvSpPr>
-          <p:cNvPr id="4" name="Footer Placeholder 3"/>
+          <p:cNvPr id="5" name="Footer Placeholder 3"/>
           <p:cNvSpPr>
             <a:spLocks noGrp="1"/>
           </p:cNvSpPr>
@@ -3982,7 +4517,7 @@
       </p:sp>
       <p:sp>
         <p:nvSpPr>
-          <p:cNvPr id="5" name="Slide Number Placeholder 4"/>
+          <p:cNvPr id="6" name="Slide Number Placeholder 4"/>
           <p:cNvSpPr>
             <a:spLocks noGrp="1"/>
           </p:cNvSpPr>
@@ -4006,7 +4541,7 @@
     </p:spTree>
     <p:extLst>
       <p:ext uri="{BB962C8B-B14F-4D97-AF65-F5344CB8AC3E}">
-        <p14:creationId xmlns:p14="http://schemas.microsoft.com/office/powerpoint/2010/main" val="2179229562"/>
+        <p14:creationId xmlns:p14="http://schemas.microsoft.com/office/powerpoint/2010/main" val="3830913782"/>
       </p:ext>
     </p:extLst>
   </p:cSld>
@@ -4035,7 +4570,7 @@
       </p:grpSpPr>
       <p:sp>
         <p:nvSpPr>
-          <p:cNvPr id="2" name="Date Placeholder 1"/>
+          <p:cNvPr id="7" name="Date Placeholder 1"/>
           <p:cNvSpPr>
             <a:spLocks noGrp="1"/>
           </p:cNvSpPr>
@@ -4058,7 +4593,7 @@
       </p:sp>
       <p:sp>
         <p:nvSpPr>
-          <p:cNvPr id="3" name="Footer Placeholder 2"/>
+          <p:cNvPr id="5" name="Footer Placeholder 2"/>
           <p:cNvSpPr>
             <a:spLocks noGrp="1"/>
           </p:cNvSpPr>
@@ -4077,7 +4612,7 @@
       </p:sp>
       <p:sp>
         <p:nvSpPr>
-          <p:cNvPr id="4" name="Slide Number Placeholder 3"/>
+          <p:cNvPr id="6" name="Slide Number Placeholder 3"/>
           <p:cNvSpPr>
             <a:spLocks noGrp="1"/>
           </p:cNvSpPr>
@@ -4101,7 +4636,7 @@
     </p:spTree>
     <p:extLst>
       <p:ext uri="{BB962C8B-B14F-4D97-AF65-F5344CB8AC3E}">
-        <p14:creationId xmlns:p14="http://schemas.microsoft.com/office/powerpoint/2010/main" val="2515288576"/>
+        <p14:creationId xmlns:p14="http://schemas.microsoft.com/office/powerpoint/2010/main" val="2056917817"/>
       </p:ext>
     </p:extLst>
   </p:cSld>
@@ -4140,23 +4675,108 @@
         </p:nvSpPr>
         <p:spPr>
           <a:xfrm>
-            <a:off x="677334" y="1498604"/>
-            <a:ext cx="3854528" cy="1278466"/>
+            <a:off x="1154953" y="1447800"/>
+            <a:ext cx="3401064" cy="1447800"/>
           </a:xfrm>
         </p:spPr>
         <p:txBody>
-          <a:bodyPr anchor="b">
+          <a:bodyPr anchor="b"/>
+          <a:lstStyle>
+            <a:lvl1pPr algn="l">
+              <a:defRPr sz="2400" b="0"/>
+            </a:lvl1pPr>
+          </a:lstStyle>
+          <a:p>
+            <a:r>
+              <a:rPr lang="en-US"/>
+              <a:t>Click to edit Master title style</a:t>
+            </a:r>
+            <a:endParaRPr lang="en-US" dirty="0"/>
+          </a:p>
+        </p:txBody>
+      </p:sp>
+      <p:sp>
+        <p:nvSpPr>
+          <p:cNvPr id="3" name="Content Placeholder 2"/>
+          <p:cNvSpPr>
+            <a:spLocks noGrp="1"/>
+          </p:cNvSpPr>
+          <p:nvPr>
+            <p:ph idx="1"/>
+          </p:nvPr>
+        </p:nvSpPr>
+        <p:spPr>
+          <a:xfrm>
+            <a:off x="4784616" y="1447800"/>
+            <a:ext cx="5195997" cy="4572000"/>
+          </a:xfrm>
+        </p:spPr>
+        <p:txBody>
+          <a:bodyPr anchor="ctr">
             <a:normAutofit/>
           </a:bodyPr>
           <a:lstStyle>
             <a:lvl1pPr>
               <a:defRPr sz="2000"/>
             </a:lvl1pPr>
+            <a:lvl2pPr>
+              <a:defRPr sz="1800"/>
+            </a:lvl2pPr>
+            <a:lvl3pPr>
+              <a:defRPr sz="1600"/>
+            </a:lvl3pPr>
+            <a:lvl4pPr>
+              <a:defRPr sz="1400"/>
+            </a:lvl4pPr>
+            <a:lvl5pPr>
+              <a:defRPr sz="1400"/>
+            </a:lvl5pPr>
+            <a:lvl6pPr>
+              <a:defRPr sz="1400"/>
+            </a:lvl6pPr>
+            <a:lvl7pPr>
+              <a:defRPr sz="1400"/>
+            </a:lvl7pPr>
+            <a:lvl8pPr>
+              <a:defRPr sz="1400"/>
+            </a:lvl8pPr>
+            <a:lvl9pPr>
+              <a:defRPr sz="1400"/>
+            </a:lvl9pPr>
           </a:lstStyle>
           <a:p>
-            <a:r>
-              <a:rPr lang="en-US"/>
-              <a:t>Click to edit Master title style</a:t>
+            <a:pPr lvl="0"/>
+            <a:r>
+              <a:rPr lang="en-US"/>
+              <a:t>Click to edit Master text styles</a:t>
+            </a:r>
+          </a:p>
+          <a:p>
+            <a:pPr lvl="1"/>
+            <a:r>
+              <a:rPr lang="en-US"/>
+              <a:t>Second level</a:t>
+            </a:r>
+          </a:p>
+          <a:p>
+            <a:pPr lvl="2"/>
+            <a:r>
+              <a:rPr lang="en-US"/>
+              <a:t>Third level</a:t>
+            </a:r>
+          </a:p>
+          <a:p>
+            <a:pPr lvl="3"/>
+            <a:r>
+              <a:rPr lang="en-US"/>
+              <a:t>Fourth level</a:t>
+            </a:r>
+          </a:p>
+          <a:p>
+            <a:pPr lvl="4"/>
+            <a:r>
+              <a:rPr lang="en-US"/>
+              <a:t>Fifth level</a:t>
             </a:r>
             <a:endParaRPr lang="en-US" dirty="0"/>
           </a:p>
@@ -4164,119 +4784,58 @@
       </p:sp>
       <p:sp>
         <p:nvSpPr>
-          <p:cNvPr id="3" name="Content Placeholder 2"/>
-          <p:cNvSpPr>
-            <a:spLocks noGrp="1"/>
-          </p:cNvSpPr>
-          <p:nvPr>
-            <p:ph idx="1"/>
+          <p:cNvPr id="4" name="Text Placeholder 3"/>
+          <p:cNvSpPr>
+            <a:spLocks noGrp="1"/>
+          </p:cNvSpPr>
+          <p:nvPr>
+            <p:ph type="body" sz="half" idx="2"/>
           </p:nvPr>
         </p:nvSpPr>
         <p:spPr>
           <a:xfrm>
-            <a:off x="4760461" y="514924"/>
-            <a:ext cx="4513541" cy="5526437"/>
+            <a:off x="1154953" y="3129280"/>
+            <a:ext cx="3401063" cy="2895599"/>
           </a:xfrm>
         </p:spPr>
         <p:txBody>
-          <a:bodyPr>
-            <a:normAutofit/>
-          </a:bodyPr>
-          <a:lstStyle/>
-          <a:p>
-            <a:pPr lvl="0"/>
-            <a:r>
-              <a:rPr lang="en-US"/>
-              <a:t>Click to edit Master text styles</a:t>
-            </a:r>
-          </a:p>
-          <a:p>
-            <a:pPr lvl="1"/>
-            <a:r>
-              <a:rPr lang="en-US"/>
-              <a:t>Second level</a:t>
-            </a:r>
-          </a:p>
-          <a:p>
-            <a:pPr lvl="2"/>
-            <a:r>
-              <a:rPr lang="en-US"/>
-              <a:t>Third level</a:t>
-            </a:r>
-          </a:p>
-          <a:p>
-            <a:pPr lvl="3"/>
-            <a:r>
-              <a:rPr lang="en-US"/>
-              <a:t>Fourth level</a:t>
-            </a:r>
-          </a:p>
-          <a:p>
-            <a:pPr lvl="4"/>
-            <a:r>
-              <a:rPr lang="en-US"/>
-              <a:t>Fifth level</a:t>
-            </a:r>
-            <a:endParaRPr lang="en-US" dirty="0"/>
-          </a:p>
-        </p:txBody>
-      </p:sp>
-      <p:sp>
-        <p:nvSpPr>
-          <p:cNvPr id="4" name="Text Placeholder 3"/>
-          <p:cNvSpPr>
-            <a:spLocks noGrp="1"/>
-          </p:cNvSpPr>
-          <p:nvPr>
-            <p:ph type="body" sz="half" idx="2"/>
-          </p:nvPr>
-        </p:nvSpPr>
-        <p:spPr>
-          <a:xfrm>
-            <a:off x="677334" y="2777069"/>
-            <a:ext cx="3854528" cy="2584449"/>
-          </a:xfrm>
-        </p:spPr>
-        <p:txBody>
-          <a:bodyPr>
-            <a:normAutofit/>
-          </a:bodyPr>
+          <a:bodyPr/>
           <a:lstStyle>
             <a:lvl1pPr marL="0" indent="0">
               <a:buNone/>
               <a:defRPr sz="1400"/>
             </a:lvl1pPr>
-            <a:lvl2pPr marL="457063" indent="0">
-              <a:buNone/>
-              <a:defRPr sz="1400"/>
+            <a:lvl2pPr marL="457200" indent="0">
+              <a:buNone/>
+              <a:defRPr sz="1200"/>
             </a:lvl2pPr>
-            <a:lvl3pPr marL="914126" indent="0">
-              <a:buNone/>
-              <a:defRPr sz="1200"/>
+            <a:lvl3pPr marL="914400" indent="0">
+              <a:buNone/>
+              <a:defRPr sz="1000"/>
             </a:lvl3pPr>
-            <a:lvl4pPr marL="1371189" indent="0">
-              <a:buNone/>
-              <a:defRPr sz="1000"/>
+            <a:lvl4pPr marL="1371600" indent="0">
+              <a:buNone/>
+              <a:defRPr sz="900"/>
             </a:lvl4pPr>
-            <a:lvl5pPr marL="1828251" indent="0">
-              <a:buNone/>
-              <a:defRPr sz="1000"/>
+            <a:lvl5pPr marL="1828800" indent="0">
+              <a:buNone/>
+              <a:defRPr sz="900"/>
             </a:lvl5pPr>
-            <a:lvl6pPr marL="2285314" indent="0">
-              <a:buNone/>
-              <a:defRPr sz="1000"/>
+            <a:lvl6pPr marL="2286000" indent="0">
+              <a:buNone/>
+              <a:defRPr sz="900"/>
             </a:lvl6pPr>
-            <a:lvl7pPr marL="2742377" indent="0">
-              <a:buNone/>
-              <a:defRPr sz="1000"/>
+            <a:lvl7pPr marL="2743200" indent="0">
+              <a:buNone/>
+              <a:defRPr sz="900"/>
             </a:lvl7pPr>
-            <a:lvl8pPr marL="3199440" indent="0">
-              <a:buNone/>
-              <a:defRPr sz="1000"/>
+            <a:lvl8pPr marL="3200400" indent="0">
+              <a:buNone/>
+              <a:defRPr sz="900"/>
             </a:lvl8pPr>
-            <a:lvl9pPr marL="3656503" indent="0">
-              <a:buNone/>
-              <a:defRPr sz="1000"/>
+            <a:lvl9pPr marL="3657600" indent="0">
+              <a:buNone/>
+              <a:defRPr sz="900"/>
             </a:lvl9pPr>
           </a:lstStyle>
           <a:p>
@@ -4290,7 +4849,7 @@
       </p:sp>
       <p:sp>
         <p:nvSpPr>
-          <p:cNvPr id="5" name="Date Placeholder 4"/>
+          <p:cNvPr id="7" name="Date Placeholder 4"/>
           <p:cNvSpPr>
             <a:spLocks noGrp="1"/>
           </p:cNvSpPr>
@@ -4313,7 +4872,7 @@
       </p:sp>
       <p:sp>
         <p:nvSpPr>
-          <p:cNvPr id="6" name="Footer Placeholder 5"/>
+          <p:cNvPr id="5" name="Footer Placeholder 5"/>
           <p:cNvSpPr>
             <a:spLocks noGrp="1"/>
           </p:cNvSpPr>
@@ -4332,7 +4891,7 @@
       </p:sp>
       <p:sp>
         <p:nvSpPr>
-          <p:cNvPr id="7" name="Slide Number Placeholder 6"/>
+          <p:cNvPr id="6" name="Slide Number Placeholder 6"/>
           <p:cNvSpPr>
             <a:spLocks noGrp="1"/>
           </p:cNvSpPr>
@@ -4356,7 +4915,7 @@
     </p:spTree>
     <p:extLst>
       <p:ext uri="{BB962C8B-B14F-4D97-AF65-F5344CB8AC3E}">
-        <p14:creationId xmlns:p14="http://schemas.microsoft.com/office/powerpoint/2010/main" val="800733747"/>
+        <p14:creationId xmlns:p14="http://schemas.microsoft.com/office/powerpoint/2010/main" val="3399850151"/>
       </p:ext>
     </p:extLst>
   </p:cSld>
@@ -4395,8 +4954,8 @@
         </p:nvSpPr>
         <p:spPr>
           <a:xfrm>
-            <a:off x="677334" y="4800600"/>
-            <a:ext cx="8596667" cy="566738"/>
+            <a:off x="1153907" y="1854192"/>
+            <a:ext cx="5092906" cy="1574808"/>
           </a:xfrm>
         </p:spPr>
         <p:txBody>
@@ -4405,7 +4964,7 @@
           </a:bodyPr>
           <a:lstStyle>
             <a:lvl1pPr algn="l">
-              <a:defRPr sz="2400" b="0"/>
+              <a:defRPr sz="3600" b="0"/>
             </a:lvl1pPr>
           </a:lstStyle>
           <a:p>
@@ -4429,9 +4988,21 @@
         </p:nvSpPr>
         <p:spPr>
           <a:xfrm>
-            <a:off x="677334" y="609600"/>
-            <a:ext cx="8596668" cy="3845718"/>
+            <a:off x="6949546" y="1143000"/>
+            <a:ext cx="3200400" cy="4572000"/>
           </a:xfrm>
+          <a:prstGeom prst="roundRect">
+            <a:avLst>
+              <a:gd name="adj" fmla="val 1858"/>
+            </a:avLst>
+          </a:prstGeom>
+          <a:effectLst>
+            <a:outerShdw blurRad="50800" dist="50800" dir="5400000" algn="tl" rotWithShape="0">
+              <a:srgbClr val="000000">
+                <a:alpha val="43000"/>
+              </a:srgbClr>
+            </a:outerShdw>
+          </a:effectLst>
         </p:spPr>
         <p:txBody>
           <a:bodyPr anchor="t">
@@ -4496,8 +5067,8 @@
         </p:nvSpPr>
         <p:spPr>
           <a:xfrm>
-            <a:off x="677334" y="5367338"/>
-            <a:ext cx="8596667" cy="674024"/>
+            <a:off x="1154954" y="3657600"/>
+            <a:ext cx="5084979" cy="1371600"/>
           </a:xfrm>
         </p:spPr>
         <p:txBody>
@@ -4507,7 +5078,7 @@
           <a:lstStyle>
             <a:lvl1pPr marL="0" indent="0">
               <a:buNone/>
-              <a:defRPr sz="1200"/>
+              <a:defRPr sz="1400"/>
             </a:lvl1pPr>
             <a:lvl2pPr marL="457200" indent="0">
               <a:buNone/>
@@ -4619,7 +5190,7 @@
     </p:spTree>
     <p:extLst>
       <p:ext uri="{BB962C8B-B14F-4D97-AF65-F5344CB8AC3E}">
-        <p14:creationId xmlns:p14="http://schemas.microsoft.com/office/powerpoint/2010/main" val="1793834185"/>
+        <p14:creationId xmlns:p14="http://schemas.microsoft.com/office/powerpoint/2010/main" val="2423709208"/>
       </p:ext>
     </p:extLst>
   </p:cSld>
@@ -4633,8 +5204,8 @@
 <p:sldMaster xmlns:a="http://schemas.openxmlformats.org/drawingml/2006/main" xmlns:r="http://schemas.openxmlformats.org/officeDocument/2006/relationships" xmlns:p="http://schemas.openxmlformats.org/presentationml/2006/main">
   <p:cSld>
     <p:bg>
-      <p:bgRef idx="1001">
-        <a:schemeClr val="bg1"/>
+      <p:bgRef idx="1003">
+        <a:schemeClr val="bg2"/>
       </p:bgRef>
     </p:bg>
     <p:spTree>
@@ -4651,655 +5222,420 @@
           <a:chExt cx="0" cy="0"/>
         </a:xfrm>
       </p:grpSpPr>
-      <p:grpSp>
-        <p:nvGrpSpPr>
-          <p:cNvPr id="7" name="Group 6"/>
-          <p:cNvGrpSpPr/>
+      <p:pic>
+        <p:nvPicPr>
+          <p:cNvPr id="8" name="Picture 7"/>
+          <p:cNvPicPr>
+            <a:picLocks noChangeAspect="1"/>
+          </p:cNvPicPr>
           <p:nvPr/>
-        </p:nvGrpSpPr>
-        <p:grpSpPr>
-          <a:xfrm>
-            <a:off x="0" y="-8467"/>
-            <a:ext cx="12192000" cy="6866467"/>
-            <a:chOff x="0" y="-8467"/>
-            <a:chExt cx="12192000" cy="6866467"/>
-          </a:xfrm>
-        </p:grpSpPr>
-        <p:cxnSp>
-          <p:nvCxnSpPr>
-            <p:cNvPr id="20" name="Straight Connector 19"/>
-            <p:cNvCxnSpPr/>
-            <p:nvPr/>
-          </p:nvCxnSpPr>
-          <p:spPr>
-            <a:xfrm>
-              <a:off x="9371012" y="0"/>
-              <a:ext cx="1219200" cy="6858000"/>
-            </a:xfrm>
-            <a:prstGeom prst="line">
-              <a:avLst/>
-            </a:prstGeom>
-            <a:ln w="9525">
-              <a:solidFill>
-                <a:schemeClr val="bg1">
-                  <a:lumMod val="75000"/>
-                </a:schemeClr>
-              </a:solidFill>
-            </a:ln>
-          </p:spPr>
-          <p:style>
-            <a:lnRef idx="2">
-              <a:schemeClr val="accent1"/>
-            </a:lnRef>
-            <a:fillRef idx="0">
-              <a:schemeClr val="accent1"/>
-            </a:fillRef>
-            <a:effectRef idx="1">
-              <a:schemeClr val="accent1"/>
-            </a:effectRef>
-            <a:fontRef idx="minor">
-              <a:schemeClr val="tx1"/>
-            </a:fontRef>
-          </p:style>
-        </p:cxnSp>
-        <p:cxnSp>
-          <p:nvCxnSpPr>
-            <p:cNvPr id="21" name="Straight Connector 20"/>
-            <p:cNvCxnSpPr/>
-            <p:nvPr/>
-          </p:nvCxnSpPr>
-          <p:spPr>
-            <a:xfrm flipH="1">
-              <a:off x="7425267" y="3681413"/>
-              <a:ext cx="4763558" cy="3176587"/>
-            </a:xfrm>
-            <a:prstGeom prst="line">
-              <a:avLst/>
-            </a:prstGeom>
-            <a:ln w="9525">
-              <a:solidFill>
-                <a:schemeClr val="bg1">
-                  <a:lumMod val="85000"/>
-                </a:schemeClr>
-              </a:solidFill>
-            </a:ln>
-          </p:spPr>
-          <p:style>
-            <a:lnRef idx="2">
-              <a:schemeClr val="accent1"/>
-            </a:lnRef>
-            <a:fillRef idx="0">
-              <a:schemeClr val="accent1"/>
-            </a:fillRef>
-            <a:effectRef idx="1">
-              <a:schemeClr val="accent1"/>
-            </a:effectRef>
-            <a:fontRef idx="minor">
-              <a:schemeClr val="tx1"/>
-            </a:fontRef>
-          </p:style>
-        </p:cxnSp>
-        <p:sp>
-          <p:nvSpPr>
-            <p:cNvPr id="22" name="Rectangle 23"/>
-            <p:cNvSpPr/>
-            <p:nvPr/>
-          </p:nvSpPr>
-          <p:spPr>
-            <a:xfrm>
-              <a:off x="9181476" y="-8467"/>
-              <a:ext cx="3007349" cy="6866467"/>
-            </a:xfrm>
-            <a:custGeom>
-              <a:avLst/>
-              <a:gdLst/>
-              <a:ahLst/>
-              <a:cxnLst/>
-              <a:rect l="l" t="t" r="r" b="b"/>
-              <a:pathLst>
-                <a:path w="3007349" h="6866467">
-                  <a:moveTo>
-                    <a:pt x="2045532" y="0"/>
-                  </a:moveTo>
-                  <a:lnTo>
-                    <a:pt x="3007349" y="0"/>
-                  </a:lnTo>
-                  <a:lnTo>
-                    <a:pt x="3007349" y="6866467"/>
-                  </a:lnTo>
-                  <a:lnTo>
-                    <a:pt x="0" y="6866467"/>
-                  </a:lnTo>
-                  <a:lnTo>
-                    <a:pt x="2045532" y="0"/>
-                  </a:lnTo>
-                  <a:close/>
-                </a:path>
-              </a:pathLst>
-            </a:custGeom>
-            <a:solidFill>
-              <a:schemeClr val="accent1">
-                <a:alpha val="30000"/>
-              </a:schemeClr>
-            </a:solidFill>
-            <a:ln>
-              <a:noFill/>
-            </a:ln>
-            <a:effectLst/>
-          </p:spPr>
-          <p:style>
-            <a:lnRef idx="1">
-              <a:schemeClr val="accent1"/>
-            </a:lnRef>
-            <a:fillRef idx="3">
-              <a:schemeClr val="accent1"/>
-            </a:fillRef>
-            <a:effectRef idx="2">
-              <a:schemeClr val="accent1"/>
-            </a:effectRef>
-            <a:fontRef idx="minor">
-              <a:schemeClr val="lt1"/>
-            </a:fontRef>
-          </p:style>
-        </p:sp>
-        <p:sp>
-          <p:nvSpPr>
-            <p:cNvPr id="23" name="Rectangle 25"/>
-            <p:cNvSpPr/>
-            <p:nvPr/>
-          </p:nvSpPr>
-          <p:spPr>
-            <a:xfrm>
-              <a:off x="9603442" y="-8467"/>
-              <a:ext cx="2588558" cy="6866467"/>
-            </a:xfrm>
-            <a:custGeom>
-              <a:avLst/>
-              <a:gdLst/>
-              <a:ahLst/>
-              <a:cxnLst/>
-              <a:rect l="l" t="t" r="r" b="b"/>
-              <a:pathLst>
-                <a:path w="2573311" h="6866467">
-                  <a:moveTo>
-                    <a:pt x="0" y="0"/>
-                  </a:moveTo>
-                  <a:lnTo>
-                    <a:pt x="2573311" y="0"/>
-                  </a:lnTo>
-                  <a:lnTo>
-                    <a:pt x="2573311" y="6866467"/>
-                  </a:lnTo>
-                  <a:lnTo>
-                    <a:pt x="1202336" y="6866467"/>
-                  </a:lnTo>
-                  <a:lnTo>
-                    <a:pt x="0" y="0"/>
-                  </a:lnTo>
-                  <a:close/>
-                </a:path>
-              </a:pathLst>
-            </a:custGeom>
-            <a:solidFill>
-              <a:schemeClr val="accent1">
-                <a:alpha val="20000"/>
-              </a:schemeClr>
-            </a:solidFill>
-            <a:ln>
-              <a:noFill/>
-            </a:ln>
-            <a:effectLst/>
-          </p:spPr>
-          <p:style>
-            <a:lnRef idx="1">
-              <a:schemeClr val="accent1"/>
-            </a:lnRef>
-            <a:fillRef idx="3">
-              <a:schemeClr val="accent1"/>
-            </a:fillRef>
-            <a:effectRef idx="2">
-              <a:schemeClr val="accent1"/>
-            </a:effectRef>
-            <a:fontRef idx="minor">
-              <a:schemeClr val="lt1"/>
-            </a:fontRef>
-          </p:style>
-        </p:sp>
-        <p:sp>
-          <p:nvSpPr>
-            <p:cNvPr id="24" name="Isosceles Triangle 23"/>
-            <p:cNvSpPr/>
-            <p:nvPr/>
-          </p:nvSpPr>
-          <p:spPr>
-            <a:xfrm>
-              <a:off x="8932333" y="3048000"/>
-              <a:ext cx="3259667" cy="3810000"/>
-            </a:xfrm>
-            <a:prstGeom prst="triangle">
-              <a:avLst>
-                <a:gd name="adj" fmla="val 100000"/>
-              </a:avLst>
-            </a:prstGeom>
-            <a:solidFill>
-              <a:schemeClr val="accent2">
-                <a:alpha val="72000"/>
-              </a:schemeClr>
-            </a:solidFill>
-            <a:ln>
-              <a:noFill/>
-            </a:ln>
-            <a:effectLst/>
-          </p:spPr>
-          <p:style>
-            <a:lnRef idx="1">
-              <a:schemeClr val="accent1"/>
-            </a:lnRef>
-            <a:fillRef idx="3">
-              <a:schemeClr val="accent1"/>
-            </a:fillRef>
-            <a:effectRef idx="2">
-              <a:schemeClr val="accent1"/>
-            </a:effectRef>
-            <a:fontRef idx="minor">
-              <a:schemeClr val="lt1"/>
-            </a:fontRef>
-          </p:style>
-        </p:sp>
-        <p:sp>
-          <p:nvSpPr>
-            <p:cNvPr id="25" name="Rectangle 27"/>
-            <p:cNvSpPr/>
-            <p:nvPr/>
-          </p:nvSpPr>
-          <p:spPr>
-            <a:xfrm>
-              <a:off x="9334500" y="-8467"/>
-              <a:ext cx="2854326" cy="6866467"/>
-            </a:xfrm>
-            <a:custGeom>
-              <a:avLst/>
-              <a:gdLst/>
-              <a:ahLst/>
-              <a:cxnLst/>
-              <a:rect l="l" t="t" r="r" b="b"/>
-              <a:pathLst>
-                <a:path w="2858013" h="6866467">
-                  <a:moveTo>
-                    <a:pt x="0" y="0"/>
-                  </a:moveTo>
-                  <a:lnTo>
-                    <a:pt x="2858013" y="0"/>
-                  </a:lnTo>
-                  <a:lnTo>
-                    <a:pt x="2858013" y="6866467"/>
-                  </a:lnTo>
-                  <a:lnTo>
-                    <a:pt x="2473942" y="6866467"/>
-                  </a:lnTo>
-                  <a:lnTo>
-                    <a:pt x="0" y="0"/>
-                  </a:lnTo>
-                  <a:close/>
-                </a:path>
-              </a:pathLst>
-            </a:custGeom>
-            <a:solidFill>
-              <a:schemeClr val="accent2">
-                <a:lumMod val="75000"/>
-                <a:alpha val="70000"/>
-              </a:schemeClr>
-            </a:solidFill>
-            <a:ln>
-              <a:noFill/>
-            </a:ln>
-            <a:effectLst/>
-          </p:spPr>
-          <p:style>
-            <a:lnRef idx="1">
-              <a:schemeClr val="accent1"/>
-            </a:lnRef>
-            <a:fillRef idx="3">
-              <a:schemeClr val="accent1"/>
-            </a:fillRef>
-            <a:effectRef idx="2">
-              <a:schemeClr val="accent1"/>
-            </a:effectRef>
-            <a:fontRef idx="minor">
-              <a:schemeClr val="lt1"/>
-            </a:fontRef>
-          </p:style>
-        </p:sp>
-        <p:sp>
-          <p:nvSpPr>
-            <p:cNvPr id="26" name="Rectangle 28"/>
-            <p:cNvSpPr/>
-            <p:nvPr/>
-          </p:nvSpPr>
-          <p:spPr>
-            <a:xfrm>
-              <a:off x="10898730" y="-8467"/>
-              <a:ext cx="1290094" cy="6866467"/>
-            </a:xfrm>
-            <a:custGeom>
-              <a:avLst/>
-              <a:gdLst/>
-              <a:ahLst/>
-              <a:cxnLst/>
-              <a:rect l="l" t="t" r="r" b="b"/>
-              <a:pathLst>
-                <a:path w="1290094" h="6858000">
-                  <a:moveTo>
-                    <a:pt x="1019735" y="0"/>
-                  </a:moveTo>
-                  <a:lnTo>
-                    <a:pt x="1290094" y="0"/>
-                  </a:lnTo>
-                  <a:lnTo>
-                    <a:pt x="1290094" y="6858000"/>
-                  </a:lnTo>
-                  <a:lnTo>
-                    <a:pt x="0" y="6858000"/>
-                  </a:lnTo>
-                  <a:lnTo>
-                    <a:pt x="1019735" y="0"/>
-                  </a:lnTo>
-                  <a:close/>
-                </a:path>
-              </a:pathLst>
-            </a:custGeom>
-            <a:solidFill>
-              <a:schemeClr val="accent1">
-                <a:lumMod val="60000"/>
-                <a:lumOff val="40000"/>
-                <a:alpha val="70000"/>
-              </a:schemeClr>
-            </a:solidFill>
-            <a:ln>
-              <a:noFill/>
-            </a:ln>
-            <a:effectLst/>
-          </p:spPr>
-          <p:style>
-            <a:lnRef idx="1">
-              <a:schemeClr val="accent1"/>
-            </a:lnRef>
-            <a:fillRef idx="3">
-              <a:schemeClr val="accent1"/>
-            </a:fillRef>
-            <a:effectRef idx="2">
-              <a:schemeClr val="accent1"/>
-            </a:effectRef>
-            <a:fontRef idx="minor">
-              <a:schemeClr val="lt1"/>
-            </a:fontRef>
-          </p:style>
-        </p:sp>
-        <p:sp>
-          <p:nvSpPr>
-            <p:cNvPr id="27" name="Rectangle 29"/>
-            <p:cNvSpPr/>
-            <p:nvPr/>
-          </p:nvSpPr>
-          <p:spPr>
-            <a:xfrm>
-              <a:off x="10938999" y="-8467"/>
-              <a:ext cx="1249825" cy="6866467"/>
-            </a:xfrm>
-            <a:custGeom>
-              <a:avLst/>
-              <a:gdLst/>
-              <a:ahLst/>
-              <a:cxnLst/>
-              <a:rect l="l" t="t" r="r" b="b"/>
-              <a:pathLst>
-                <a:path w="1249825" h="6858000">
-                  <a:moveTo>
-                    <a:pt x="0" y="0"/>
-                  </a:moveTo>
-                  <a:lnTo>
-                    <a:pt x="1249825" y="0"/>
-                  </a:lnTo>
-                  <a:lnTo>
-                    <a:pt x="1249825" y="6858000"/>
-                  </a:lnTo>
-                  <a:lnTo>
-                    <a:pt x="1109382" y="6858000"/>
-                  </a:lnTo>
-                  <a:lnTo>
-                    <a:pt x="0" y="0"/>
-                  </a:lnTo>
-                  <a:close/>
-                </a:path>
-              </a:pathLst>
-            </a:custGeom>
-            <a:solidFill>
-              <a:schemeClr val="accent1">
-                <a:alpha val="65000"/>
-              </a:schemeClr>
-            </a:solidFill>
-            <a:ln>
-              <a:noFill/>
-            </a:ln>
-            <a:effectLst/>
-          </p:spPr>
-          <p:style>
-            <a:lnRef idx="1">
-              <a:schemeClr val="accent1"/>
-            </a:lnRef>
-            <a:fillRef idx="3">
-              <a:schemeClr val="accent1"/>
-            </a:fillRef>
-            <a:effectRef idx="2">
-              <a:schemeClr val="accent1"/>
-            </a:effectRef>
-            <a:fontRef idx="minor">
-              <a:schemeClr val="lt1"/>
-            </a:fontRef>
-          </p:style>
-        </p:sp>
-        <p:sp>
-          <p:nvSpPr>
-            <p:cNvPr id="28" name="Isosceles Triangle 27"/>
-            <p:cNvSpPr/>
-            <p:nvPr/>
-          </p:nvSpPr>
-          <p:spPr>
-            <a:xfrm>
-              <a:off x="10371666" y="3589867"/>
-              <a:ext cx="1817159" cy="3268133"/>
-            </a:xfrm>
-            <a:prstGeom prst="triangle">
-              <a:avLst>
-                <a:gd name="adj" fmla="val 100000"/>
-              </a:avLst>
-            </a:prstGeom>
-            <a:solidFill>
-              <a:schemeClr val="accent1">
-                <a:alpha val="80000"/>
-              </a:schemeClr>
-            </a:solidFill>
-            <a:ln>
-              <a:noFill/>
-            </a:ln>
-            <a:effectLst/>
-          </p:spPr>
-          <p:style>
-            <a:lnRef idx="1">
-              <a:schemeClr val="accent1"/>
-            </a:lnRef>
-            <a:fillRef idx="3">
-              <a:schemeClr val="accent1"/>
-            </a:fillRef>
-            <a:effectRef idx="2">
-              <a:schemeClr val="accent1"/>
-            </a:effectRef>
-            <a:fontRef idx="minor">
-              <a:schemeClr val="lt1"/>
-            </a:fontRef>
-          </p:style>
-        </p:sp>
-        <p:sp>
-          <p:nvSpPr>
-            <p:cNvPr id="29" name="Isosceles Triangle 28"/>
-            <p:cNvSpPr/>
-            <p:nvPr/>
-          </p:nvSpPr>
-          <p:spPr>
-            <a:xfrm>
-              <a:off x="0" y="4013200"/>
-              <a:ext cx="448733" cy="2844800"/>
-            </a:xfrm>
-            <a:prstGeom prst="triangle">
-              <a:avLst>
-                <a:gd name="adj" fmla="val 0"/>
-              </a:avLst>
-            </a:prstGeom>
-            <a:solidFill>
-              <a:schemeClr val="accent1">
-                <a:alpha val="85000"/>
-              </a:schemeClr>
-            </a:solidFill>
-            <a:ln>
-              <a:noFill/>
-            </a:ln>
-            <a:effectLst/>
-          </p:spPr>
-          <p:style>
-            <a:lnRef idx="1">
-              <a:schemeClr val="accent1"/>
-            </a:lnRef>
-            <a:fillRef idx="3">
-              <a:schemeClr val="accent1"/>
-            </a:fillRef>
-            <a:effectRef idx="2">
-              <a:schemeClr val="accent1"/>
-            </a:effectRef>
-            <a:fontRef idx="minor">
-              <a:schemeClr val="lt1"/>
-            </a:fontRef>
-          </p:style>
-        </p:sp>
-      </p:grpSp>
-      <p:sp>
-        <p:nvSpPr>
-          <p:cNvPr id="2" name="Title Placeholder 1"/>
-          <p:cNvSpPr>
-            <a:spLocks noGrp="1"/>
-          </p:cNvSpPr>
-          <p:nvPr>
-            <p:ph type="title"/>
-          </p:nvPr>
-        </p:nvSpPr>
+        </p:nvPicPr>
+        <p:blipFill rotWithShape="1">
+          <a:blip r:embed="rId19">
+            <a:extLst>
+              <a:ext uri="{28A0092B-C50C-407E-A947-70E740481C1C}">
+                <a14:useLocalDpi xmlns:a14="http://schemas.microsoft.com/office/drawing/2010/main" val="0"/>
+              </a:ext>
+            </a:extLst>
+          </a:blip>
+          <a:srcRect l="3613"/>
+          <a:stretch/>
+        </p:blipFill>
         <p:spPr>
           <a:xfrm>
-            <a:off x="677334" y="609600"/>
-            <a:ext cx="8596668" cy="1320800"/>
+            <a:off x="0" y="2669685"/>
+            <a:ext cx="4037012" cy="4188315"/>
           </a:xfrm>
           <a:prstGeom prst="rect">
             <a:avLst/>
           </a:prstGeom>
         </p:spPr>
-        <p:txBody>
-          <a:bodyPr vert="horz" lIns="91440" tIns="45720" rIns="91440" bIns="45720" rtlCol="0" anchor="t">
-            <a:normAutofit/>
-          </a:bodyPr>
-          <a:lstStyle/>
-          <a:p>
-            <a:r>
-              <a:rPr lang="en-US"/>
-              <a:t>Click to edit Master title style</a:t>
-            </a:r>
-            <a:endParaRPr lang="en-US" dirty="0"/>
-          </a:p>
-        </p:txBody>
-      </p:sp>
-      <p:sp>
-        <p:nvSpPr>
-          <p:cNvPr id="3" name="Text Placeholder 2"/>
-          <p:cNvSpPr>
-            <a:spLocks noGrp="1"/>
-          </p:cNvSpPr>
-          <p:nvPr>
-            <p:ph type="body" idx="1"/>
-          </p:nvPr>
-        </p:nvSpPr>
+      </p:pic>
+      <p:pic>
+        <p:nvPicPr>
+          <p:cNvPr id="7" name="Picture 6"/>
+          <p:cNvPicPr>
+            <a:picLocks noChangeAspect="1"/>
+          </p:cNvPicPr>
+          <p:nvPr/>
+        </p:nvPicPr>
+        <p:blipFill rotWithShape="1">
+          <a:blip r:embed="rId20">
+            <a:extLst>
+              <a:ext uri="{28A0092B-C50C-407E-A947-70E740481C1C}">
+                <a14:useLocalDpi xmlns:a14="http://schemas.microsoft.com/office/drawing/2010/main" val="0"/>
+              </a:ext>
+            </a:extLst>
+          </a:blip>
+          <a:srcRect l="35640"/>
+          <a:stretch/>
+        </p:blipFill>
         <p:spPr>
           <a:xfrm>
-            <a:off x="677334" y="2160589"/>
-            <a:ext cx="8596668" cy="3880773"/>
+            <a:off x="0" y="2892347"/>
+            <a:ext cx="1522412" cy="2365453"/>
           </a:xfrm>
           <a:prstGeom prst="rect">
             <a:avLst/>
           </a:prstGeom>
         </p:spPr>
-        <p:txBody>
-          <a:bodyPr vert="horz" lIns="91440" tIns="45720" rIns="91440" bIns="45720" rtlCol="0">
-            <a:normAutofit/>
-          </a:bodyPr>
-          <a:lstStyle/>
-          <a:p>
-            <a:pPr lvl="0"/>
-            <a:r>
-              <a:rPr lang="en-US"/>
-              <a:t>Click to edit Master text styles</a:t>
-            </a:r>
-          </a:p>
-          <a:p>
-            <a:pPr lvl="1"/>
-            <a:r>
-              <a:rPr lang="en-US"/>
-              <a:t>Second level</a:t>
-            </a:r>
-          </a:p>
-          <a:p>
-            <a:pPr lvl="2"/>
-            <a:r>
-              <a:rPr lang="en-US"/>
-              <a:t>Third level</a:t>
-            </a:r>
-          </a:p>
-          <a:p>
-            <a:pPr lvl="3"/>
-            <a:r>
-              <a:rPr lang="en-US"/>
-              <a:t>Fourth level</a:t>
-            </a:r>
-          </a:p>
-          <a:p>
-            <a:pPr lvl="4"/>
-            <a:r>
-              <a:rPr lang="en-US"/>
-              <a:t>Fifth level</a:t>
-            </a:r>
-            <a:endParaRPr lang="en-US" dirty="0"/>
-          </a:p>
-        </p:txBody>
-      </p:sp>
-      <p:sp>
-        <p:nvSpPr>
-          <p:cNvPr id="4" name="Date Placeholder 3"/>
-          <p:cNvSpPr>
-            <a:spLocks noGrp="1"/>
-          </p:cNvSpPr>
-          <p:nvPr>
-            <p:ph type="dt" sz="half" idx="2"/>
-          </p:nvPr>
+      </p:pic>
+      <p:sp>
+        <p:nvSpPr>
+          <p:cNvPr id="16" name="Oval 15"/>
+          <p:cNvSpPr/>
+          <p:nvPr/>
         </p:nvSpPr>
         <p:spPr>
           <a:xfrm>
-            <a:off x="7205133" y="6041362"/>
-            <a:ext cx="911939" cy="365125"/>
+            <a:off x="8609012" y="1676400"/>
+            <a:ext cx="2819400" cy="2819400"/>
+          </a:xfrm>
+          <a:prstGeom prst="ellipse">
+            <a:avLst/>
+          </a:prstGeom>
+          <a:gradFill flip="none" rotWithShape="1">
+            <a:gsLst>
+              <a:gs pos="0">
+                <a:schemeClr val="bg2">
+                  <a:lumMod val="60000"/>
+                  <a:lumOff val="40000"/>
+                  <a:alpha val="7000"/>
+                </a:schemeClr>
+              </a:gs>
+              <a:gs pos="69000">
+                <a:schemeClr val="bg2">
+                  <a:lumMod val="60000"/>
+                  <a:lumOff val="40000"/>
+                  <a:alpha val="0"/>
+                </a:schemeClr>
+              </a:gs>
+              <a:gs pos="36000">
+                <a:schemeClr val="bg2">
+                  <a:lumMod val="60000"/>
+                  <a:lumOff val="40000"/>
+                  <a:alpha val="6000"/>
+                </a:schemeClr>
+              </a:gs>
+            </a:gsLst>
+            <a:path path="circle">
+              <a:fillToRect l="50000" t="50000" r="50000" b="50000"/>
+            </a:path>
+            <a:tileRect/>
+          </a:gradFill>
+          <a:ln>
+            <a:noFill/>
+          </a:ln>
+          <a:effectLst/>
+        </p:spPr>
+        <p:style>
+          <a:lnRef idx="1">
+            <a:schemeClr val="accent1"/>
+          </a:lnRef>
+          <a:fillRef idx="3">
+            <a:schemeClr val="accent1"/>
+          </a:fillRef>
+          <a:effectRef idx="2">
+            <a:schemeClr val="accent1"/>
+          </a:effectRef>
+          <a:fontRef idx="minor">
+            <a:schemeClr val="lt1"/>
+          </a:fontRef>
+        </p:style>
+      </p:sp>
+      <p:pic>
+        <p:nvPicPr>
+          <p:cNvPr id="9" name="Picture 8"/>
+          <p:cNvPicPr>
+            <a:picLocks noChangeAspect="1"/>
+          </p:cNvPicPr>
+          <p:nvPr/>
+        </p:nvPicPr>
+        <p:blipFill rotWithShape="1">
+          <a:blip r:embed="rId21">
+            <a:extLst>
+              <a:ext uri="{28A0092B-C50C-407E-A947-70E740481C1C}">
+                <a14:useLocalDpi xmlns:a14="http://schemas.microsoft.com/office/drawing/2010/main" val="0"/>
+              </a:ext>
+            </a:extLst>
+          </a:blip>
+          <a:srcRect t="28813"/>
+          <a:stretch/>
+        </p:blipFill>
+        <p:spPr>
+          <a:xfrm>
+            <a:off x="7999412" y="0"/>
+            <a:ext cx="1603387" cy="1141407"/>
           </a:xfrm>
           <a:prstGeom prst="rect">
             <a:avLst/>
           </a:prstGeom>
         </p:spPr>
-        <p:txBody>
-          <a:bodyPr vert="horz" lIns="91440" tIns="45720" rIns="91440" bIns="45720" rtlCol="0" anchor="ctr"/>
+      </p:pic>
+      <p:pic>
+        <p:nvPicPr>
+          <p:cNvPr id="10" name="Picture 9"/>
+          <p:cNvPicPr>
+            <a:picLocks noChangeAspect="1"/>
+          </p:cNvPicPr>
+          <p:nvPr/>
+        </p:nvPicPr>
+        <p:blipFill rotWithShape="1">
+          <a:blip r:embed="rId22">
+            <a:extLst>
+              <a:ext uri="{28A0092B-C50C-407E-A947-70E740481C1C}">
+                <a14:useLocalDpi xmlns:a14="http://schemas.microsoft.com/office/drawing/2010/main" val="0"/>
+              </a:ext>
+            </a:extLst>
+          </a:blip>
+          <a:srcRect b="23320"/>
+          <a:stretch/>
+        </p:blipFill>
+        <p:spPr>
+          <a:xfrm>
+            <a:off x="8605878" y="6096000"/>
+            <a:ext cx="993734" cy="762000"/>
+          </a:xfrm>
+          <a:prstGeom prst="rect">
+            <a:avLst/>
+          </a:prstGeom>
+        </p:spPr>
+      </p:pic>
+      <p:sp>
+        <p:nvSpPr>
+          <p:cNvPr id="14" name="Rectangle 13"/>
+          <p:cNvSpPr/>
+          <p:nvPr/>
+        </p:nvSpPr>
+        <p:spPr>
+          <a:xfrm>
+            <a:off x="10437812" y="0"/>
+            <a:ext cx="685800" cy="1143000"/>
+          </a:xfrm>
+          <a:prstGeom prst="rect">
+            <a:avLst/>
+          </a:prstGeom>
+          <a:solidFill>
+            <a:schemeClr val="accent1"/>
+          </a:solidFill>
+          <a:ln>
+            <a:noFill/>
+          </a:ln>
+        </p:spPr>
+        <p:style>
+          <a:lnRef idx="1">
+            <a:schemeClr val="accent1"/>
+          </a:lnRef>
+          <a:fillRef idx="3">
+            <a:schemeClr val="accent1"/>
+          </a:fillRef>
+          <a:effectRef idx="2">
+            <a:schemeClr val="accent1"/>
+          </a:effectRef>
+          <a:fontRef idx="minor">
+            <a:schemeClr val="lt1"/>
+          </a:fontRef>
+        </p:style>
+      </p:sp>
+      <p:sp>
+        <p:nvSpPr>
+          <p:cNvPr id="2" name="Title Placeholder 1"/>
+          <p:cNvSpPr>
+            <a:spLocks noGrp="1"/>
+          </p:cNvSpPr>
+          <p:nvPr>
+            <p:ph type="title"/>
+          </p:nvPr>
+        </p:nvSpPr>
+        <p:spPr>
+          <a:xfrm>
+            <a:off x="646111" y="452718"/>
+            <a:ext cx="9404723" cy="1400530"/>
+          </a:xfrm>
+          <a:prstGeom prst="rect">
+            <a:avLst/>
+          </a:prstGeom>
+        </p:spPr>
+        <p:txBody>
+          <a:bodyPr vert="horz" lIns="91440" tIns="45720" rIns="91440" bIns="45720" rtlCol="0" anchor="t">
+            <a:noAutofit/>
+          </a:bodyPr>
+          <a:lstStyle/>
+          <a:p>
+            <a:r>
+              <a:rPr lang="en-US"/>
+              <a:t>Click to edit Master title style</a:t>
+            </a:r>
+            <a:endParaRPr lang="en-US" dirty="0"/>
+          </a:p>
+        </p:txBody>
+      </p:sp>
+      <p:sp>
+        <p:nvSpPr>
+          <p:cNvPr id="3" name="Text Placeholder 2"/>
+          <p:cNvSpPr>
+            <a:spLocks noGrp="1"/>
+          </p:cNvSpPr>
+          <p:nvPr>
+            <p:ph type="body" idx="1"/>
+          </p:nvPr>
+        </p:nvSpPr>
+        <p:spPr>
+          <a:xfrm>
+            <a:off x="1103312" y="2052918"/>
+            <a:ext cx="8946541" cy="4195481"/>
+          </a:xfrm>
+          <a:prstGeom prst="rect">
+            <a:avLst/>
+          </a:prstGeom>
+        </p:spPr>
+        <p:txBody>
+          <a:bodyPr vert="horz" lIns="91440" tIns="45720" rIns="91440" bIns="45720" rtlCol="0">
+            <a:normAutofit/>
+          </a:bodyPr>
+          <a:lstStyle/>
+          <a:p>
+            <a:pPr lvl="0"/>
+            <a:r>
+              <a:rPr lang="en-US"/>
+              <a:t>Click to edit Master text styles</a:t>
+            </a:r>
+          </a:p>
+          <a:p>
+            <a:pPr lvl="1"/>
+            <a:r>
+              <a:rPr lang="en-US"/>
+              <a:t>Second level</a:t>
+            </a:r>
+          </a:p>
+          <a:p>
+            <a:pPr lvl="2"/>
+            <a:r>
+              <a:rPr lang="en-US"/>
+              <a:t>Third level</a:t>
+            </a:r>
+          </a:p>
+          <a:p>
+            <a:pPr lvl="3"/>
+            <a:r>
+              <a:rPr lang="en-US"/>
+              <a:t>Fourth level</a:t>
+            </a:r>
+          </a:p>
+          <a:p>
+            <a:pPr lvl="4"/>
+            <a:r>
+              <a:rPr lang="en-US"/>
+              <a:t>Fifth level</a:t>
+            </a:r>
+            <a:endParaRPr lang="en-US" dirty="0"/>
+          </a:p>
+        </p:txBody>
+      </p:sp>
+      <p:sp>
+        <p:nvSpPr>
+          <p:cNvPr id="4" name="Date Placeholder 3"/>
+          <p:cNvSpPr>
+            <a:spLocks noGrp="1"/>
+          </p:cNvSpPr>
+          <p:nvPr>
+            <p:ph type="dt" sz="half" idx="2"/>
+          </p:nvPr>
+        </p:nvSpPr>
+        <p:spPr>
+          <a:xfrm rot="5400000">
+            <a:off x="10155639" y="1790701"/>
+            <a:ext cx="990599" cy="304799"/>
+          </a:xfrm>
+          <a:prstGeom prst="rect">
+            <a:avLst/>
+          </a:prstGeom>
+        </p:spPr>
+        <p:txBody>
+          <a:bodyPr vert="horz" lIns="91440" tIns="45720" rIns="91440" bIns="45720" rtlCol="0" anchor="t"/>
           <a:lstStyle>
-            <a:lvl1pPr algn="r">
-              <a:defRPr sz="900">
+            <a:lvl1pPr algn="l">
+              <a:defRPr sz="1100" b="0" i="0">
+                <a:solidFill>
+                  <a:schemeClr val="tx1">
+                    <a:tint val="75000"/>
+                    <a:alpha val="60000"/>
+                  </a:schemeClr>
+                </a:solidFill>
+              </a:defRPr>
+            </a:lvl1pPr>
+          </a:lstStyle>
+          <a:p>
+            <a:fld id="{AA69BB30-8325-4345-8DFA-998A30CB2488}" type="datetimeFigureOut">
+              <a:rPr lang="en-US" smtClean="0"/>
+              <a:t>9/9/2025</a:t>
+            </a:fld>
+            <a:endParaRPr lang="en-US"/>
+          </a:p>
+        </p:txBody>
+      </p:sp>
+      <p:sp>
+        <p:nvSpPr>
+          <p:cNvPr id="5" name="Footer Placeholder 4"/>
+          <p:cNvSpPr>
+            <a:spLocks noGrp="1"/>
+          </p:cNvSpPr>
+          <p:nvPr>
+            <p:ph type="ftr" sz="quarter" idx="3"/>
+          </p:nvPr>
+        </p:nvSpPr>
+        <p:spPr>
+          <a:xfrm rot="5400000">
+            <a:off x="8951573" y="3225297"/>
+            <a:ext cx="3859795" cy="304801"/>
+          </a:xfrm>
+          <a:prstGeom prst="rect">
+            <a:avLst/>
+          </a:prstGeom>
+        </p:spPr>
+        <p:txBody>
+          <a:bodyPr vert="horz" lIns="91440" tIns="45720" rIns="91440" bIns="45720" rtlCol="0" anchor="b"/>
+          <a:lstStyle>
+            <a:lvl1pPr algn="l">
+              <a:defRPr sz="1100" b="0" i="0">
+                <a:solidFill>
+                  <a:schemeClr val="tx1">
+                    <a:tint val="75000"/>
+                    <a:alpha val="60000"/>
+                  </a:schemeClr>
+                </a:solidFill>
+              </a:defRPr>
+            </a:lvl1pPr>
+          </a:lstStyle>
+          <a:p>
+            <a:endParaRPr lang="en-US"/>
+          </a:p>
+        </p:txBody>
+      </p:sp>
+      <p:sp>
+        <p:nvSpPr>
+          <p:cNvPr id="6" name="Slide Number Placeholder 5"/>
+          <p:cNvSpPr>
+            <a:spLocks noGrp="1"/>
+          </p:cNvSpPr>
+          <p:nvPr>
+            <p:ph type="sldNum" sz="quarter" idx="4"/>
+          </p:nvPr>
+        </p:nvSpPr>
+        <p:spPr bwMode="gray">
+          <a:xfrm>
+            <a:off x="10352540" y="295729"/>
+            <a:ext cx="838199" cy="767687"/>
+          </a:xfrm>
+          <a:prstGeom prst="rect">
+            <a:avLst/>
+          </a:prstGeom>
+        </p:spPr>
+        <p:txBody>
+          <a:bodyPr vert="horz" lIns="91440" tIns="45720" rIns="91440" bIns="45720" rtlCol="0" anchor="b"/>
+          <a:lstStyle>
+            <a:lvl1pPr algn="ctr">
+              <a:defRPr sz="2800" b="0" i="0">
                 <a:solidFill>
                   <a:schemeClr val="tx1">
                     <a:tint val="75000"/>
@@ -5309,82 +5645,6 @@
             </a:lvl1pPr>
           </a:lstStyle>
           <a:p>
-            <a:fld id="{AA69BB30-8325-4345-8DFA-998A30CB2488}" type="datetimeFigureOut">
-              <a:rPr lang="en-US" smtClean="0"/>
-              <a:t>9/9/2025</a:t>
-            </a:fld>
-            <a:endParaRPr lang="en-US"/>
-          </a:p>
-        </p:txBody>
-      </p:sp>
-      <p:sp>
-        <p:nvSpPr>
-          <p:cNvPr id="5" name="Footer Placeholder 4"/>
-          <p:cNvSpPr>
-            <a:spLocks noGrp="1"/>
-          </p:cNvSpPr>
-          <p:nvPr>
-            <p:ph type="ftr" sz="quarter" idx="3"/>
-          </p:nvPr>
-        </p:nvSpPr>
-        <p:spPr>
-          <a:xfrm>
-            <a:off x="677334" y="6041362"/>
-            <a:ext cx="6297612" cy="365125"/>
-          </a:xfrm>
-          <a:prstGeom prst="rect">
-            <a:avLst/>
-          </a:prstGeom>
-        </p:spPr>
-        <p:txBody>
-          <a:bodyPr vert="horz" lIns="91440" tIns="45720" rIns="91440" bIns="45720" rtlCol="0" anchor="ctr"/>
-          <a:lstStyle>
-            <a:lvl1pPr algn="l">
-              <a:defRPr sz="900">
-                <a:solidFill>
-                  <a:schemeClr val="tx1">
-                    <a:tint val="75000"/>
-                  </a:schemeClr>
-                </a:solidFill>
-              </a:defRPr>
-            </a:lvl1pPr>
-          </a:lstStyle>
-          <a:p>
-            <a:endParaRPr lang="en-US"/>
-          </a:p>
-        </p:txBody>
-      </p:sp>
-      <p:sp>
-        <p:nvSpPr>
-          <p:cNvPr id="6" name="Slide Number Placeholder 5"/>
-          <p:cNvSpPr>
-            <a:spLocks noGrp="1"/>
-          </p:cNvSpPr>
-          <p:nvPr>
-            <p:ph type="sldNum" sz="quarter" idx="4"/>
-          </p:nvPr>
-        </p:nvSpPr>
-        <p:spPr>
-          <a:xfrm>
-            <a:off x="8590663" y="6041362"/>
-            <a:ext cx="683339" cy="365125"/>
-          </a:xfrm>
-          <a:prstGeom prst="rect">
-            <a:avLst/>
-          </a:prstGeom>
-        </p:spPr>
-        <p:txBody>
-          <a:bodyPr vert="horz" lIns="91440" tIns="45720" rIns="91440" bIns="45720" rtlCol="0" anchor="ctr"/>
-          <a:lstStyle>
-            <a:lvl1pPr algn="r">
-              <a:defRPr sz="900">
-                <a:solidFill>
-                  <a:schemeClr val="accent1"/>
-                </a:solidFill>
-              </a:defRPr>
-            </a:lvl1pPr>
-          </a:lstStyle>
-          <a:p>
             <a:fld id="{FDFB9C32-4155-43F0-9D69-97C79EB91DC0}" type="slidenum">
               <a:rPr lang="en-US" smtClean="0"/>
               <a:t>‹#›</a:t>
@@ -5396,28 +5656,29 @@
     </p:spTree>
     <p:extLst>
       <p:ext uri="{BB962C8B-B14F-4D97-AF65-F5344CB8AC3E}">
-        <p14:creationId xmlns:p14="http://schemas.microsoft.com/office/powerpoint/2010/main" val="3667853746"/>
+        <p14:creationId xmlns:p14="http://schemas.microsoft.com/office/powerpoint/2010/main" val="2959313910"/>
       </p:ext>
     </p:extLst>
   </p:cSld>
-  <p:clrMap bg1="lt1" tx1="dk1" bg2="lt2" tx2="dk2" accent1="accent1" accent2="accent2" accent3="accent3" accent4="accent4" accent5="accent5" accent6="accent6" hlink="hlink" folHlink="folHlink"/>
+  <p:clrMap bg1="dk1" tx1="lt1" bg2="dk2" tx2="lt2" accent1="accent1" accent2="accent2" accent3="accent3" accent4="accent4" accent5="accent5" accent6="accent6" hlink="hlink" folHlink="folHlink"/>
   <p:sldLayoutIdLst>
-    <p:sldLayoutId id="2147483691" r:id="rId1"/>
-    <p:sldLayoutId id="2147483692" r:id="rId2"/>
-    <p:sldLayoutId id="2147483693" r:id="rId3"/>
-    <p:sldLayoutId id="2147483694" r:id="rId4"/>
-    <p:sldLayoutId id="2147483695" r:id="rId5"/>
-    <p:sldLayoutId id="2147483696" r:id="rId6"/>
-    <p:sldLayoutId id="2147483697" r:id="rId7"/>
-    <p:sldLayoutId id="2147483698" r:id="rId8"/>
-    <p:sldLayoutId id="2147483699" r:id="rId9"/>
-    <p:sldLayoutId id="2147483700" r:id="rId10"/>
-    <p:sldLayoutId id="2147483701" r:id="rId11"/>
-    <p:sldLayoutId id="2147483702" r:id="rId12"/>
-    <p:sldLayoutId id="2147483703" r:id="rId13"/>
-    <p:sldLayoutId id="2147483704" r:id="rId14"/>
-    <p:sldLayoutId id="2147483705" r:id="rId15"/>
-    <p:sldLayoutId id="2147483706" r:id="rId16"/>
+    <p:sldLayoutId id="2147483673" r:id="rId1"/>
+    <p:sldLayoutId id="2147483674" r:id="rId2"/>
+    <p:sldLayoutId id="2147483675" r:id="rId3"/>
+    <p:sldLayoutId id="2147483676" r:id="rId4"/>
+    <p:sldLayoutId id="2147483677" r:id="rId5"/>
+    <p:sldLayoutId id="2147483678" r:id="rId6"/>
+    <p:sldLayoutId id="2147483679" r:id="rId7"/>
+    <p:sldLayoutId id="2147483680" r:id="rId8"/>
+    <p:sldLayoutId id="2147483681" r:id="rId9"/>
+    <p:sldLayoutId id="2147483682" r:id="rId10"/>
+    <p:sldLayoutId id="2147483683" r:id="rId11"/>
+    <p:sldLayoutId id="2147483684" r:id="rId12"/>
+    <p:sldLayoutId id="2147483685" r:id="rId13"/>
+    <p:sldLayoutId id="2147483686" r:id="rId14"/>
+    <p:sldLayoutId id="2147483687" r:id="rId15"/>
+    <p:sldLayoutId id="2147483688" r:id="rId16"/>
+    <p:sldLayoutId id="2147483689" r:id="rId17"/>
   </p:sldLayoutIdLst>
   <p:txStyles>
     <p:titleStyle>
@@ -5426,9 +5687,9 @@
           <a:spcPct val="0"/>
         </a:spcBef>
         <a:buNone/>
-        <a:defRPr sz="3600" kern="1200">
+        <a:defRPr sz="4200" b="0" i="0" kern="1200">
           <a:solidFill>
-            <a:schemeClr val="accent1"/>
+            <a:schemeClr val="tx2"/>
           </a:solidFill>
           <a:latin typeface="+mj-lt"/>
           <a:ea typeface="+mj-ea"/>
@@ -5501,21 +5762,21 @@
           <a:spcPts val="0"/>
         </a:spcAft>
         <a:buClr>
-          <a:schemeClr val="accent1"/>
+          <a:schemeClr val="bg2">
+            <a:lumMod val="40000"/>
+            <a:lumOff val="60000"/>
+          </a:schemeClr>
         </a:buClr>
         <a:buSzPct val="80000"/>
         <a:buFont typeface="Wingdings 3" charset="2"/>
         <a:buChar char=""/>
-        <a:defRPr sz="1800" kern="1200">
+        <a:defRPr sz="2000" b="0" i="0" kern="1200">
           <a:solidFill>
-            <a:schemeClr val="tx1">
-              <a:lumMod val="75000"/>
-              <a:lumOff val="25000"/>
-            </a:schemeClr>
+            <a:schemeClr val="tx1"/>
           </a:solidFill>
-          <a:latin typeface="+mn-lt"/>
-          <a:ea typeface="+mn-ea"/>
-          <a:cs typeface="+mn-cs"/>
+          <a:latin typeface="+mj-lt"/>
+          <a:ea typeface="+mj-ea"/>
+          <a:cs typeface="+mj-cs"/>
         </a:defRPr>
       </a:lvl1pPr>
       <a:lvl2pPr marL="742950" indent="-285750" algn="l" defTabSz="457200" rtl="0" eaLnBrk="1" latinLnBrk="0" hangingPunct="1">
@@ -5526,21 +5787,21 @@
           <a:spcPts val="0"/>
         </a:spcAft>
         <a:buClr>
-          <a:schemeClr val="accent1"/>
+          <a:schemeClr val="bg2">
+            <a:lumMod val="40000"/>
+            <a:lumOff val="60000"/>
+          </a:schemeClr>
         </a:buClr>
         <a:buSzPct val="80000"/>
         <a:buFont typeface="Wingdings 3" charset="2"/>
         <a:buChar char=""/>
-        <a:defRPr sz="1600" kern="1200">
+        <a:defRPr sz="1800" b="0" i="0" kern="1200">
           <a:solidFill>
-            <a:schemeClr val="tx1">
-              <a:lumMod val="75000"/>
-              <a:lumOff val="25000"/>
-            </a:schemeClr>
+            <a:schemeClr val="tx1"/>
           </a:solidFill>
-          <a:latin typeface="+mn-lt"/>
-          <a:ea typeface="+mn-ea"/>
-          <a:cs typeface="+mn-cs"/>
+          <a:latin typeface="+mj-lt"/>
+          <a:ea typeface="+mj-ea"/>
+          <a:cs typeface="+mj-cs"/>
         </a:defRPr>
       </a:lvl2pPr>
       <a:lvl3pPr marL="1143000" indent="-228600" algn="l" defTabSz="457200" rtl="0" eaLnBrk="1" latinLnBrk="0" hangingPunct="1">
@@ -5551,21 +5812,21 @@
           <a:spcPts val="0"/>
         </a:spcAft>
         <a:buClr>
-          <a:schemeClr val="accent1"/>
+          <a:schemeClr val="bg2">
+            <a:lumMod val="40000"/>
+            <a:lumOff val="60000"/>
+          </a:schemeClr>
         </a:buClr>
         <a:buSzPct val="80000"/>
         <a:buFont typeface="Wingdings 3" charset="2"/>
         <a:buChar char=""/>
-        <a:defRPr sz="1400" kern="1200">
+        <a:defRPr sz="1600" b="0" i="0" kern="1200">
           <a:solidFill>
-            <a:schemeClr val="tx1">
-              <a:lumMod val="75000"/>
-              <a:lumOff val="25000"/>
-            </a:schemeClr>
+            <a:schemeClr val="tx1"/>
           </a:solidFill>
-          <a:latin typeface="+mn-lt"/>
-          <a:ea typeface="+mn-ea"/>
-          <a:cs typeface="+mn-cs"/>
+          <a:latin typeface="+mj-lt"/>
+          <a:ea typeface="+mj-ea"/>
+          <a:cs typeface="+mj-cs"/>
         </a:defRPr>
       </a:lvl3pPr>
       <a:lvl4pPr marL="1600200" indent="-228600" algn="l" defTabSz="457200" rtl="0" eaLnBrk="1" latinLnBrk="0" hangingPunct="1">
@@ -5576,21 +5837,21 @@
           <a:spcPts val="0"/>
         </a:spcAft>
         <a:buClr>
-          <a:schemeClr val="accent1"/>
+          <a:schemeClr val="bg2">
+            <a:lumMod val="40000"/>
+            <a:lumOff val="60000"/>
+          </a:schemeClr>
         </a:buClr>
         <a:buSzPct val="80000"/>
         <a:buFont typeface="Wingdings 3" charset="2"/>
         <a:buChar char=""/>
-        <a:defRPr sz="1200" kern="1200">
+        <a:defRPr sz="1400" b="0" i="0" kern="1200">
           <a:solidFill>
-            <a:schemeClr val="tx1">
-              <a:lumMod val="75000"/>
-              <a:lumOff val="25000"/>
-            </a:schemeClr>
+            <a:schemeClr val="tx1"/>
           </a:solidFill>
-          <a:latin typeface="+mn-lt"/>
-          <a:ea typeface="+mn-ea"/>
-          <a:cs typeface="+mn-cs"/>
+          <a:latin typeface="+mj-lt"/>
+          <a:ea typeface="+mj-ea"/>
+          <a:cs typeface="+mj-cs"/>
         </a:defRPr>
       </a:lvl4pPr>
       <a:lvl5pPr marL="2057400" indent="-228600" algn="l" defTabSz="457200" rtl="0" eaLnBrk="1" latinLnBrk="0" hangingPunct="1">
@@ -5601,24 +5862,24 @@
           <a:spcPts val="0"/>
         </a:spcAft>
         <a:buClr>
-          <a:schemeClr val="accent1"/>
+          <a:schemeClr val="bg2">
+            <a:lumMod val="40000"/>
+            <a:lumOff val="60000"/>
+          </a:schemeClr>
         </a:buClr>
         <a:buSzPct val="80000"/>
         <a:buFont typeface="Wingdings 3" charset="2"/>
         <a:buChar char=""/>
-        <a:defRPr sz="1200" kern="1200">
+        <a:defRPr sz="1400" b="0" i="0" kern="1200">
           <a:solidFill>
-            <a:schemeClr val="tx1">
-              <a:lumMod val="75000"/>
-              <a:lumOff val="25000"/>
-            </a:schemeClr>
+            <a:schemeClr val="tx1"/>
           </a:solidFill>
-          <a:latin typeface="+mn-lt"/>
-          <a:ea typeface="+mn-ea"/>
-          <a:cs typeface="+mn-cs"/>
+          <a:latin typeface="+mj-lt"/>
+          <a:ea typeface="+mj-ea"/>
+          <a:cs typeface="+mj-cs"/>
         </a:defRPr>
       </a:lvl5pPr>
-      <a:lvl6pPr marL="2514600" indent="-228600" algn="l" defTabSz="457200" rtl="0" eaLnBrk="1" latinLnBrk="0" hangingPunct="1">
+      <a:lvl6pPr marL="2506000" indent="-228600" algn="l" defTabSz="457200" rtl="0" eaLnBrk="1" latinLnBrk="0" hangingPunct="1">
         <a:spcBef>
           <a:spcPts val="1000"/>
         </a:spcBef>
@@ -5626,21 +5887,21 @@
           <a:spcPts val="0"/>
         </a:spcAft>
         <a:buClr>
-          <a:schemeClr val="accent1"/>
+          <a:schemeClr val="bg2">
+            <a:lumMod val="40000"/>
+            <a:lumOff val="60000"/>
+          </a:schemeClr>
         </a:buClr>
         <a:buSzPct val="80000"/>
         <a:buFont typeface="Wingdings 3" charset="2"/>
         <a:buChar char=""/>
-        <a:defRPr sz="1200" kern="1200">
+        <a:defRPr sz="1400" b="0" i="0" kern="1200">
           <a:solidFill>
-            <a:schemeClr val="tx1">
-              <a:lumMod val="75000"/>
-              <a:lumOff val="25000"/>
-            </a:schemeClr>
+            <a:schemeClr val="tx1"/>
           </a:solidFill>
-          <a:latin typeface="+mn-lt"/>
-          <a:ea typeface="+mn-ea"/>
-          <a:cs typeface="+mn-cs"/>
+          <a:latin typeface="+mj-lt"/>
+          <a:ea typeface="+mj-ea"/>
+          <a:cs typeface="+mj-cs"/>
         </a:defRPr>
       </a:lvl6pPr>
       <a:lvl7pPr marL="2971800" indent="-228600" algn="l" defTabSz="457200" rtl="0" eaLnBrk="1" latinLnBrk="0" hangingPunct="1">
@@ -5651,21 +5912,21 @@
           <a:spcPts val="0"/>
         </a:spcAft>
         <a:buClr>
-          <a:schemeClr val="accent1"/>
+          <a:schemeClr val="bg2">
+            <a:lumMod val="40000"/>
+            <a:lumOff val="60000"/>
+          </a:schemeClr>
         </a:buClr>
         <a:buSzPct val="80000"/>
         <a:buFont typeface="Wingdings 3" charset="2"/>
         <a:buChar char=""/>
-        <a:defRPr sz="1200" kern="1200">
+        <a:defRPr sz="1400" b="0" i="0" kern="1200">
           <a:solidFill>
-            <a:schemeClr val="tx1">
-              <a:lumMod val="75000"/>
-              <a:lumOff val="25000"/>
-            </a:schemeClr>
+            <a:schemeClr val="tx1"/>
           </a:solidFill>
-          <a:latin typeface="+mn-lt"/>
-          <a:ea typeface="+mn-ea"/>
-          <a:cs typeface="+mn-cs"/>
+          <a:latin typeface="+mj-lt"/>
+          <a:ea typeface="+mj-ea"/>
+          <a:cs typeface="+mj-cs"/>
         </a:defRPr>
       </a:lvl7pPr>
       <a:lvl8pPr marL="3429000" indent="-228600" algn="l" defTabSz="457200" rtl="0" eaLnBrk="1" latinLnBrk="0" hangingPunct="1">
@@ -5676,21 +5937,21 @@
           <a:spcPts val="0"/>
         </a:spcAft>
         <a:buClr>
-          <a:schemeClr val="accent1"/>
+          <a:schemeClr val="bg2">
+            <a:lumMod val="40000"/>
+            <a:lumOff val="60000"/>
+          </a:schemeClr>
         </a:buClr>
         <a:buSzPct val="80000"/>
         <a:buFont typeface="Wingdings 3" charset="2"/>
         <a:buChar char=""/>
-        <a:defRPr sz="1200" kern="1200">
+        <a:defRPr sz="1400" b="0" i="0" kern="1200">
           <a:solidFill>
-            <a:schemeClr val="tx1">
-              <a:lumMod val="75000"/>
-              <a:lumOff val="25000"/>
-            </a:schemeClr>
+            <a:schemeClr val="tx1"/>
           </a:solidFill>
-          <a:latin typeface="+mn-lt"/>
-          <a:ea typeface="+mn-ea"/>
-          <a:cs typeface="+mn-cs"/>
+          <a:latin typeface="+mj-lt"/>
+          <a:ea typeface="+mj-ea"/>
+          <a:cs typeface="+mj-cs"/>
         </a:defRPr>
       </a:lvl8pPr>
       <a:lvl9pPr marL="3886200" indent="-228600" algn="l" defTabSz="457200" rtl="0" eaLnBrk="1" latinLnBrk="0" hangingPunct="1">
@@ -5701,21 +5962,21 @@
           <a:spcPts val="0"/>
         </a:spcAft>
         <a:buClr>
-          <a:schemeClr val="accent1"/>
+          <a:schemeClr val="bg2">
+            <a:lumMod val="40000"/>
+            <a:lumOff val="60000"/>
+          </a:schemeClr>
         </a:buClr>
         <a:buSzPct val="80000"/>
         <a:buFont typeface="Wingdings 3" charset="2"/>
         <a:buChar char=""/>
-        <a:defRPr sz="1200" kern="1200">
+        <a:defRPr sz="1400" b="0" i="0" kern="1200">
           <a:solidFill>
-            <a:schemeClr val="tx1">
-              <a:lumMod val="75000"/>
-              <a:lumOff val="25000"/>
-            </a:schemeClr>
+            <a:schemeClr val="tx1"/>
           </a:solidFill>
-          <a:latin typeface="+mn-lt"/>
-          <a:ea typeface="+mn-ea"/>
-          <a:cs typeface="+mn-cs"/>
+          <a:latin typeface="+mj-lt"/>
+          <a:ea typeface="+mj-ea"/>
+          <a:cs typeface="+mj-cs"/>
         </a:defRPr>
       </a:lvl9pPr>
     </p:bodyStyle>
@@ -5844,7 +6105,7 @@
           <a:lstStyle/>
           <a:p>
             <a:r>
-              <a:t>The Future of Renewable Energy</a:t>
+              <a:t>Core Concepts</a:t>
             </a:r>
           </a:p>
         </p:txBody>
@@ -5890,57 +6151,62 @@
       <p:grpSpPr/>
       <p:sp>
         <p:nvSpPr>
-          <p:cNvPr id="2" name="Title 1"/>
-          <p:cNvSpPr>
-            <a:spLocks noGrp="1"/>
-          </p:cNvSpPr>
-          <p:nvPr>
-            <p:ph type="title"/>
-          </p:nvPr>
-        </p:nvSpPr>
-        <p:spPr/>
-        <p:txBody>
-          <a:bodyPr/>
-          <a:lstStyle/>
-          <a:p>
-            <a:r>
-              <a:t>Future Trends</a:t>
-            </a:r>
-          </a:p>
-        </p:txBody>
-      </p:sp>
-      <p:sp>
-        <p:nvSpPr>
-          <p:cNvPr id="3" name="Content Placeholder 2"/>
-          <p:cNvSpPr>
-            <a:spLocks noGrp="1"/>
-          </p:cNvSpPr>
-          <p:nvPr>
-            <p:ph idx="1"/>
-          </p:nvPr>
-        </p:nvSpPr>
-        <p:spPr/>
-        <p:txBody>
-          <a:bodyPr wrap="square">
-            <a:normAutofit/>
+          <p:cNvPr id="2" name="TextBox 1"/>
+          <p:cNvSpPr txBox="1"/>
+          <p:nvPr/>
+        </p:nvSpPr>
+        <p:spPr>
+          <a:xfrm>
+            <a:off x="457200" y="457200"/>
+            <a:ext cx="8229600" cy="914400"/>
+          </a:xfrm>
+          <a:prstGeom prst="rect">
+            <a:avLst/>
+          </a:prstGeom>
+          <a:noFill/>
+        </p:spPr>
+        <p:txBody>
+          <a:bodyPr wrap="none">
+            <a:spAutoFit/>
           </a:bodyPr>
           <a:lstStyle/>
           <a:p>
-            <a:pPr/>
-            <a:r>
-              <a:t>The adoption of renewable energy is expected to accelerate in the coming years, driven by declining costs and improving technology.</a:t>
-            </a:r>
-          </a:p>
-          <a:p>
-            <a:pPr/>
-            <a:r>
-              <a:t>Emerging technologies, such as floating wind turbines and solar windows, are being developed to expand the potential of renewable energy.</a:t>
-            </a:r>
-          </a:p>
-          <a:p>
-            <a:pPr/>
-            <a:r>
-              <a:t>Governments and corporations are investing heavily in renewable energy research and development to drive innovation and growth.</a:t>
+            <a:pPr algn="ctr">
+              <a:defRPr sz="3200" b="1"/>
+            </a:pPr>
+            <a:r>
+              <a:t>Conclusion</a:t>
+            </a:r>
+          </a:p>
+        </p:txBody>
+      </p:sp>
+      <p:sp>
+        <p:nvSpPr>
+          <p:cNvPr id="3" name="TextBox 2"/>
+          <p:cNvSpPr txBox="1"/>
+          <p:nvPr/>
+        </p:nvSpPr>
+        <p:spPr>
+          <a:xfrm>
+            <a:off x="914400" y="1828800"/>
+            <a:ext cx="7315200" cy="3657600"/>
+          </a:xfrm>
+          <a:prstGeom prst="rect">
+            <a:avLst/>
+          </a:prstGeom>
+          <a:noFill/>
+        </p:spPr>
+        <p:txBody>
+          <a:bodyPr wrap="square" anchor="ctr">
+            <a:spAutoFit/>
+          </a:bodyPr>
+          <a:lstStyle/>
+          <a:p>
+            <a:pPr algn="ctr">
+              <a:defRPr sz="2000"/>
+            </a:pPr>
+            <a:r>
+              <a:t>Summary point: Generative AI has the potential to revolutionize various industries and create new forms of creative expression.</a:t>
             </a:r>
           </a:p>
         </p:txBody>
@@ -5965,362 +6231,20 @@
       <p:grpSpPr/>
       <p:sp>
         <p:nvSpPr>
-          <p:cNvPr id="2" name="Title 1"/>
-          <p:cNvSpPr>
-            <a:spLocks noGrp="1"/>
-          </p:cNvSpPr>
-          <p:nvPr>
-            <p:ph type="title"/>
-          </p:nvPr>
-        </p:nvSpPr>
-        <p:spPr/>
-        <p:txBody>
-          <a:bodyPr/>
-          <a:lstStyle/>
-          <a:p>
-            <a:r>
-              <a:t>Policy and Regulation</a:t>
-            </a:r>
-          </a:p>
-        </p:txBody>
-      </p:sp>
-      <p:sp>
-        <p:nvSpPr>
-          <p:cNvPr id="3" name="Content Placeholder 2"/>
-          <p:cNvSpPr>
-            <a:spLocks noGrp="1"/>
-          </p:cNvSpPr>
-          <p:nvPr>
-            <p:ph idx="1"/>
-          </p:nvPr>
-        </p:nvSpPr>
-        <p:spPr/>
-        <p:txBody>
-          <a:bodyPr wrap="square">
-            <a:normAutofit/>
-          </a:bodyPr>
-          <a:lstStyle/>
-          <a:p>
-            <a:pPr/>
-            <a:r>
-              <a:t>Governments are implementing policies and regulations to support the transition to renewable energy, including tax incentives and feed-in tariffs.</a:t>
-            </a:r>
-          </a:p>
-          <a:p>
-            <a:pPr/>
-            <a:r>
-              <a:t>Renewable portfolio standards (RPS) and carbon pricing mechanisms are being used to encourage the adoption of renewable energy.</a:t>
-            </a:r>
-          </a:p>
-          <a:p>
-            <a:pPr/>
-            <a:r>
-              <a:t>International cooperation and agreements, such as the Paris Agreement, are driving global action on renewable energy and climate change.</a:t>
-            </a:r>
-          </a:p>
-        </p:txBody>
-      </p:sp>
-    </p:spTree>
-  </p:cSld>
-  <p:clrMapOvr>
-    <a:masterClrMapping/>
-  </p:clrMapOvr>
-</p:sld>
-</file>
-
-<file path=ppt/slides/slide12.xml><?xml version="1.0" encoding="utf-8"?>
-<p:sld xmlns:a="http://schemas.openxmlformats.org/drawingml/2006/main" xmlns:p="http://schemas.openxmlformats.org/presentationml/2006/main" xmlns:r="http://schemas.openxmlformats.org/officeDocument/2006/relationships">
-  <p:cSld>
-    <p:spTree>
-      <p:nvGrpSpPr>
-        <p:cNvPr id="1" name=""/>
-        <p:cNvGrpSpPr/>
-        <p:nvPr/>
-      </p:nvGrpSpPr>
-      <p:grpSpPr/>
-      <p:sp>
-        <p:nvSpPr>
-          <p:cNvPr id="2" name="TextBox 1"/>
-          <p:cNvSpPr txBox="1"/>
+          <p:cNvPr id="2" name="Rectangle 1"/>
+          <p:cNvSpPr/>
           <p:nvPr/>
         </p:nvSpPr>
         <p:spPr>
           <a:xfrm>
-            <a:off x="457200" y="457200"/>
-            <a:ext cx="8229600" cy="914400"/>
-          </a:xfrm>
-          <a:prstGeom prst="rect">
-            <a:avLst/>
-          </a:prstGeom>
-          <a:noFill/>
-        </p:spPr>
-        <p:txBody>
-          <a:bodyPr wrap="none">
-            <a:spAutoFit/>
-          </a:bodyPr>
-          <a:lstStyle/>
-          <a:p>
-            <a:pPr algn="ctr">
-              <a:defRPr sz="3200" b="1"/>
-            </a:pPr>
-            <a:r>
-              <a:t>Conclusion</a:t>
-            </a:r>
-          </a:p>
-        </p:txBody>
-      </p:sp>
-      <p:sp>
-        <p:nvSpPr>
-          <p:cNvPr id="3" name="TextBox 2"/>
-          <p:cNvSpPr txBox="1"/>
-          <p:nvPr/>
-        </p:nvSpPr>
-        <p:spPr>
-          <a:xfrm>
-            <a:off x="914400" y="1828800"/>
-            <a:ext cx="7315200" cy="3657600"/>
-          </a:xfrm>
-          <a:prstGeom prst="rect">
-            <a:avLst/>
-          </a:prstGeom>
-          <a:noFill/>
-        </p:spPr>
-        <p:txBody>
-          <a:bodyPr wrap="square" anchor="ctr">
-            <a:spAutoFit/>
-          </a:bodyPr>
-          <a:lstStyle/>
-          <a:p>
-            <a:pPr algn="ctr">
-              <a:defRPr sz="2000"/>
-            </a:pPr>
-            <a:r>
-              <a:t>Renewable energy has become a crucial component of the global energy mix, driven by concerns over climate change and dwindling fossil fuel reserves. The benefits of renewable energy are numerous, including reduced greenhouse gas emissions and energy independence. To accelerate the transition to renewable energy, governments, corporations, and individuals must work together to drive innovation, reduce costs, and promote policy and regulation that supports the growth of renewable energy.</a:t>
-            </a:r>
-          </a:p>
-        </p:txBody>
-      </p:sp>
-      <p:sp>
-        <p:nvSpPr>
-          <p:cNvPr id="4" name="TextBox 3"/>
-          <p:cNvSpPr txBox="1"/>
-          <p:nvPr/>
-        </p:nvSpPr>
-        <p:spPr>
-          <a:xfrm>
-            <a:off x="914400" y="5486400"/>
-            <a:ext cx="7315200" cy="914400"/>
-          </a:xfrm>
-          <a:prstGeom prst="rect">
-            <a:avLst/>
-          </a:prstGeom>
-          <a:noFill/>
-        </p:spPr>
-        <p:txBody>
-          <a:bodyPr wrap="none">
-            <a:spAutoFit/>
-          </a:bodyPr>
-          <a:lstStyle/>
-          <a:p>
-            <a:pPr algn="ctr">
-              <a:defRPr sz="2400" b="1"/>
-            </a:pPr>
-            <a:r>
-              <a:t>Thank You!</a:t>
-            </a:r>
-          </a:p>
-        </p:txBody>
-      </p:sp>
-    </p:spTree>
-  </p:cSld>
-  <p:clrMapOvr>
-    <a:masterClrMapping/>
-  </p:clrMapOvr>
-</p:sld>
-</file>
-
-<file path=ppt/slides/slide2.xml><?xml version="1.0" encoding="utf-8"?>
-<p:sld xmlns:a="http://schemas.openxmlformats.org/drawingml/2006/main" xmlns:p="http://schemas.openxmlformats.org/presentationml/2006/main" xmlns:r="http://schemas.openxmlformats.org/officeDocument/2006/relationships">
-  <p:cSld>
-    <p:spTree>
-      <p:nvGrpSpPr>
-        <p:cNvPr id="1" name=""/>
-        <p:cNvGrpSpPr/>
-        <p:nvPr/>
-      </p:nvGrpSpPr>
-      <p:grpSpPr/>
-      <p:sp>
-        <p:nvSpPr>
-          <p:cNvPr id="2" name="Title 1"/>
-          <p:cNvSpPr>
-            <a:spLocks noGrp="1"/>
-          </p:cNvSpPr>
-          <p:nvPr>
-            <p:ph type="title"/>
-          </p:nvPr>
-        </p:nvSpPr>
-        <p:spPr/>
-        <p:txBody>
-          <a:bodyPr/>
-          <a:lstStyle/>
-          <a:p>
-            <a:r>
-              <a:t>Introduction</a:t>
-            </a:r>
-          </a:p>
-        </p:txBody>
-      </p:sp>
-      <p:sp>
-        <p:nvSpPr>
-          <p:cNvPr id="3" name="Content Placeholder 2"/>
-          <p:cNvSpPr>
-            <a:spLocks noGrp="1"/>
-          </p:cNvSpPr>
-          <p:nvPr>
-            <p:ph idx="1"/>
-          </p:nvPr>
-        </p:nvSpPr>
-        <p:spPr/>
-        <p:txBody>
-          <a:bodyPr wrap="square">
-            <a:normAutofit/>
-          </a:bodyPr>
-          <a:lstStyle/>
-          <a:p>
-            <a:pPr/>
-            <a:r>
-              <a:t>Renewable energy has become a crucial component of the global energy mix, driven by concerns over climate change and dwindling fossil fuel reserves. This presentation explores the current state and future prospects of solar, wind, and hydropower technologies. The benefits of renewable energy are numerous, including reduced greenhouse gas emissions and energy independence.</a:t>
-            </a:r>
-          </a:p>
-        </p:txBody>
-      </p:sp>
-    </p:spTree>
-  </p:cSld>
-  <p:clrMapOvr>
-    <a:masterClrMapping/>
-  </p:clrMapOvr>
-</p:sld>
-</file>
-
-<file path=ppt/slides/slide3.xml><?xml version="1.0" encoding="utf-8"?>
-<p:sld xmlns:a="http://schemas.openxmlformats.org/drawingml/2006/main" xmlns:p="http://schemas.openxmlformats.org/presentationml/2006/main" xmlns:r="http://schemas.openxmlformats.org/officeDocument/2006/relationships">
-  <p:cSld>
-    <p:spTree>
-      <p:nvGrpSpPr>
-        <p:cNvPr id="1" name=""/>
-        <p:cNvGrpSpPr/>
-        <p:nvPr/>
-      </p:nvGrpSpPr>
-      <p:grpSpPr/>
-      <p:sp>
-        <p:nvSpPr>
-          <p:cNvPr id="2" name="TextBox 1"/>
-          <p:cNvSpPr txBox="1"/>
-          <p:nvPr/>
-        </p:nvSpPr>
-        <p:spPr>
-          <a:xfrm>
-            <a:off x="457200" y="457200"/>
-            <a:ext cx="8229600" cy="914400"/>
-          </a:xfrm>
-          <a:prstGeom prst="rect">
-            <a:avLst/>
-          </a:prstGeom>
-          <a:noFill/>
-        </p:spPr>
-        <p:txBody>
-          <a:bodyPr wrap="none">
-            <a:spAutoFit/>
-          </a:bodyPr>
-          <a:lstStyle/>
-          <a:p>
-            <a:pPr>
-              <a:defRPr sz="3200" b="1"/>
-            </a:pPr>
-            <a:r>
-              <a:t>Solar Energy</a:t>
-            </a:r>
-          </a:p>
-        </p:txBody>
-      </p:sp>
-      <p:sp>
-        <p:nvSpPr>
-          <p:cNvPr id="3" name="TextBox 2"/>
-          <p:cNvSpPr txBox="1"/>
-          <p:nvPr/>
-        </p:nvSpPr>
-        <p:spPr>
-          <a:xfrm>
-            <a:off x="457200" y="1371600"/>
-            <a:ext cx="4114800" cy="457200"/>
-          </a:xfrm>
-          <a:prstGeom prst="rect">
-            <a:avLst/>
-          </a:prstGeom>
-          <a:noFill/>
-        </p:spPr>
-        <p:txBody>
-          <a:bodyPr wrap="none">
-            <a:spAutoFit/>
-          </a:bodyPr>
-          <a:lstStyle/>
-          <a:p>
-            <a:pPr algn="ctr">
-              <a:defRPr sz="1800" b="1"/>
-            </a:pPr>
-            <a:r>
-              <a:t>Before / Option A</a:t>
-            </a:r>
-          </a:p>
-        </p:txBody>
-      </p:sp>
-      <p:sp>
-        <p:nvSpPr>
-          <p:cNvPr id="4" name="TextBox 3"/>
-          <p:cNvSpPr txBox="1"/>
-          <p:nvPr/>
-        </p:nvSpPr>
-        <p:spPr>
-          <a:xfrm>
-            <a:off x="5029200" y="1371600"/>
-            <a:ext cx="4114800" cy="457200"/>
-          </a:xfrm>
-          <a:prstGeom prst="rect">
-            <a:avLst/>
-          </a:prstGeom>
-          <a:noFill/>
-        </p:spPr>
-        <p:txBody>
-          <a:bodyPr wrap="none">
-            <a:spAutoFit/>
-          </a:bodyPr>
-          <a:lstStyle/>
-          <a:p>
-            <a:pPr algn="ctr">
-              <a:defRPr sz="1800" b="1"/>
-            </a:pPr>
-            <a:r>
-              <a:t>After / Option B</a:t>
-            </a:r>
-          </a:p>
-        </p:txBody>
-      </p:sp>
-      <p:sp>
-        <p:nvSpPr>
-          <p:cNvPr id="5" name="Rectangle 4"/>
-          <p:cNvSpPr/>
-          <p:nvPr/>
-        </p:nvSpPr>
-        <p:spPr>
-          <a:xfrm>
-            <a:off x="4572000" y="1371600"/>
-            <a:ext cx="0" cy="5029200"/>
+            <a:off x="0" y="0"/>
+            <a:ext cx="12192000" cy="6858000"/>
           </a:xfrm>
           <a:prstGeom prst="rect">
             <a:avLst/>
           </a:prstGeom>
           <a:solidFill>
-            <a:srgbClr val="000000"/>
+            <a:srgbClr val="191970"/>
           </a:solidFill>
           <a:ln>
             <a:noFill/>
@@ -6350,14 +6274,14 @@
       </p:sp>
       <p:sp>
         <p:nvSpPr>
-          <p:cNvPr id="6" name="TextBox 5"/>
+          <p:cNvPr id="3" name="TextBox 2"/>
           <p:cNvSpPr txBox="1"/>
           <p:nvPr/>
         </p:nvSpPr>
         <p:spPr>
           <a:xfrm>
-            <a:off x="457200" y="1828800"/>
-            <a:ext cx="4114800" cy="4572000"/>
+            <a:off x="914400" y="2286000"/>
+            <a:ext cx="7315200" cy="1828800"/>
           </a:xfrm>
           <a:prstGeom prst="rect">
             <a:avLst/>
@@ -6365,38 +6289,34 @@
           <a:noFill/>
         </p:spPr>
         <p:txBody>
-          <a:bodyPr wrap="square">
+          <a:bodyPr wrap="none">
             <a:spAutoFit/>
           </a:bodyPr>
           <a:lstStyle/>
           <a:p>
-            <a:pPr>
-              <a:defRPr sz="1400"/>
+            <a:pPr algn="ctr">
+              <a:defRPr sz="4800" b="1">
+                <a:solidFill>
+                  <a:srgbClr val="FFFFFF"/>
+                </a:solidFill>
+              </a:defRPr>
             </a:pPr>
             <a:r>
-              <a:t>Solar energy harnesses sun rays to generate electricity, offering a clean and abundant source of power for homes and industries worldwide.</a:t>
-            </a:r>
-          </a:p>
-          <a:p>
-            <a:pPr>
-              <a:defRPr sz="1400"/>
-            </a:pPr>
-            <a:r>
-              <a:t>Advancements in solar panel efficiency have improved power output and reduced costs, making solar energy an increasingly viable option.</a:t>
-            </a:r>
-          </a:p>
-        </p:txBody>
-      </p:sp>
-      <p:sp>
-        <p:nvSpPr>
-          <p:cNvPr id="7" name="TextBox 6"/>
+              <a:t>Thank You!</a:t>
+            </a:r>
+          </a:p>
+        </p:txBody>
+      </p:sp>
+      <p:sp>
+        <p:nvSpPr>
+          <p:cNvPr id="4" name="TextBox 3"/>
           <p:cNvSpPr txBox="1"/>
           <p:nvPr/>
         </p:nvSpPr>
         <p:spPr>
           <a:xfrm>
-            <a:off x="5029200" y="1828800"/>
-            <a:ext cx="4114800" cy="4572000"/>
+            <a:off x="914400" y="4572000"/>
+            <a:ext cx="7315200" cy="914400"/>
           </a:xfrm>
           <a:prstGeom prst="rect">
             <a:avLst/>
@@ -6404,6 +6324,153 @@
           <a:noFill/>
         </p:spPr>
         <p:txBody>
+          <a:bodyPr wrap="none">
+            <a:spAutoFit/>
+          </a:bodyPr>
+          <a:lstStyle/>
+          <a:p>
+            <a:pPr algn="ctr">
+              <a:defRPr sz="2400">
+                <a:solidFill>
+                  <a:srgbClr val="C8C8C8"/>
+                </a:solidFill>
+              </a:defRPr>
+            </a:pPr>
+            <a:r>
+              <a:t>Questions &amp; Discussion</a:t>
+            </a:r>
+          </a:p>
+        </p:txBody>
+      </p:sp>
+    </p:spTree>
+  </p:cSld>
+  <p:clrMapOvr>
+    <a:masterClrMapping/>
+  </p:clrMapOvr>
+</p:sld>
+</file>
+
+<file path=ppt/slides/slide2.xml><?xml version="1.0" encoding="utf-8"?>
+<p:sld xmlns:a="http://schemas.openxmlformats.org/drawingml/2006/main" xmlns:p="http://schemas.openxmlformats.org/presentationml/2006/main" xmlns:r="http://schemas.openxmlformats.org/officeDocument/2006/relationships">
+  <p:cSld>
+    <p:spTree>
+      <p:nvGrpSpPr>
+        <p:cNvPr id="1" name=""/>
+        <p:cNvGrpSpPr/>
+        <p:nvPr/>
+      </p:nvGrpSpPr>
+      <p:grpSpPr/>
+      <p:sp>
+        <p:nvSpPr>
+          <p:cNvPr id="2" name="Title 1"/>
+          <p:cNvSpPr>
+            <a:spLocks noGrp="1"/>
+          </p:cNvSpPr>
+          <p:nvPr>
+            <p:ph type="title"/>
+          </p:nvPr>
+        </p:nvSpPr>
+        <p:spPr/>
+        <p:txBody>
+          <a:bodyPr/>
+          <a:lstStyle/>
+          <a:p>
+            <a:r>
+              <a:t>Introduction</a:t>
+            </a:r>
+          </a:p>
+        </p:txBody>
+      </p:sp>
+      <p:sp>
+        <p:nvSpPr>
+          <p:cNvPr id="3" name="Content Placeholder 2"/>
+          <p:cNvSpPr>
+            <a:spLocks noGrp="1"/>
+          </p:cNvSpPr>
+          <p:nvPr>
+            <p:ph idx="1"/>
+          </p:nvPr>
+        </p:nvSpPr>
+        <p:spPr/>
+        <p:txBody>
+          <a:bodyPr wrap="square">
+            <a:normAutofit/>
+          </a:bodyPr>
+          <a:lstStyle/>
+          <a:p>
+            <a:pPr/>
+            <a:r>
+              <a:t>Generative AI refers to a subfield of artificial intelligence that focuses on creating new, original content such as images, music, and text based on patterns and structures learned from existing data. This technology has the potential to revolutionize various industries, including entertainment, education, and marketing. In this presentation, we will explore the core concepts, applications, and future of generative AI.</a:t>
+            </a:r>
+          </a:p>
+        </p:txBody>
+      </p:sp>
+    </p:spTree>
+  </p:cSld>
+  <p:clrMapOvr>
+    <a:masterClrMapping/>
+  </p:clrMapOvr>
+</p:sld>
+</file>
+
+<file path=ppt/slides/slide3.xml><?xml version="1.0" encoding="utf-8"?>
+<p:sld xmlns:a="http://schemas.openxmlformats.org/drawingml/2006/main" xmlns:p="http://schemas.openxmlformats.org/presentationml/2006/main" xmlns:r="http://schemas.openxmlformats.org/officeDocument/2006/relationships">
+  <p:cSld>
+    <p:spTree>
+      <p:nvGrpSpPr>
+        <p:cNvPr id="1" name=""/>
+        <p:cNvGrpSpPr/>
+        <p:nvPr/>
+      </p:nvGrpSpPr>
+      <p:grpSpPr/>
+      <p:sp>
+        <p:nvSpPr>
+          <p:cNvPr id="2" name="TextBox 1"/>
+          <p:cNvSpPr txBox="1"/>
+          <p:nvPr/>
+        </p:nvSpPr>
+        <p:spPr>
+          <a:xfrm>
+            <a:off x="457200" y="457200"/>
+            <a:ext cx="8229600" cy="914400"/>
+          </a:xfrm>
+          <a:prstGeom prst="rect">
+            <a:avLst/>
+          </a:prstGeom>
+          <a:noFill/>
+        </p:spPr>
+        <p:txBody>
+          <a:bodyPr wrap="none">
+            <a:spAutoFit/>
+          </a:bodyPr>
+          <a:lstStyle/>
+          <a:p>
+            <a:pPr>
+              <a:defRPr sz="3200" b="1"/>
+            </a:pPr>
+            <a:r>
+              <a:t>Core Concepts</a:t>
+            </a:r>
+          </a:p>
+        </p:txBody>
+      </p:sp>
+      <p:sp>
+        <p:nvSpPr>
+          <p:cNvPr id="3" name="TextBox 2"/>
+          <p:cNvSpPr txBox="1"/>
+          <p:nvPr/>
+        </p:nvSpPr>
+        <p:spPr>
+          <a:xfrm>
+            <a:off x="457200" y="1371600"/>
+            <a:ext cx="4114800" cy="5029200"/>
+          </a:xfrm>
+          <a:prstGeom prst="rect">
+            <a:avLst/>
+          </a:prstGeom>
+          <a:noFill/>
+        </p:spPr>
+        <p:txBody>
           <a:bodyPr wrap="square">
             <a:spAutoFit/>
           </a:bodyPr>
@@ -6413,7 +6480,62 @@
               <a:defRPr sz="1400"/>
             </a:pPr>
             <a:r>
-              <a:t>Photovoltaic (PV) systems convert sunlight into electricity, making solar energy a promising alternative to fossil fuels and nuclear power.</a:t>
+              <a:t>Autoregressive Models</a:t>
+            </a:r>
+          </a:p>
+          <a:p>
+            <a:pPr>
+              <a:defRPr sz="1400"/>
+            </a:pPr>
+            <a:r>
+              <a:t>Generative Adversarial Networks (GANs)</a:t>
+            </a:r>
+          </a:p>
+        </p:txBody>
+      </p:sp>
+      <p:sp>
+        <p:nvSpPr>
+          <p:cNvPr id="4" name="TextBox 3"/>
+          <p:cNvSpPr txBox="1"/>
+          <p:nvPr/>
+        </p:nvSpPr>
+        <p:spPr>
+          <a:xfrm>
+            <a:off x="5029200" y="1371600"/>
+            <a:ext cx="4114800" cy="5029200"/>
+          </a:xfrm>
+          <a:prstGeom prst="rect">
+            <a:avLst/>
+          </a:prstGeom>
+          <a:noFill/>
+        </p:spPr>
+        <p:txBody>
+          <a:bodyPr wrap="square">
+            <a:spAutoFit/>
+          </a:bodyPr>
+          <a:lstStyle/>
+          <a:p>
+            <a:pPr>
+              <a:defRPr sz="1400"/>
+            </a:pPr>
+            <a:r>
+              <a:t>Variational Autoencoders (VAEs)</a:t>
+            </a:r>
+          </a:p>
+          <a:p>
+            <a:pPr>
+              <a:defRPr sz="1400"/>
+            </a:pPr>
+            <a:r>
+              <a:t>Recurrent Neural Networks (RNNs)</a:t>
+            </a:r>
+          </a:p>
+          <a:p>
+            <a:pPr>
+              <a:defRPr sz="1400"/>
+            </a:pPr>
+            <a:r>
+              <a:t>Deep Learning Architectures</a:t>
             </a:r>
           </a:p>
         </p:txBody>
@@ -6452,7 +6574,7 @@
           <a:lstStyle/>
           <a:p>
             <a:r>
-              <a:t>Wind Energy</a:t>
+              <a:t>Types of Generative AI</a:t>
             </a:r>
           </a:p>
         </p:txBody>
@@ -6476,19 +6598,31 @@
           <a:p>
             <a:pPr/>
             <a:r>
-              <a:t>Wind power utilizes wind turbines to convert kinetic energy into electricity, providing a reliable and renewable source of energy for various applications.</a:t>
+              <a:t>Generative Adversarial Networks (GANs)</a:t>
             </a:r>
           </a:p>
           <a:p>
             <a:pPr/>
             <a:r>
-              <a:t>Wind farms have become a common sight globally, with many countries investing heavily in offshore and onshore wind energy projects.</a:t>
+              <a:t>Variational Autoencoders (VAEs)</a:t>
             </a:r>
           </a:p>
           <a:p>
             <a:pPr/>
             <a:r>
-              <a:t>Improved turbine designs and larger rotors have increased energy production and reduced costs, making wind energy a competitive option.</a:t>
+              <a:t>Autoregressive Models</a:t>
+            </a:r>
+          </a:p>
+          <a:p>
+            <a:pPr/>
+            <a:r>
+              <a:t>Markov Chain Monte Carlo (MCMC)</a:t>
+            </a:r>
+          </a:p>
+          <a:p>
+            <a:pPr/>
+            <a:r>
+              <a:t>Evolutionary Algorithms</a:t>
             </a:r>
           </a:p>
         </p:txBody>
@@ -6513,101 +6647,69 @@
       <p:grpSpPr/>
       <p:sp>
         <p:nvSpPr>
-          <p:cNvPr id="2" name="TextBox 1"/>
-          <p:cNvSpPr txBox="1"/>
-          <p:nvPr/>
-        </p:nvSpPr>
-        <p:spPr>
-          <a:xfrm>
-            <a:off x="457200" y="457200"/>
-            <a:ext cx="8229600" cy="914400"/>
-          </a:xfrm>
-          <a:prstGeom prst="rect">
-            <a:avLst/>
-          </a:prstGeom>
-          <a:noFill/>
-        </p:spPr>
-        <p:txBody>
-          <a:bodyPr wrap="none">
-            <a:spAutoFit/>
+          <p:cNvPr id="2" name="Title 1"/>
+          <p:cNvSpPr>
+            <a:spLocks noGrp="1"/>
+          </p:cNvSpPr>
+          <p:nvPr>
+            <p:ph type="title"/>
+          </p:nvPr>
+        </p:nvSpPr>
+        <p:spPr/>
+        <p:txBody>
+          <a:bodyPr/>
+          <a:lstStyle/>
+          <a:p>
+            <a:r>
+              <a:t>Applications</a:t>
+            </a:r>
+          </a:p>
+        </p:txBody>
+      </p:sp>
+      <p:sp>
+        <p:nvSpPr>
+          <p:cNvPr id="3" name="Content Placeholder 2"/>
+          <p:cNvSpPr>
+            <a:spLocks noGrp="1"/>
+          </p:cNvSpPr>
+          <p:nvPr>
+            <p:ph idx="1"/>
+          </p:nvPr>
+        </p:nvSpPr>
+        <p:spPr/>
+        <p:txBody>
+          <a:bodyPr wrap="square">
+            <a:normAutofit/>
           </a:bodyPr>
           <a:lstStyle/>
           <a:p>
-            <a:pPr>
-              <a:defRPr sz="3200" b="1"/>
-            </a:pPr>
-            <a:r>
-              <a:t>Hydropower Energy</a:t>
-            </a:r>
-          </a:p>
-        </p:txBody>
-      </p:sp>
-      <p:sp>
-        <p:nvSpPr>
-          <p:cNvPr id="3" name="TextBox 2"/>
-          <p:cNvSpPr txBox="1"/>
-          <p:nvPr/>
-        </p:nvSpPr>
-        <p:spPr>
-          <a:xfrm>
-            <a:off x="457200" y="1371600"/>
-            <a:ext cx="4114800" cy="5029200"/>
-          </a:xfrm>
-          <a:prstGeom prst="rect">
-            <a:avLst/>
-          </a:prstGeom>
-          <a:noFill/>
-        </p:spPr>
-        <p:txBody>
-          <a:bodyPr wrap="square">
-            <a:spAutoFit/>
-          </a:bodyPr>
-          <a:lstStyle/>
-          <a:p>
-            <a:pPr>
-              <a:defRPr sz="1400"/>
-            </a:pPr>
-            <a:r>
-              <a:t>Hydropower harnesses the energy of moving water to generate electricity, offering a reliable and renewable source of power for industries and communities worldwide.</a:t>
-            </a:r>
-          </a:p>
-        </p:txBody>
-      </p:sp>
-      <p:sp>
-        <p:nvSpPr>
-          <p:cNvPr id="4" name="TextBox 3"/>
-          <p:cNvSpPr txBox="1"/>
-          <p:nvPr/>
-        </p:nvSpPr>
-        <p:spPr>
-          <a:xfrm>
-            <a:off x="5029200" y="1371600"/>
-            <a:ext cx="4114800" cy="5029200"/>
-          </a:xfrm>
-          <a:prstGeom prst="rect">
-            <a:avLst/>
-          </a:prstGeom>
-          <a:noFill/>
-        </p:spPr>
-        <p:txBody>
-          <a:bodyPr wrap="square">
-            <a:spAutoFit/>
-          </a:bodyPr>
-          <a:lstStyle/>
-          <a:p>
-            <a:pPr>
-              <a:defRPr sz="1400"/>
-            </a:pPr>
-            <a:r>
-              <a:t>Hydroelectric dams and run-of-river systems have been developed to tap into this energy potential, providing clean and efficient power generation.</a:t>
-            </a:r>
-          </a:p>
-          <a:p>
-            <a:pPr>
-              <a:defRPr sz="1400"/>
-            </a:pPr>
-            <a:r>
-              <a:t>Advances in turbine design and pump storage technology have improved energy production and reduced costs.</a:t>
+            <a:pPr/>
+            <a:r>
+              <a:t>Image and Video Generation</a:t>
+            </a:r>
+          </a:p>
+          <a:p>
+            <a:pPr/>
+            <a:r>
+              <a:t>Music and Audio Generation</a:t>
+            </a:r>
+          </a:p>
+          <a:p>
+            <a:pPr/>
+            <a:r>
+              <a:t>Text and Language Generation</a:t>
+            </a:r>
+          </a:p>
+          <a:p>
+            <a:pPr/>
+            <a:r>
+              <a:t>Data Augmentation and Labeling</a:t>
+            </a:r>
+          </a:p>
+          <a:p>
+            <a:pPr/>
+            <a:r>
+              <a:t>Creative Writing and Art</a:t>
             </a:r>
           </a:p>
         </p:txBody>
@@ -6656,14 +6758,324 @@
               <a:defRPr sz="3200" b="1"/>
             </a:pPr>
             <a:r>
-              <a:t>Benefits of Renewable Energy</a:t>
+              <a:t>Real-World Examples</a:t>
+            </a:r>
+          </a:p>
+        </p:txBody>
+      </p:sp>
+      <p:sp>
+        <p:nvSpPr>
+          <p:cNvPr id="3" name="TextBox 2"/>
+          <p:cNvSpPr txBox="1"/>
+          <p:nvPr/>
+        </p:nvSpPr>
+        <p:spPr>
+          <a:xfrm>
+            <a:off x="457200" y="1371600"/>
+            <a:ext cx="4114800" cy="5029200"/>
+          </a:xfrm>
+          <a:prstGeom prst="rect">
+            <a:avLst/>
+          </a:prstGeom>
+          <a:noFill/>
+        </p:spPr>
+        <p:txBody>
+          <a:bodyPr wrap="square">
+            <a:spAutoFit/>
+          </a:bodyPr>
+          <a:lstStyle/>
+          <a:p>
+            <a:pPr>
+              <a:defRPr sz="1400"/>
+            </a:pPr>
+            <a:r>
+              <a:t>Deep Dream Generator</a:t>
+            </a:r>
+          </a:p>
+          <a:p>
+            <a:pPr>
+              <a:defRPr sz="1400"/>
+            </a:pPr>
+            <a:r>
+              <a:t>Prisma App</a:t>
+            </a:r>
+          </a:p>
+          <a:p>
+            <a:pPr>
+              <a:defRPr sz="1400"/>
+            </a:pPr>
+            <a:r>
+              <a:t>AI Painter</a:t>
+            </a:r>
+          </a:p>
+          <a:p>
+            <a:pPr>
+              <a:defRPr sz="1400"/>
+            </a:pPr>
+            <a:r>
+              <a:t>Google's AutoML</a:t>
+            </a:r>
+          </a:p>
+          <a:p>
+            <a:pPr>
+              <a:defRPr sz="1400"/>
+            </a:pPr>
+            <a:r>
+              <a:t>Adobe's Fresco</a:t>
             </a:r>
           </a:p>
         </p:txBody>
       </p:sp>
       <p:pic>
         <p:nvPicPr>
-          <p:cNvPr id="3" name="Picture 2" descr="Benefits of Renewable Energy_xU5Mqq0Chck.jpg"/>
+          <p:cNvPr id="4" name="Picture 3" descr="Real-World Examples_ufy7_R9Zoyk.jpg"/>
+          <p:cNvPicPr>
+            <a:picLocks noChangeAspect="1"/>
+          </p:cNvPicPr>
+          <p:nvPr/>
+        </p:nvPicPr>
+        <p:blipFill>
+          <a:blip r:embed="rId2"/>
+          <a:stretch>
+            <a:fillRect/>
+          </a:stretch>
+        </p:blipFill>
+        <p:spPr>
+          <a:xfrm>
+            <a:off x="5029200" y="1371600"/>
+            <a:ext cx="4114800" cy="5029200"/>
+          </a:xfrm>
+          <a:prstGeom prst="rect">
+            <a:avLst/>
+          </a:prstGeom>
+        </p:spPr>
+      </p:pic>
+    </p:spTree>
+  </p:cSld>
+  <p:clrMapOvr>
+    <a:masterClrMapping/>
+  </p:clrMapOvr>
+</p:sld>
+</file>
+
+<file path=ppt/slides/slide7.xml><?xml version="1.0" encoding="utf-8"?>
+<p:sld xmlns:a="http://schemas.openxmlformats.org/drawingml/2006/main" xmlns:p="http://schemas.openxmlformats.org/presentationml/2006/main" xmlns:r="http://schemas.openxmlformats.org/officeDocument/2006/relationships">
+  <p:cSld>
+    <p:spTree>
+      <p:nvGrpSpPr>
+        <p:cNvPr id="1" name=""/>
+        <p:cNvGrpSpPr/>
+        <p:nvPr/>
+      </p:nvGrpSpPr>
+      <p:grpSpPr/>
+      <p:sp>
+        <p:nvSpPr>
+          <p:cNvPr id="2" name="Title 1"/>
+          <p:cNvSpPr>
+            <a:spLocks noGrp="1"/>
+          </p:cNvSpPr>
+          <p:nvPr>
+            <p:ph type="title"/>
+          </p:nvPr>
+        </p:nvSpPr>
+        <p:spPr/>
+        <p:txBody>
+          <a:bodyPr/>
+          <a:lstStyle/>
+          <a:p>
+            <a:r>
+              <a:t>Challenges and Limitations</a:t>
+            </a:r>
+          </a:p>
+        </p:txBody>
+      </p:sp>
+      <p:sp>
+        <p:nvSpPr>
+          <p:cNvPr id="3" name="Content Placeholder 2"/>
+          <p:cNvSpPr>
+            <a:spLocks noGrp="1"/>
+          </p:cNvSpPr>
+          <p:nvPr>
+            <p:ph idx="1"/>
+          </p:nvPr>
+        </p:nvSpPr>
+        <p:spPr/>
+        <p:txBody>
+          <a:bodyPr wrap="square">
+            <a:normAutofit/>
+          </a:bodyPr>
+          <a:lstStyle/>
+          <a:p>
+            <a:pPr/>
+            <a:r>
+              <a:t>Lack of Control and Understanding</a:t>
+            </a:r>
+          </a:p>
+          <a:p>
+            <a:pPr/>
+            <a:r>
+              <a:t>Mode Collapse and Overfitting</a:t>
+            </a:r>
+          </a:p>
+          <a:p>
+            <a:pPr/>
+            <a:r>
+              <a:t>Data Quality and Diversity</a:t>
+            </a:r>
+          </a:p>
+          <a:p>
+            <a:pPr/>
+            <a:r>
+              <a:t>Interpretability and Explainability</a:t>
+            </a:r>
+          </a:p>
+          <a:p>
+            <a:pPr/>
+            <a:r>
+              <a:t>Ethics and Bias</a:t>
+            </a:r>
+          </a:p>
+        </p:txBody>
+      </p:sp>
+    </p:spTree>
+  </p:cSld>
+  <p:clrMapOvr>
+    <a:masterClrMapping/>
+  </p:clrMapOvr>
+</p:sld>
+</file>
+
+<file path=ppt/slides/slide8.xml><?xml version="1.0" encoding="utf-8"?>
+<p:sld xmlns:a="http://schemas.openxmlformats.org/drawingml/2006/main" xmlns:p="http://schemas.openxmlformats.org/presentationml/2006/main" xmlns:r="http://schemas.openxmlformats.org/officeDocument/2006/relationships">
+  <p:cSld>
+    <p:spTree>
+      <p:nvGrpSpPr>
+        <p:cNvPr id="1" name=""/>
+        <p:cNvGrpSpPr/>
+        <p:nvPr/>
+      </p:nvGrpSpPr>
+      <p:grpSpPr/>
+      <p:sp>
+        <p:nvSpPr>
+          <p:cNvPr id="2" name="Title 1"/>
+          <p:cNvSpPr>
+            <a:spLocks noGrp="1"/>
+          </p:cNvSpPr>
+          <p:nvPr>
+            <p:ph type="title"/>
+          </p:nvPr>
+        </p:nvSpPr>
+        <p:spPr/>
+        <p:txBody>
+          <a:bodyPr/>
+          <a:lstStyle/>
+          <a:p>
+            <a:r>
+              <a:t>Future of Generative AI</a:t>
+            </a:r>
+          </a:p>
+        </p:txBody>
+      </p:sp>
+      <p:sp>
+        <p:nvSpPr>
+          <p:cNvPr id="3" name="Content Placeholder 2"/>
+          <p:cNvSpPr>
+            <a:spLocks noGrp="1"/>
+          </p:cNvSpPr>
+          <p:nvPr>
+            <p:ph idx="1"/>
+          </p:nvPr>
+        </p:nvSpPr>
+        <p:spPr/>
+        <p:txBody>
+          <a:bodyPr wrap="square">
+            <a:normAutofit/>
+          </a:bodyPr>
+          <a:lstStyle/>
+          <a:p>
+            <a:pPr/>
+            <a:r>
+              <a:t>Advances in Compute Power and Data</a:t>
+            </a:r>
+          </a:p>
+          <a:p>
+            <a:pPr/>
+            <a:r>
+              <a:t>Improved Explainability and Transparency</a:t>
+            </a:r>
+          </a:p>
+          <a:p>
+            <a:pPr/>
+            <a:r>
+              <a:t>Integration with Other AI Technologies</a:t>
+            </a:r>
+          </a:p>
+          <a:p>
+            <a:pPr/>
+            <a:r>
+              <a:t>Increased Adoption in Industries</a:t>
+            </a:r>
+          </a:p>
+          <a:p>
+            <a:pPr/>
+            <a:r>
+              <a:t>New Applications and Use Cases</a:t>
+            </a:r>
+          </a:p>
+        </p:txBody>
+      </p:sp>
+    </p:spTree>
+  </p:cSld>
+  <p:clrMapOvr>
+    <a:masterClrMapping/>
+  </p:clrMapOvr>
+</p:sld>
+</file>
+
+<file path=ppt/slides/slide9.xml><?xml version="1.0" encoding="utf-8"?>
+<p:sld xmlns:a="http://schemas.openxmlformats.org/drawingml/2006/main" xmlns:p="http://schemas.openxmlformats.org/presentationml/2006/main" xmlns:r="http://schemas.openxmlformats.org/officeDocument/2006/relationships">
+  <p:cSld>
+    <p:spTree>
+      <p:nvGrpSpPr>
+        <p:cNvPr id="1" name=""/>
+        <p:cNvGrpSpPr/>
+        <p:nvPr/>
+      </p:nvGrpSpPr>
+      <p:grpSpPr/>
+      <p:sp>
+        <p:nvSpPr>
+          <p:cNvPr id="2" name="TextBox 1"/>
+          <p:cNvSpPr txBox="1"/>
+          <p:nvPr/>
+        </p:nvSpPr>
+        <p:spPr>
+          <a:xfrm>
+            <a:off x="457200" y="457200"/>
+            <a:ext cx="8229600" cy="914400"/>
+          </a:xfrm>
+          <a:prstGeom prst="rect">
+            <a:avLst/>
+          </a:prstGeom>
+          <a:noFill/>
+        </p:spPr>
+        <p:txBody>
+          <a:bodyPr wrap="none">
+            <a:spAutoFit/>
+          </a:bodyPr>
+          <a:lstStyle/>
+          <a:p>
+            <a:pPr>
+              <a:defRPr sz="3200" b="1"/>
+            </a:pPr>
+            <a:r>
+              <a:t>Impact on Society</a:t>
+            </a:r>
+          </a:p>
+        </p:txBody>
+      </p:sp>
+      <p:pic>
+        <p:nvPicPr>
+          <p:cNvPr id="3" name="Picture 2" descr="Impact on Society_X53e51WfjlE.jpg"/>
           <p:cNvPicPr>
             <a:picLocks noChangeAspect="1"/>
           </p:cNvPicPr>
@@ -6711,7 +7123,7 @@
               <a:defRPr sz="1400"/>
             </a:pPr>
             <a:r>
-              <a:t>Renewable energy helps mitigate climate change by reducing greenhouse gas emissions and dependence on fossil fuels.</a:t>
+              <a:t>Job Creation and Disruption</a:t>
             </a:r>
           </a:p>
           <a:p>
@@ -6719,7 +7131,7 @@
               <a:defRPr sz="1400"/>
             </a:pPr>
             <a:r>
-              <a:t>Renewable energy promotes energy independence, enabling countries to rely on domestic resources and reduce trade deficits.</a:t>
+              <a:t>New Forms of Creative Expression</a:t>
             </a:r>
           </a:p>
           <a:p>
@@ -6727,192 +7139,15 @@
               <a:defRPr sz="1400"/>
             </a:pPr>
             <a:r>
-              <a:t>Renewable energy creates jobs and stimulates local economies, particularly in rural areas where wind farms and solar parks are often located.</a:t>
-            </a:r>
-          </a:p>
-        </p:txBody>
-      </p:sp>
-    </p:spTree>
-  </p:cSld>
-  <p:clrMapOvr>
-    <a:masterClrMapping/>
-  </p:clrMapOvr>
-</p:sld>
-</file>
-
-<file path=ppt/slides/slide7.xml><?xml version="1.0" encoding="utf-8"?>
-<p:sld xmlns:a="http://schemas.openxmlformats.org/drawingml/2006/main" xmlns:p="http://schemas.openxmlformats.org/presentationml/2006/main" xmlns:r="http://schemas.openxmlformats.org/officeDocument/2006/relationships">
-  <p:cSld>
-    <p:spTree>
-      <p:nvGrpSpPr>
-        <p:cNvPr id="1" name=""/>
-        <p:cNvGrpSpPr/>
-        <p:nvPr/>
-      </p:nvGrpSpPr>
-      <p:grpSpPr/>
-      <p:sp>
-        <p:nvSpPr>
-          <p:cNvPr id="2" name="TextBox 1"/>
-          <p:cNvSpPr txBox="1"/>
-          <p:nvPr/>
-        </p:nvSpPr>
-        <p:spPr>
-          <a:xfrm>
-            <a:off x="457200" y="457200"/>
-            <a:ext cx="8229600" cy="914400"/>
-          </a:xfrm>
-          <a:prstGeom prst="rect">
-            <a:avLst/>
-          </a:prstGeom>
-          <a:noFill/>
-        </p:spPr>
-        <p:txBody>
-          <a:bodyPr wrap="none">
-            <a:spAutoFit/>
-          </a:bodyPr>
-          <a:lstStyle/>
-          <a:p>
-            <a:pPr>
-              <a:defRPr sz="3200" b="1"/>
-            </a:pPr>
-            <a:r>
-              <a:t>Challenges of Renewable Energy</a:t>
-            </a:r>
-          </a:p>
-        </p:txBody>
-      </p:sp>
-      <p:sp>
-        <p:nvSpPr>
-          <p:cNvPr id="3" name="TextBox 2"/>
-          <p:cNvSpPr txBox="1"/>
-          <p:nvPr/>
-        </p:nvSpPr>
-        <p:spPr>
-          <a:xfrm>
-            <a:off x="457200" y="1371600"/>
-            <a:ext cx="4114800" cy="457200"/>
-          </a:xfrm>
-          <a:prstGeom prst="rect">
-            <a:avLst/>
-          </a:prstGeom>
-          <a:noFill/>
-        </p:spPr>
-        <p:txBody>
-          <a:bodyPr wrap="none">
-            <a:spAutoFit/>
-          </a:bodyPr>
-          <a:lstStyle/>
-          <a:p>
-            <a:pPr algn="ctr">
-              <a:defRPr sz="1800" b="1"/>
-            </a:pPr>
-            <a:r>
-              <a:t>Before / Option A</a:t>
-            </a:r>
-          </a:p>
-        </p:txBody>
-      </p:sp>
-      <p:sp>
-        <p:nvSpPr>
-          <p:cNvPr id="4" name="TextBox 3"/>
-          <p:cNvSpPr txBox="1"/>
-          <p:nvPr/>
-        </p:nvSpPr>
-        <p:spPr>
-          <a:xfrm>
-            <a:off x="5029200" y="1371600"/>
-            <a:ext cx="4114800" cy="457200"/>
-          </a:xfrm>
-          <a:prstGeom prst="rect">
-            <a:avLst/>
-          </a:prstGeom>
-          <a:noFill/>
-        </p:spPr>
-        <p:txBody>
-          <a:bodyPr wrap="none">
-            <a:spAutoFit/>
-          </a:bodyPr>
-          <a:lstStyle/>
-          <a:p>
-            <a:pPr algn="ctr">
-              <a:defRPr sz="1800" b="1"/>
-            </a:pPr>
-            <a:r>
-              <a:t>After / Option B</a:t>
-            </a:r>
-          </a:p>
-        </p:txBody>
-      </p:sp>
-      <p:sp>
-        <p:nvSpPr>
-          <p:cNvPr id="5" name="Rectangle 4"/>
-          <p:cNvSpPr/>
-          <p:nvPr/>
-        </p:nvSpPr>
-        <p:spPr>
-          <a:xfrm>
-            <a:off x="4572000" y="1371600"/>
-            <a:ext cx="0" cy="5029200"/>
-          </a:xfrm>
-          <a:prstGeom prst="rect">
-            <a:avLst/>
-          </a:prstGeom>
-          <a:solidFill>
-            <a:srgbClr val="000000"/>
-          </a:solidFill>
-          <a:ln>
-            <a:noFill/>
-          </a:ln>
-        </p:spPr>
-        <p:style>
-          <a:lnRef idx="1">
-            <a:schemeClr val="accent1"/>
-          </a:lnRef>
-          <a:fillRef idx="3">
-            <a:schemeClr val="accent1"/>
-          </a:fillRef>
-          <a:effectRef idx="2">
-            <a:schemeClr val="accent1"/>
-          </a:effectRef>
-          <a:fontRef idx="minor">
-            <a:schemeClr val="lt1"/>
-          </a:fontRef>
-        </p:style>
-        <p:txBody>
-          <a:bodyPr rtlCol="0" anchor="ctr"/>
-          <a:lstStyle/>
-          <a:p>
-            <a:pPr algn="ctr"/>
-          </a:p>
-        </p:txBody>
-      </p:sp>
-      <p:sp>
-        <p:nvSpPr>
-          <p:cNvPr id="6" name="TextBox 5"/>
-          <p:cNvSpPr txBox="1"/>
-          <p:nvPr/>
-        </p:nvSpPr>
-        <p:spPr>
-          <a:xfrm>
-            <a:off x="457200" y="1828800"/>
-            <a:ext cx="4114800" cy="4572000"/>
-          </a:xfrm>
-          <a:prstGeom prst="rect">
-            <a:avLst/>
-          </a:prstGeom>
-          <a:noFill/>
-        </p:spPr>
-        <p:txBody>
-          <a:bodyPr wrap="square">
-            <a:spAutoFit/>
-          </a:bodyPr>
-          <a:lstStyle/>
+              <a:t>Enhanced User Experience</a:t>
+            </a:r>
+          </a:p>
           <a:p>
             <a:pPr>
               <a:defRPr sz="1400"/>
             </a:pPr>
             <a:r>
-              <a:t>Intermittency remains a significant challenge for renewable energy sources, particularly solar and wind power, which are affected by weather conditions.</a:t>
+              <a:t>Increased Efficiency and Productivity</a:t>
             </a:r>
           </a:p>
           <a:p>
@@ -6920,232 +7155,7 @@
               <a:defRPr sz="1400"/>
             </a:pPr>
             <a:r>
-              <a:t>Energy storage solutions are still evolving, making it difficult to stabilize the grid and ensure a reliable supply of renewable energy.</a:t>
-            </a:r>
-          </a:p>
-        </p:txBody>
-      </p:sp>
-      <p:sp>
-        <p:nvSpPr>
-          <p:cNvPr id="7" name="TextBox 6"/>
-          <p:cNvSpPr txBox="1"/>
-          <p:nvPr/>
-        </p:nvSpPr>
-        <p:spPr>
-          <a:xfrm>
-            <a:off x="5029200" y="1828800"/>
-            <a:ext cx="4114800" cy="4572000"/>
-          </a:xfrm>
-          <a:prstGeom prst="rect">
-            <a:avLst/>
-          </a:prstGeom>
-          <a:noFill/>
-        </p:spPr>
-        <p:txBody>
-          <a:bodyPr wrap="square">
-            <a:spAutoFit/>
-          </a:bodyPr>
-          <a:lstStyle/>
-          <a:p>
-            <a:pPr>
-              <a:defRPr sz="1400"/>
-            </a:pPr>
-            <a:r>
-              <a:t>High upfront costs and infrastructure requirements have limited the adoption of renewable energy technologies in some regions.</a:t>
-            </a:r>
-          </a:p>
-        </p:txBody>
-      </p:sp>
-    </p:spTree>
-  </p:cSld>
-  <p:clrMapOvr>
-    <a:masterClrMapping/>
-  </p:clrMapOvr>
-</p:sld>
-</file>
-
-<file path=ppt/slides/slide8.xml><?xml version="1.0" encoding="utf-8"?>
-<p:sld xmlns:a="http://schemas.openxmlformats.org/drawingml/2006/main" xmlns:p="http://schemas.openxmlformats.org/presentationml/2006/main" xmlns:r="http://schemas.openxmlformats.org/officeDocument/2006/relationships">
-  <p:cSld>
-    <p:spTree>
-      <p:nvGrpSpPr>
-        <p:cNvPr id="1" name=""/>
-        <p:cNvGrpSpPr/>
-        <p:nvPr/>
-      </p:nvGrpSpPr>
-      <p:grpSpPr/>
-      <p:sp>
-        <p:nvSpPr>
-          <p:cNvPr id="2" name="TextBox 1"/>
-          <p:cNvSpPr txBox="1"/>
-          <p:nvPr/>
-        </p:nvSpPr>
-        <p:spPr>
-          <a:xfrm>
-            <a:off x="457200" y="457200"/>
-            <a:ext cx="8229600" cy="914400"/>
-          </a:xfrm>
-          <a:prstGeom prst="rect">
-            <a:avLst/>
-          </a:prstGeom>
-          <a:noFill/>
-        </p:spPr>
-        <p:txBody>
-          <a:bodyPr wrap="none">
-            <a:spAutoFit/>
-          </a:bodyPr>
-          <a:lstStyle/>
-          <a:p>
-            <a:pPr>
-              <a:defRPr sz="3200" b="1"/>
-            </a:pPr>
-            <a:r>
-              <a:t>Energy Storage Solutions</a:t>
-            </a:r>
-          </a:p>
-        </p:txBody>
-      </p:sp>
-      <p:sp>
-        <p:nvSpPr>
-          <p:cNvPr id="3" name="TextBox 2"/>
-          <p:cNvSpPr txBox="1"/>
-          <p:nvPr/>
-        </p:nvSpPr>
-        <p:spPr>
-          <a:xfrm>
-            <a:off x="457200" y="1371600"/>
-            <a:ext cx="4114800" cy="5029200"/>
-          </a:xfrm>
-          <a:prstGeom prst="rect">
-            <a:avLst/>
-          </a:prstGeom>
-          <a:noFill/>
-        </p:spPr>
-        <p:txBody>
-          <a:bodyPr wrap="square">
-            <a:spAutoFit/>
-          </a:bodyPr>
-          <a:lstStyle/>
-          <a:p>
-            <a:pPr>
-              <a:defRPr sz="1400"/>
-            </a:pPr>
-            <a:r>
-              <a:t>Batteries, such as lithium-ion and lead-acid batteries, have become a popular choice for energy storage in renewable energy systems.</a:t>
-            </a:r>
-          </a:p>
-        </p:txBody>
-      </p:sp>
-      <p:sp>
-        <p:nvSpPr>
-          <p:cNvPr id="4" name="TextBox 3"/>
-          <p:cNvSpPr txBox="1"/>
-          <p:nvPr/>
-        </p:nvSpPr>
-        <p:spPr>
-          <a:xfrm>
-            <a:off x="5029200" y="1371600"/>
-            <a:ext cx="4114800" cy="5029200"/>
-          </a:xfrm>
-          <a:prstGeom prst="rect">
-            <a:avLst/>
-          </a:prstGeom>
-          <a:noFill/>
-        </p:spPr>
-        <p:txBody>
-          <a:bodyPr wrap="square">
-            <a:spAutoFit/>
-          </a:bodyPr>
-          <a:lstStyle/>
-          <a:p>
-            <a:pPr>
-              <a:defRPr sz="1400"/>
-            </a:pPr>
-            <a:r>
-              <a:t>Pumped hydro storage and compressed air energy storage are other options for long-term energy storage.</a:t>
-            </a:r>
-          </a:p>
-          <a:p>
-            <a:pPr>
-              <a:defRPr sz="1400"/>
-            </a:pPr>
-            <a:r>
-              <a:t>Research is ongoing to develop more efficient and cost-effective energy storage solutions, including flow batteries and hydrogen storage.</a:t>
-            </a:r>
-          </a:p>
-        </p:txBody>
-      </p:sp>
-    </p:spTree>
-  </p:cSld>
-  <p:clrMapOvr>
-    <a:masterClrMapping/>
-  </p:clrMapOvr>
-</p:sld>
-</file>
-
-<file path=ppt/slides/slide9.xml><?xml version="1.0" encoding="utf-8"?>
-<p:sld xmlns:a="http://schemas.openxmlformats.org/drawingml/2006/main" xmlns:p="http://schemas.openxmlformats.org/presentationml/2006/main" xmlns:r="http://schemas.openxmlformats.org/officeDocument/2006/relationships">
-  <p:cSld>
-    <p:spTree>
-      <p:nvGrpSpPr>
-        <p:cNvPr id="1" name=""/>
-        <p:cNvGrpSpPr/>
-        <p:nvPr/>
-      </p:nvGrpSpPr>
-      <p:grpSpPr/>
-      <p:sp>
-        <p:nvSpPr>
-          <p:cNvPr id="2" name="Title 1"/>
-          <p:cNvSpPr>
-            <a:spLocks noGrp="1"/>
-          </p:cNvSpPr>
-          <p:nvPr>
-            <p:ph type="title"/>
-          </p:nvPr>
-        </p:nvSpPr>
-        <p:spPr/>
-        <p:txBody>
-          <a:bodyPr/>
-          <a:lstStyle/>
-          <a:p>
-            <a:r>
-              <a:t>Grid Integration</a:t>
-            </a:r>
-          </a:p>
-        </p:txBody>
-      </p:sp>
-      <p:sp>
-        <p:nvSpPr>
-          <p:cNvPr id="3" name="Content Placeholder 2"/>
-          <p:cNvSpPr>
-            <a:spLocks noGrp="1"/>
-          </p:cNvSpPr>
-          <p:nvPr>
-            <p:ph idx="1"/>
-          </p:nvPr>
-        </p:nvSpPr>
-        <p:spPr/>
-        <p:txBody>
-          <a:bodyPr wrap="square">
-            <a:normAutofit/>
-          </a:bodyPr>
-          <a:lstStyle/>
-          <a:p>
-            <a:pPr/>
-            <a:r>
-              <a:t>Renewable energy sources require advanced grid management systems to ensure stable and efficient power transmission.</a:t>
-            </a:r>
-          </a:p>
-          <a:p>
-            <a:pPr/>
-            <a:r>
-              <a:t>Smart grids and energy management systems are being developed to optimize energy distribution and balance supply and demand.</a:t>
-            </a:r>
-          </a:p>
-          <a:p>
-            <a:pPr/>
-            <a:r>
-              <a:t>Grid-scale energy storage solutions are being integrated to stabilize the grid and ensure a reliable supply of renewable energy.</a:t>
+              <a:t>Ethical Concerns and Debate</a:t>
             </a:r>
           </a:p>
         </p:txBody>
@@ -7159,9 +7169,9 @@
 </file>
 
 <file path=ppt/theme/theme1.xml><?xml version="1.0" encoding="utf-8"?>
-<a:theme xmlns:a="http://schemas.openxmlformats.org/drawingml/2006/main" name="Facet">
+<a:theme xmlns:a="http://schemas.openxmlformats.org/drawingml/2006/main" name="Ion">
   <a:themeElements>
-    <a:clrScheme name="Facet">
+    <a:clrScheme name="Ion">
       <a:dk1>
         <a:sysClr val="windowText" lastClr="000000"/>
       </a:dk1>
@@ -7169,52 +7179,52 @@
         <a:sysClr val="window" lastClr="FFFFFF"/>
       </a:lt1>
       <a:dk2>
-        <a:srgbClr val="2C3C43"/>
+        <a:srgbClr val="1E5155"/>
       </a:dk2>
       <a:lt2>
         <a:srgbClr val="EBEBEB"/>
       </a:lt2>
       <a:accent1>
-        <a:srgbClr val="90C226"/>
+        <a:srgbClr val="B01513"/>
       </a:accent1>
       <a:accent2>
-        <a:srgbClr val="54A021"/>
+        <a:srgbClr val="EA6312"/>
       </a:accent2>
       <a:accent3>
-        <a:srgbClr val="E6B91E"/>
+        <a:srgbClr val="E6B729"/>
       </a:accent3>
       <a:accent4>
-        <a:srgbClr val="E76618"/>
+        <a:srgbClr val="6AAC90"/>
       </a:accent4>
       <a:accent5>
-        <a:srgbClr val="C42F1A"/>
+        <a:srgbClr val="54849A"/>
       </a:accent5>
       <a:accent6>
-        <a:srgbClr val="918655"/>
+        <a:srgbClr val="9E5E9B"/>
       </a:accent6>
       <a:hlink>
-        <a:srgbClr val="99CA3C"/>
+        <a:srgbClr val="58C1BA"/>
       </a:hlink>
       <a:folHlink>
-        <a:srgbClr val="B9D181"/>
+        <a:srgbClr val="9DFFCB"/>
       </a:folHlink>
     </a:clrScheme>
-    <a:fontScheme name="Facet">
+    <a:fontScheme name="Ion">
       <a:majorFont>
-        <a:latin typeface="Trebuchet MS" panose="020B0603020202020204"/>
+        <a:latin typeface="Century Gothic" panose="020B0502020202020204"/>
         <a:ea typeface=""/>
         <a:cs typeface=""/>
         <a:font script="Jpan" typeface="メイリオ"/>
         <a:font script="Hang" typeface="맑은 고딕"/>
-        <a:font script="Hans" typeface="方正姚体"/>
-        <a:font script="Hant" typeface="微軟正黑體"/>
-        <a:font script="Arab" typeface="Tahoma"/>
-        <a:font script="Hebr" typeface="Arial"/>
-        <a:font script="Thai" typeface="Cordia New"/>
+        <a:font script="Hans" typeface="宋体"/>
+        <a:font script="Hant" typeface="新細明體"/>
+        <a:font script="Arab" typeface="Times New Roman"/>
+        <a:font script="Hebr" typeface="Times New Roman"/>
+        <a:font script="Thai" typeface="Angsana New"/>
         <a:font script="Ethi" typeface="Nyala"/>
         <a:font script="Beng" typeface="Vrinda"/>
         <a:font script="Gujr" typeface="Shruti"/>
-        <a:font script="Khmr" typeface="DaunPenh"/>
+        <a:font script="Khmr" typeface="MoolBoran"/>
         <a:font script="Knda" typeface="Tunga"/>
         <a:font script="Guru" typeface="Raavi"/>
         <a:font script="Cans" typeface="Euphemia"/>
@@ -7231,21 +7241,21 @@
         <a:font script="Laoo" typeface="DokChampa"/>
         <a:font script="Sinh" typeface="Iskoola Pota"/>
         <a:font script="Mong" typeface="Mongolian Baiti"/>
-        <a:font script="Viet" typeface="Tahoma"/>
+        <a:font script="Viet" typeface="Times New Roman"/>
         <a:font script="Uigh" typeface="Microsoft Uighur"/>
         <a:font script="Geor" typeface="Sylfaen"/>
       </a:majorFont>
       <a:minorFont>
-        <a:latin typeface="Trebuchet MS" panose="020B0603020202020204"/>
+        <a:latin typeface="Century Gothic" panose="020B0502020202020204"/>
         <a:ea typeface=""/>
         <a:cs typeface=""/>
         <a:font script="Jpan" typeface="メイリオ"/>
-        <a:font script="Hang" typeface="HY그래픽M"/>
-        <a:font script="Hans" typeface="华文新魏"/>
-        <a:font script="Hant" typeface="微軟正黑體"/>
-        <a:font script="Arab" typeface="Tahoma"/>
-        <a:font script="Hebr" typeface="Gisha"/>
-        <a:font script="Thai" typeface="IrisUPC"/>
+        <a:font script="Hang" typeface="맑은 고딕"/>
+        <a:font script="Hans" typeface="宋体"/>
+        <a:font script="Hant" typeface="新細明體"/>
+        <a:font script="Arab" typeface="Arial"/>
+        <a:font script="Hebr" typeface="Arial"/>
+        <a:font script="Thai" typeface="Cordia New"/>
         <a:font script="Ethi" typeface="Nyala"/>
         <a:font script="Beng" typeface="Vrinda"/>
         <a:font script="Gujr" typeface="Shruti"/>
@@ -7271,7 +7281,7 @@
         <a:font script="Geor" typeface="Sylfaen"/>
       </a:minorFont>
     </a:fontScheme>
-    <a:fmtScheme name="Facet">
+    <a:fmtScheme name="Ion">
       <a:fillStyleLst>
         <a:solidFill>
           <a:schemeClr val="phClr"/>
@@ -7280,13 +7290,15 @@
           <a:gsLst>
             <a:gs pos="0">
               <a:schemeClr val="phClr">
-                <a:tint val="65000"/>
-                <a:lumMod val="110000"/>
+                <a:tint val="64000"/>
+                <a:lumMod val="118000"/>
               </a:schemeClr>
             </a:gs>
-            <a:gs pos="88000">
+            <a:gs pos="100000">
               <a:schemeClr val="phClr">
-                <a:tint val="90000"/>
+                <a:tint val="92000"/>
+                <a:alpha val="100000"/>
+                <a:lumMod val="110000"/>
               </a:schemeClr>
             </a:gs>
           </a:gsLst>
@@ -7296,14 +7308,14 @@
           <a:gsLst>
             <a:gs pos="0">
               <a:schemeClr val="phClr">
-                <a:tint val="96000"/>
-                <a:lumMod val="100000"/>
+                <a:tint val="98000"/>
+                <a:lumMod val="114000"/>
               </a:schemeClr>
             </a:gs>
-            <a:gs pos="78000">
+            <a:gs pos="100000">
               <a:schemeClr val="phClr">
-                <a:shade val="94000"/>
-                <a:lumMod val="94000"/>
+                <a:shade val="90000"/>
+                <a:lumMod val="84000"/>
               </a:schemeClr>
             </a:gs>
           </a:gsLst>
@@ -7311,7 +7323,7 @@
         </a:gradFill>
       </a:fillStyleLst>
       <a:lnStyleLst>
-        <a:ln w="12700" cap="rnd" cmpd="sng" algn="ctr">
+        <a:ln w="9525" cap="rnd" cmpd="sng" algn="ctr">
           <a:solidFill>
             <a:schemeClr val="phClr"/>
           </a:solidFill>
@@ -7323,7 +7335,7 @@
           </a:solidFill>
           <a:prstDash val="solid"/>
         </a:ln>
-        <a:ln w="25400" cap="rnd" cmpd="sng" algn="ctr">
+        <a:ln w="28575" cap="rnd" cmpd="sng" algn="ctr">
           <a:solidFill>
             <a:schemeClr val="phClr"/>
           </a:solidFill>
@@ -7338,16 +7350,16 @@
           <a:effectLst>
             <a:outerShdw blurRad="38100" dist="25400" dir="5400000" rotWithShape="0">
               <a:srgbClr val="000000">
-                <a:alpha val="35000"/>
+                <a:alpha val="45000"/>
               </a:srgbClr>
             </a:outerShdw>
           </a:effectLst>
         </a:effectStyle>
         <a:effectStyle>
           <a:effectLst>
-            <a:outerShdw blurRad="50800" dist="38100" dir="5400000" rotWithShape="0">
+            <a:outerShdw blurRad="63500" dist="38100" dir="5400000" rotWithShape="0">
               <a:srgbClr val="000000">
-                <a:alpha val="35000"/>
+                <a:alpha val="60000"/>
               </a:srgbClr>
             </a:outerShdw>
           </a:effectLst>
@@ -7370,38 +7382,45 @@
           <a:gsLst>
             <a:gs pos="0">
               <a:schemeClr val="phClr">
-                <a:tint val="90000"/>
-                <a:lumMod val="104000"/>
-              </a:schemeClr>
-            </a:gs>
-            <a:gs pos="94000">
-              <a:schemeClr val="phClr">
-                <a:shade val="96000"/>
-                <a:lumMod val="82000"/>
-              </a:schemeClr>
-            </a:gs>
-          </a:gsLst>
-          <a:lin ang="5400000" scaled="0"/>
-        </a:gradFill>
-        <a:gradFill rotWithShape="1">
-          <a:gsLst>
-            <a:gs pos="0">
-              <a:schemeClr val="phClr">
-                <a:tint val="90000"/>
-                <a:lumMod val="110000"/>
+                <a:tint val="97000"/>
+                <a:hueMod val="88000"/>
+                <a:satMod val="130000"/>
+                <a:lumMod val="124000"/>
               </a:schemeClr>
             </a:gs>
             <a:gs pos="100000">
               <a:schemeClr val="phClr">
-                <a:shade val="94000"/>
-                <a:lumMod val="96000"/>
+                <a:tint val="96000"/>
+                <a:shade val="88000"/>
+                <a:hueMod val="108000"/>
+                <a:satMod val="164000"/>
+                <a:lumMod val="76000"/>
               </a:schemeClr>
             </a:gs>
           </a:gsLst>
           <a:path path="circle">
-            <a:fillToRect l="50000" t="50000" r="100000" b="100000"/>
+            <a:fillToRect l="45000" t="65000" r="125000" b="100000"/>
           </a:path>
         </a:gradFill>
+        <a:blipFill rotWithShape="1">
+          <a:blip xmlns:r="http://schemas.openxmlformats.org/officeDocument/2006/relationships" r:embed="rId1">
+            <a:duotone>
+              <a:schemeClr val="phClr">
+                <a:shade val="69000"/>
+                <a:hueMod val="108000"/>
+                <a:satMod val="164000"/>
+                <a:lumMod val="74000"/>
+              </a:schemeClr>
+              <a:schemeClr val="phClr">
+                <a:tint val="96000"/>
+                <a:hueMod val="88000"/>
+                <a:satMod val="140000"/>
+                <a:lumMod val="132000"/>
+              </a:schemeClr>
+            </a:duotone>
+          </a:blip>
+          <a:stretch/>
+        </a:blipFill>
       </a:bgFillStyleLst>
     </a:fmtScheme>
   </a:themeElements>
@@ -7409,7 +7428,7 @@
   <a:extraClrSchemeLst/>
   <a:extLst>
     <a:ext uri="{05A4C25C-085E-4340-85A3-A5531E510DB2}">
-      <thm15:themeFamily xmlns:thm15="http://schemas.microsoft.com/office/thememl/2012/main" name="Facet" id="{C0C680CD-088A-49FC-A102-D699147F32B2}" vid="{CFBC31BA-B70F-4F30-BCAA-4F3011E16C4D}"/>
+      <thm15:themeFamily xmlns:thm15="http://schemas.microsoft.com/office/thememl/2012/main" name="Ion" id="{B8441ADB-2E43-4AF7-B97A-BD870242C6A8}" vid="{292E63A9-BB86-4E3D-B92A-7223C6510D2E}"/>
     </a:ext>
   </a:extLst>
 </a:theme>
